--- a/FonReports-FloodSlide/src/test/resources/template/Template_WRAP_搜圖成果.pptx
+++ b/FonReports-FloodSlide/src/test/resources/template/Template_WRAP_搜圖成果.pptx
@@ -227,7 +227,7 @@
           <a:p>
             <a:fld id="{1D048BAB-A4FF-4EEC-920E-9977D8E971AC}" type="datetimeFigureOut">
               <a:rPr lang="zh-TW" altLang="en-US" smtClean="0"/>
-              <a:t>2018/7/2</a:t>
+              <a:t>2018/7/17</a:t>
             </a:fld>
             <a:endParaRPr lang="zh-TW" altLang="en-US"/>
           </a:p>
@@ -965,7 +965,7 @@
       </p:grpSpPr>
       <p:sp>
         <p:nvSpPr>
-          <p:cNvPr id="2" name="投影片影像版面配置區 1"/>
+          <p:cNvPr id="2" name="投影片圖像版面配置區 1"/>
           <p:cNvSpPr>
             <a:spLocks noGrp="1" noRot="1" noChangeAspect="1"/>
           </p:cNvSpPr>
@@ -990,7 +990,7 @@
           <a:bodyPr/>
           <a:lstStyle/>
           <a:p>
-            <a:endParaRPr kumimoji="1" lang="zh-TW" altLang="en-US" dirty="0"/>
+            <a:endParaRPr lang="zh-TW" altLang="en-US" dirty="0"/>
           </a:p>
         </p:txBody>
       </p:sp>
@@ -1011,7 +1011,7 @@
           <a:p>
             <a:fld id="{6659B44B-F587-432C-B859-464D2D9F1232}" type="slidenum">
               <a:rPr lang="zh-TW" altLang="en-US" smtClean="0"/>
-              <a:t>5</a:t>
+              <a:t>4</a:t>
             </a:fld>
             <a:endParaRPr lang="zh-TW" altLang="en-US"/>
           </a:p>
@@ -1020,7 +1020,7 @@
     </p:spTree>
     <p:extLst>
       <p:ext uri="{BB962C8B-B14F-4D97-AF65-F5344CB8AC3E}">
-        <p14:creationId xmlns:p14="http://schemas.microsoft.com/office/powerpoint/2010/main" val="2913843538"/>
+        <p14:creationId xmlns:p14="http://schemas.microsoft.com/office/powerpoint/2010/main" val="887114109"/>
       </p:ext>
     </p:extLst>
   </p:cSld>
@@ -1049,6 +1049,90 @@
       </p:grpSpPr>
       <p:sp>
         <p:nvSpPr>
+          <p:cNvPr id="2" name="投影片影像版面配置區 1"/>
+          <p:cNvSpPr>
+            <a:spLocks noGrp="1" noRot="1" noChangeAspect="1"/>
+          </p:cNvSpPr>
+          <p:nvPr>
+            <p:ph type="sldImg"/>
+          </p:nvPr>
+        </p:nvSpPr>
+        <p:spPr/>
+      </p:sp>
+      <p:sp>
+        <p:nvSpPr>
+          <p:cNvPr id="3" name="備忘稿版面配置區 2"/>
+          <p:cNvSpPr>
+            <a:spLocks noGrp="1"/>
+          </p:cNvSpPr>
+          <p:nvPr>
+            <p:ph type="body" idx="1"/>
+          </p:nvPr>
+        </p:nvSpPr>
+        <p:spPr/>
+        <p:txBody>
+          <a:bodyPr/>
+          <a:lstStyle/>
+          <a:p>
+            <a:endParaRPr kumimoji="1" lang="zh-TW" altLang="en-US" dirty="0"/>
+          </a:p>
+        </p:txBody>
+      </p:sp>
+      <p:sp>
+        <p:nvSpPr>
+          <p:cNvPr id="4" name="投影片編號版面配置區 3"/>
+          <p:cNvSpPr>
+            <a:spLocks noGrp="1"/>
+          </p:cNvSpPr>
+          <p:nvPr>
+            <p:ph type="sldNum" sz="quarter" idx="10"/>
+          </p:nvPr>
+        </p:nvSpPr>
+        <p:spPr/>
+        <p:txBody>
+          <a:bodyPr/>
+          <a:lstStyle/>
+          <a:p>
+            <a:fld id="{6659B44B-F587-432C-B859-464D2D9F1232}" type="slidenum">
+              <a:rPr lang="zh-TW" altLang="en-US" smtClean="0"/>
+              <a:t>5</a:t>
+            </a:fld>
+            <a:endParaRPr lang="zh-TW" altLang="en-US"/>
+          </a:p>
+        </p:txBody>
+      </p:sp>
+    </p:spTree>
+    <p:extLst>
+      <p:ext uri="{BB962C8B-B14F-4D97-AF65-F5344CB8AC3E}">
+        <p14:creationId xmlns:p14="http://schemas.microsoft.com/office/powerpoint/2010/main" val="2913843538"/>
+      </p:ext>
+    </p:extLst>
+  </p:cSld>
+  <p:clrMapOvr>
+    <a:masterClrMapping/>
+  </p:clrMapOvr>
+</p:notes>
+</file>
+
+<file path=ppt/notesSlides/notesSlide6.xml><?xml version="1.0" encoding="utf-8"?>
+<p:notes xmlns:a="http://schemas.openxmlformats.org/drawingml/2006/main" xmlns:r="http://schemas.openxmlformats.org/officeDocument/2006/relationships" xmlns:p="http://schemas.openxmlformats.org/presentationml/2006/main">
+  <p:cSld>
+    <p:spTree>
+      <p:nvGrpSpPr>
+        <p:cNvPr id="1" name=""/>
+        <p:cNvGrpSpPr/>
+        <p:nvPr/>
+      </p:nvGrpSpPr>
+      <p:grpSpPr>
+        <a:xfrm>
+          <a:off x="0" y="0"/>
+          <a:ext cx="0" cy="0"/>
+          <a:chOff x="0" y="0"/>
+          <a:chExt cx="0" cy="0"/>
+        </a:xfrm>
+      </p:grpSpPr>
+      <p:sp>
+        <p:nvSpPr>
           <p:cNvPr id="2" name="投影片圖像版面配置區 1"/>
           <p:cNvSpPr>
             <a:spLocks noGrp="1" noRot="1" noChangeAspect="1"/>
@@ -1114,7 +1198,7 @@
 </p:notes>
 </file>
 
-<file path=ppt/notesSlides/notesSlide6.xml><?xml version="1.0" encoding="utf-8"?>
+<file path=ppt/notesSlides/notesSlide7.xml><?xml version="1.0" encoding="utf-8"?>
 <p:notes xmlns:a="http://schemas.openxmlformats.org/drawingml/2006/main" xmlns:r="http://schemas.openxmlformats.org/officeDocument/2006/relationships" xmlns:p="http://schemas.openxmlformats.org/presentationml/2006/main">
   <p:cSld>
     <p:spTree>
@@ -1378,7 +1462,7 @@
             <a:fld id="{1D8BD707-D9CF-40AE-B4C6-C98DA3205C09}" type="datetimeFigureOut">
               <a:rPr lang="en-US" smtClean="0"/>
               <a:pPr/>
-              <a:t>7/2/2018</a:t>
+              <a:t>7/17/2018</a:t>
             </a:fld>
             <a:endParaRPr lang="en-US"/>
           </a:p>
@@ -1620,7 +1704,7 @@
             <a:fld id="{1D8BD707-D9CF-40AE-B4C6-C98DA3205C09}" type="datetimeFigureOut">
               <a:rPr lang="en-US" smtClean="0"/>
               <a:pPr/>
-              <a:t>7/2/2018</a:t>
+              <a:t>7/17/2018</a:t>
             </a:fld>
             <a:endParaRPr lang="en-US"/>
           </a:p>
@@ -1794,7 +1878,7 @@
             <a:fld id="{1D8BD707-D9CF-40AE-B4C6-C98DA3205C09}" type="datetimeFigureOut">
               <a:rPr lang="en-US" smtClean="0"/>
               <a:pPr/>
-              <a:t>7/2/2018</a:t>
+              <a:t>7/17/2018</a:t>
             </a:fld>
             <a:endParaRPr lang="en-US"/>
           </a:p>
@@ -2331,7 +2415,7 @@
             <a:fld id="{1D8BD707-D9CF-40AE-B4C6-C98DA3205C09}" type="datetimeFigureOut">
               <a:rPr lang="en-US" smtClean="0"/>
               <a:pPr/>
-              <a:t>7/2/2018</a:t>
+              <a:t>7/17/2018</a:t>
             </a:fld>
             <a:endParaRPr lang="en-US"/>
           </a:p>
@@ -2539,7 +2623,7 @@
             <a:fld id="{1D8BD707-D9CF-40AE-B4C6-C98DA3205C09}" type="datetimeFigureOut">
               <a:rPr lang="en-US" smtClean="0"/>
               <a:pPr/>
-              <a:t>7/2/2018</a:t>
+              <a:t>7/17/2018</a:t>
             </a:fld>
             <a:endParaRPr lang="en-US"/>
           </a:p>
@@ -3211,17 +3295,7 @@
                 <a:latin typeface="Microsoft JhengHei" panose="020B0604030504040204" pitchFamily="34" charset="-120"/>
                 <a:ea typeface="Microsoft JhengHei" panose="020B0604030504040204" pitchFamily="34" charset="-120"/>
               </a:rPr>
-              <a:t>防汛</a:t>
-            </a:r>
-            <a:r>
-              <a:rPr lang="zh-TW" altLang="en-US" sz="4800" dirty="0" smtClean="0">
-                <a:solidFill>
-                  <a:srgbClr val="FFFF00"/>
-                </a:solidFill>
-                <a:latin typeface="Microsoft JhengHei" panose="020B0604030504040204" pitchFamily="34" charset="-120"/>
-                <a:ea typeface="Microsoft JhengHei" panose="020B0604030504040204" pitchFamily="34" charset="-120"/>
-              </a:rPr>
-              <a:t>熱點預判</a:t>
+              <a:t>防汛熱點預判</a:t>
             </a:r>
             <a:endParaRPr lang="en-US" altLang="zh-TW" sz="4800" kern="0" dirty="0">
               <a:solidFill>
@@ -3815,9 +3889,444 @@
           </a:p>
         </p:txBody>
       </p:sp>
-      <p:sp>
-        <p:nvSpPr>
-          <p:cNvPr id="12" name="矩形 11">
+      <p:cxnSp>
+        <p:nvCxnSpPr>
+          <p:cNvPr id="9" name="直線接點 8"/>
+          <p:cNvCxnSpPr/>
+          <p:nvPr/>
+        </p:nvCxnSpPr>
+        <p:spPr>
+          <a:xfrm>
+            <a:off x="4724400" y="103635"/>
+            <a:ext cx="0" cy="133200"/>
+          </a:xfrm>
+          <a:prstGeom prst="line">
+            <a:avLst/>
+          </a:prstGeom>
+          <a:ln w="12700">
+            <a:solidFill>
+              <a:schemeClr val="tx1"/>
+            </a:solidFill>
+          </a:ln>
+        </p:spPr>
+        <p:style>
+          <a:lnRef idx="1">
+            <a:schemeClr val="accent1"/>
+          </a:lnRef>
+          <a:fillRef idx="0">
+            <a:schemeClr val="accent1"/>
+          </a:fillRef>
+          <a:effectRef idx="0">
+            <a:schemeClr val="accent1"/>
+          </a:effectRef>
+          <a:fontRef idx="minor">
+            <a:schemeClr val="tx1"/>
+          </a:fontRef>
+        </p:style>
+      </p:cxnSp>
+      <p:cxnSp>
+        <p:nvCxnSpPr>
+          <p:cNvPr id="10" name="直線接點 9"/>
+          <p:cNvCxnSpPr/>
+          <p:nvPr/>
+        </p:nvCxnSpPr>
+        <p:spPr>
+          <a:xfrm>
+            <a:off x="4724400" y="1164858"/>
+            <a:ext cx="0" cy="119921"/>
+          </a:xfrm>
+          <a:prstGeom prst="line">
+            <a:avLst/>
+          </a:prstGeom>
+          <a:ln w="12700">
+            <a:solidFill>
+              <a:schemeClr val="tx1"/>
+            </a:solidFill>
+          </a:ln>
+        </p:spPr>
+        <p:style>
+          <a:lnRef idx="1">
+            <a:schemeClr val="accent1"/>
+          </a:lnRef>
+          <a:fillRef idx="0">
+            <a:schemeClr val="accent1"/>
+          </a:fillRef>
+          <a:effectRef idx="0">
+            <a:schemeClr val="accent1"/>
+          </a:effectRef>
+          <a:fontRef idx="minor">
+            <a:schemeClr val="tx1"/>
+          </a:fontRef>
+        </p:style>
+      </p:cxnSp>
+      <p:cxnSp>
+        <p:nvCxnSpPr>
+          <p:cNvPr id="11" name="直線接點 10"/>
+          <p:cNvCxnSpPr/>
+          <p:nvPr/>
+        </p:nvCxnSpPr>
+        <p:spPr>
+          <a:xfrm>
+            <a:off x="8839200" y="1145193"/>
+            <a:ext cx="0" cy="119921"/>
+          </a:xfrm>
+          <a:prstGeom prst="line">
+            <a:avLst/>
+          </a:prstGeom>
+          <a:ln w="12700">
+            <a:solidFill>
+              <a:schemeClr val="tx1"/>
+            </a:solidFill>
+          </a:ln>
+        </p:spPr>
+        <p:style>
+          <a:lnRef idx="1">
+            <a:schemeClr val="accent1"/>
+          </a:lnRef>
+          <a:fillRef idx="0">
+            <a:schemeClr val="accent1"/>
+          </a:fillRef>
+          <a:effectRef idx="0">
+            <a:schemeClr val="accent1"/>
+          </a:effectRef>
+          <a:fontRef idx="minor">
+            <a:schemeClr val="tx1"/>
+          </a:fontRef>
+        </p:style>
+      </p:cxnSp>
+      <p:cxnSp>
+        <p:nvCxnSpPr>
+          <p:cNvPr id="14" name="直線接點 13"/>
+          <p:cNvCxnSpPr/>
+          <p:nvPr/>
+        </p:nvCxnSpPr>
+        <p:spPr>
+          <a:xfrm>
+            <a:off x="8839200" y="119979"/>
+            <a:ext cx="0" cy="133200"/>
+          </a:xfrm>
+          <a:prstGeom prst="line">
+            <a:avLst/>
+          </a:prstGeom>
+          <a:ln w="12700">
+            <a:solidFill>
+              <a:schemeClr val="tx1"/>
+            </a:solidFill>
+          </a:ln>
+        </p:spPr>
+        <p:style>
+          <a:lnRef idx="1">
+            <a:schemeClr val="accent1"/>
+          </a:lnRef>
+          <a:fillRef idx="0">
+            <a:schemeClr val="accent1"/>
+          </a:fillRef>
+          <a:effectRef idx="0">
+            <a:schemeClr val="accent1"/>
+          </a:effectRef>
+          <a:fontRef idx="minor">
+            <a:schemeClr val="tx1"/>
+          </a:fontRef>
+        </p:style>
+      </p:cxnSp>
+      <p:cxnSp>
+        <p:nvCxnSpPr>
+          <p:cNvPr id="15" name="直線接點 14"/>
+          <p:cNvCxnSpPr/>
+          <p:nvPr/>
+        </p:nvCxnSpPr>
+        <p:spPr>
+          <a:xfrm>
+            <a:off x="7420801" y="102471"/>
+            <a:ext cx="0" cy="133200"/>
+          </a:xfrm>
+          <a:prstGeom prst="line">
+            <a:avLst/>
+          </a:prstGeom>
+          <a:ln w="12700">
+            <a:solidFill>
+              <a:schemeClr val="tx1"/>
+            </a:solidFill>
+          </a:ln>
+        </p:spPr>
+        <p:style>
+          <a:lnRef idx="1">
+            <a:schemeClr val="accent1"/>
+          </a:lnRef>
+          <a:fillRef idx="0">
+            <a:schemeClr val="accent1"/>
+          </a:fillRef>
+          <a:effectRef idx="0">
+            <a:schemeClr val="accent1"/>
+          </a:effectRef>
+          <a:fontRef idx="minor">
+            <a:schemeClr val="tx1"/>
+          </a:fontRef>
+        </p:style>
+      </p:cxnSp>
+      <p:cxnSp>
+        <p:nvCxnSpPr>
+          <p:cNvPr id="16" name="直線單箭頭接點 15"/>
+          <p:cNvCxnSpPr/>
+          <p:nvPr/>
+        </p:nvCxnSpPr>
+        <p:spPr>
+          <a:xfrm flipV="1">
+            <a:off x="4724400" y="1206318"/>
+            <a:ext cx="4114800" cy="13321"/>
+          </a:xfrm>
+          <a:prstGeom prst="straightConnector1">
+            <a:avLst/>
+          </a:prstGeom>
+          <a:ln w="19050">
+            <a:headEnd type="triangle"/>
+            <a:tailEnd type="triangle"/>
+          </a:ln>
+        </p:spPr>
+        <p:style>
+          <a:lnRef idx="1">
+            <a:schemeClr val="accent1"/>
+          </a:lnRef>
+          <a:fillRef idx="0">
+            <a:schemeClr val="accent1"/>
+          </a:fillRef>
+          <a:effectRef idx="0">
+            <a:schemeClr val="accent1"/>
+          </a:effectRef>
+          <a:fontRef idx="minor">
+            <a:schemeClr val="tx1"/>
+          </a:fontRef>
+        </p:style>
+      </p:cxnSp>
+      <p:sp>
+        <p:nvSpPr>
+          <p:cNvPr id="17" name="矩形 16">
+            <a:extLst>
+              <a:ext uri="{FF2B5EF4-FFF2-40B4-BE49-F238E27FC236}">
+                <a16:creationId xmlns:a16="http://schemas.microsoft.com/office/drawing/2014/main" id="{5806C887-6AF6-734F-BA81-007EA40BB3E9}"/>
+              </a:ext>
+            </a:extLst>
+          </p:cNvPr>
+          <p:cNvSpPr/>
+          <p:nvPr/>
+        </p:nvSpPr>
+        <p:spPr>
+          <a:xfrm>
+            <a:off x="6264815" y="1194532"/>
+            <a:ext cx="1409360" cy="261610"/>
+          </a:xfrm>
+          <a:prstGeom prst="rect">
+            <a:avLst/>
+          </a:prstGeom>
+        </p:spPr>
+        <p:txBody>
+          <a:bodyPr wrap="none">
+            <a:spAutoFit/>
+          </a:bodyPr>
+          <a:lstStyle/>
+          <a:p>
+            <a:r>
+              <a:rPr lang="zh-TW" altLang="en-US" sz="1100" b="1" dirty="0" smtClean="0">
+                <a:latin typeface="Microsoft JhengHei" panose="020B0604030504040204" pitchFamily="34" charset="-120"/>
+                <a:ea typeface="Microsoft JhengHei" panose="020B0604030504040204" pitchFamily="34" charset="-120"/>
+              </a:rPr>
+              <a:t>合計</a:t>
+            </a:r>
+            <a:r>
+              <a:rPr lang="en-US" altLang="zh-TW" sz="1100" b="1" dirty="0" smtClean="0">
+                <a:latin typeface="Microsoft JhengHei" panose="020B0604030504040204" pitchFamily="34" charset="-120"/>
+                <a:ea typeface="Microsoft JhengHei" panose="020B0604030504040204" pitchFamily="34" charset="-120"/>
+              </a:rPr>
+              <a:t>${hour24}mm</a:t>
+            </a:r>
+            <a:endParaRPr lang="zh-TW" altLang="en-US" sz="1100" b="1" dirty="0">
+              <a:latin typeface="Microsoft JhengHei" panose="020B0604030504040204" pitchFamily="34" charset="-120"/>
+              <a:ea typeface="Microsoft JhengHei" panose="020B0604030504040204" pitchFamily="34" charset="-120"/>
+            </a:endParaRPr>
+          </a:p>
+        </p:txBody>
+      </p:sp>
+      <p:cxnSp>
+        <p:nvCxnSpPr>
+          <p:cNvPr id="18" name="直線單箭頭接點 17"/>
+          <p:cNvCxnSpPr/>
+          <p:nvPr/>
+        </p:nvCxnSpPr>
+        <p:spPr>
+          <a:xfrm>
+            <a:off x="4724400" y="169071"/>
+            <a:ext cx="2696401" cy="0"/>
+          </a:xfrm>
+          <a:prstGeom prst="straightConnector1">
+            <a:avLst/>
+          </a:prstGeom>
+          <a:ln w="19050">
+            <a:headEnd type="triangle"/>
+            <a:tailEnd type="triangle"/>
+          </a:ln>
+        </p:spPr>
+        <p:style>
+          <a:lnRef idx="1">
+            <a:schemeClr val="accent1"/>
+          </a:lnRef>
+          <a:fillRef idx="0">
+            <a:schemeClr val="accent1"/>
+          </a:fillRef>
+          <a:effectRef idx="0">
+            <a:schemeClr val="accent1"/>
+          </a:effectRef>
+          <a:fontRef idx="minor">
+            <a:schemeClr val="tx1"/>
+          </a:fontRef>
+        </p:style>
+      </p:cxnSp>
+      <p:sp>
+        <p:nvSpPr>
+          <p:cNvPr id="19" name="矩形 18">
+            <a:extLst>
+              <a:ext uri="{FF2B5EF4-FFF2-40B4-BE49-F238E27FC236}">
+                <a16:creationId xmlns:a16="http://schemas.microsoft.com/office/drawing/2014/main" id="{5806C887-6AF6-734F-BA81-007EA40BB3E9}"/>
+              </a:ext>
+            </a:extLst>
+          </p:cNvPr>
+          <p:cNvSpPr/>
+          <p:nvPr/>
+        </p:nvSpPr>
+        <p:spPr>
+          <a:xfrm>
+            <a:off x="5234654" y="-49353"/>
+            <a:ext cx="1858201" cy="261610"/>
+          </a:xfrm>
+          <a:prstGeom prst="rect">
+            <a:avLst/>
+          </a:prstGeom>
+        </p:spPr>
+        <p:txBody>
+          <a:bodyPr wrap="none">
+            <a:spAutoFit/>
+          </a:bodyPr>
+          <a:lstStyle/>
+          <a:p>
+            <a:r>
+              <a:rPr lang="en-US" altLang="zh-TW" sz="1100" b="1" dirty="0" smtClean="0">
+                <a:latin typeface="Microsoft JhengHei" panose="020B0604030504040204" pitchFamily="34" charset="-120"/>
+                <a:ea typeface="Microsoft JhengHei" panose="020B0604030504040204" pitchFamily="34" charset="-120"/>
+              </a:rPr>
+              <a:t>18</a:t>
+            </a:r>
+            <a:r>
+              <a:rPr lang="zh-TW" altLang="en-US" sz="1100" b="1" dirty="0" smtClean="0">
+                <a:latin typeface="Microsoft JhengHei" panose="020B0604030504040204" pitchFamily="34" charset="-120"/>
+                <a:ea typeface="Microsoft JhengHei" panose="020B0604030504040204" pitchFamily="34" charset="-120"/>
+              </a:rPr>
+              <a:t>小時觀測</a:t>
+            </a:r>
+            <a:r>
+              <a:rPr lang="en-US" altLang="zh-TW" sz="1100" b="1" dirty="0" smtClean="0">
+                <a:latin typeface="Microsoft JhengHei" panose="020B0604030504040204" pitchFamily="34" charset="-120"/>
+                <a:ea typeface="Microsoft JhengHei" panose="020B0604030504040204" pitchFamily="34" charset="-120"/>
+              </a:rPr>
+              <a:t>${hour18}mm</a:t>
+            </a:r>
+            <a:endParaRPr lang="zh-TW" altLang="en-US" sz="1100" b="1" dirty="0">
+              <a:latin typeface="Microsoft JhengHei" panose="020B0604030504040204" pitchFamily="34" charset="-120"/>
+              <a:ea typeface="Microsoft JhengHei" panose="020B0604030504040204" pitchFamily="34" charset="-120"/>
+            </a:endParaRPr>
+          </a:p>
+        </p:txBody>
+      </p:sp>
+      <p:cxnSp>
+        <p:nvCxnSpPr>
+          <p:cNvPr id="20" name="直線單箭頭接點 19"/>
+          <p:cNvCxnSpPr/>
+          <p:nvPr/>
+        </p:nvCxnSpPr>
+        <p:spPr>
+          <a:xfrm flipV="1">
+            <a:off x="7420801" y="167366"/>
+            <a:ext cx="1418399" cy="1705"/>
+          </a:xfrm>
+          <a:prstGeom prst="straightConnector1">
+            <a:avLst/>
+          </a:prstGeom>
+          <a:ln>
+            <a:headEnd type="triangle"/>
+            <a:tailEnd type="triangle"/>
+          </a:ln>
+        </p:spPr>
+        <p:style>
+          <a:lnRef idx="1">
+            <a:schemeClr val="accent3"/>
+          </a:lnRef>
+          <a:fillRef idx="0">
+            <a:schemeClr val="accent3"/>
+          </a:fillRef>
+          <a:effectRef idx="0">
+            <a:schemeClr val="accent3"/>
+          </a:effectRef>
+          <a:fontRef idx="minor">
+            <a:schemeClr val="tx1"/>
+          </a:fontRef>
+        </p:style>
+      </p:cxnSp>
+      <p:sp>
+        <p:nvSpPr>
+          <p:cNvPr id="21" name="矩形 20">
+            <a:extLst>
+              <a:ext uri="{FF2B5EF4-FFF2-40B4-BE49-F238E27FC236}">
+                <a16:creationId xmlns:a16="http://schemas.microsoft.com/office/drawing/2014/main" id="{5806C887-6AF6-734F-BA81-007EA40BB3E9}"/>
+              </a:ext>
+            </a:extLst>
+          </p:cNvPr>
+          <p:cNvSpPr/>
+          <p:nvPr/>
+        </p:nvSpPr>
+        <p:spPr>
+          <a:xfrm>
+            <a:off x="7413181" y="-52397"/>
+            <a:ext cx="1691489" cy="261610"/>
+          </a:xfrm>
+          <a:prstGeom prst="rect">
+            <a:avLst/>
+          </a:prstGeom>
+        </p:spPr>
+        <p:txBody>
+          <a:bodyPr wrap="none">
+            <a:spAutoFit/>
+          </a:bodyPr>
+          <a:lstStyle/>
+          <a:p>
+            <a:r>
+              <a:rPr lang="en-US" altLang="zh-TW" sz="1100" b="1" dirty="0" smtClean="0">
+                <a:latin typeface="Microsoft JhengHei" panose="020B0604030504040204" pitchFamily="34" charset="-120"/>
+                <a:ea typeface="Microsoft JhengHei" panose="020B0604030504040204" pitchFamily="34" charset="-120"/>
+              </a:rPr>
+              <a:t>6</a:t>
+            </a:r>
+            <a:r>
+              <a:rPr lang="zh-TW" altLang="en-US" sz="1100" b="1" dirty="0" smtClean="0">
+                <a:latin typeface="Microsoft JhengHei" panose="020B0604030504040204" pitchFamily="34" charset="-120"/>
+                <a:ea typeface="Microsoft JhengHei" panose="020B0604030504040204" pitchFamily="34" charset="-120"/>
+              </a:rPr>
+              <a:t>小時預報</a:t>
+            </a:r>
+            <a:r>
+              <a:rPr lang="en-US" altLang="zh-TW" sz="1100" b="1" dirty="0" smtClean="0">
+                <a:latin typeface="Microsoft JhengHei" panose="020B0604030504040204" pitchFamily="34" charset="-120"/>
+                <a:ea typeface="Microsoft JhengHei" panose="020B0604030504040204" pitchFamily="34" charset="-120"/>
+              </a:rPr>
+              <a:t>${hour6}mm</a:t>
+            </a:r>
+            <a:endParaRPr lang="zh-TW" altLang="en-US" sz="1100" b="1" dirty="0">
+              <a:latin typeface="Microsoft JhengHei" panose="020B0604030504040204" pitchFamily="34" charset="-120"/>
+              <a:ea typeface="Microsoft JhengHei" panose="020B0604030504040204" pitchFamily="34" charset="-120"/>
+            </a:endParaRPr>
+          </a:p>
+        </p:txBody>
+      </p:sp>
+      <p:sp>
+        <p:nvSpPr>
+          <p:cNvPr id="22" name="矩形 21">
             <a:extLst>
               <a:ext uri="{FF2B5EF4-FFF2-40B4-BE49-F238E27FC236}">
                 <a16:creationId xmlns:a16="http://schemas.microsoft.com/office/drawing/2014/main" id="{39D7FE7C-3CEB-0A4C-845D-1ABD945B6111}"/>
@@ -3829,7 +4338,7 @@
         </p:nvSpPr>
         <p:spPr>
           <a:xfrm>
-            <a:off x="3396971" y="3383731"/>
+            <a:off x="3392388" y="3946201"/>
             <a:ext cx="1415772" cy="276999"/>
           </a:xfrm>
           <a:prstGeom prst="rect">
@@ -3865,7 +4374,7 @@
       </p:sp>
       <p:sp>
         <p:nvSpPr>
-          <p:cNvPr id="13" name="矩形 12">
+          <p:cNvPr id="23" name="矩形 22">
             <a:extLst>
               <a:ext uri="{FF2B5EF4-FFF2-40B4-BE49-F238E27FC236}">
                 <a16:creationId xmlns:a16="http://schemas.microsoft.com/office/drawing/2014/main" id="{5806C887-6AF6-734F-BA81-007EA40BB3E9}"/>
@@ -3877,7 +4386,7 @@
         </p:nvSpPr>
         <p:spPr>
           <a:xfrm>
-            <a:off x="3429000" y="691320"/>
+            <a:off x="3424417" y="1253790"/>
             <a:ext cx="1107996" cy="276999"/>
           </a:xfrm>
           <a:prstGeom prst="rect">
@@ -4221,9 +4730,444 @@
           </a:p>
         </p:txBody>
       </p:sp>
-      <p:sp>
-        <p:nvSpPr>
-          <p:cNvPr id="12" name="矩形 11">
+      <p:cxnSp>
+        <p:nvCxnSpPr>
+          <p:cNvPr id="9" name="直線接點 8"/>
+          <p:cNvCxnSpPr/>
+          <p:nvPr/>
+        </p:nvCxnSpPr>
+        <p:spPr>
+          <a:xfrm>
+            <a:off x="4724400" y="103635"/>
+            <a:ext cx="0" cy="133200"/>
+          </a:xfrm>
+          <a:prstGeom prst="line">
+            <a:avLst/>
+          </a:prstGeom>
+          <a:ln w="12700">
+            <a:solidFill>
+              <a:schemeClr val="tx1"/>
+            </a:solidFill>
+          </a:ln>
+        </p:spPr>
+        <p:style>
+          <a:lnRef idx="1">
+            <a:schemeClr val="accent1"/>
+          </a:lnRef>
+          <a:fillRef idx="0">
+            <a:schemeClr val="accent1"/>
+          </a:fillRef>
+          <a:effectRef idx="0">
+            <a:schemeClr val="accent1"/>
+          </a:effectRef>
+          <a:fontRef idx="minor">
+            <a:schemeClr val="tx1"/>
+          </a:fontRef>
+        </p:style>
+      </p:cxnSp>
+      <p:cxnSp>
+        <p:nvCxnSpPr>
+          <p:cNvPr id="10" name="直線接點 9"/>
+          <p:cNvCxnSpPr/>
+          <p:nvPr/>
+        </p:nvCxnSpPr>
+        <p:spPr>
+          <a:xfrm>
+            <a:off x="4724400" y="1164858"/>
+            <a:ext cx="0" cy="119921"/>
+          </a:xfrm>
+          <a:prstGeom prst="line">
+            <a:avLst/>
+          </a:prstGeom>
+          <a:ln w="12700">
+            <a:solidFill>
+              <a:schemeClr val="tx1"/>
+            </a:solidFill>
+          </a:ln>
+        </p:spPr>
+        <p:style>
+          <a:lnRef idx="1">
+            <a:schemeClr val="accent1"/>
+          </a:lnRef>
+          <a:fillRef idx="0">
+            <a:schemeClr val="accent1"/>
+          </a:fillRef>
+          <a:effectRef idx="0">
+            <a:schemeClr val="accent1"/>
+          </a:effectRef>
+          <a:fontRef idx="minor">
+            <a:schemeClr val="tx1"/>
+          </a:fontRef>
+        </p:style>
+      </p:cxnSp>
+      <p:cxnSp>
+        <p:nvCxnSpPr>
+          <p:cNvPr id="11" name="直線接點 10"/>
+          <p:cNvCxnSpPr/>
+          <p:nvPr/>
+        </p:nvCxnSpPr>
+        <p:spPr>
+          <a:xfrm>
+            <a:off x="8839200" y="1145193"/>
+            <a:ext cx="0" cy="119921"/>
+          </a:xfrm>
+          <a:prstGeom prst="line">
+            <a:avLst/>
+          </a:prstGeom>
+          <a:ln w="12700">
+            <a:solidFill>
+              <a:schemeClr val="tx1"/>
+            </a:solidFill>
+          </a:ln>
+        </p:spPr>
+        <p:style>
+          <a:lnRef idx="1">
+            <a:schemeClr val="accent1"/>
+          </a:lnRef>
+          <a:fillRef idx="0">
+            <a:schemeClr val="accent1"/>
+          </a:fillRef>
+          <a:effectRef idx="0">
+            <a:schemeClr val="accent1"/>
+          </a:effectRef>
+          <a:fontRef idx="minor">
+            <a:schemeClr val="tx1"/>
+          </a:fontRef>
+        </p:style>
+      </p:cxnSp>
+      <p:cxnSp>
+        <p:nvCxnSpPr>
+          <p:cNvPr id="14" name="直線接點 13"/>
+          <p:cNvCxnSpPr/>
+          <p:nvPr/>
+        </p:nvCxnSpPr>
+        <p:spPr>
+          <a:xfrm>
+            <a:off x="8839200" y="119979"/>
+            <a:ext cx="0" cy="133200"/>
+          </a:xfrm>
+          <a:prstGeom prst="line">
+            <a:avLst/>
+          </a:prstGeom>
+          <a:ln w="12700">
+            <a:solidFill>
+              <a:schemeClr val="tx1"/>
+            </a:solidFill>
+          </a:ln>
+        </p:spPr>
+        <p:style>
+          <a:lnRef idx="1">
+            <a:schemeClr val="accent1"/>
+          </a:lnRef>
+          <a:fillRef idx="0">
+            <a:schemeClr val="accent1"/>
+          </a:fillRef>
+          <a:effectRef idx="0">
+            <a:schemeClr val="accent1"/>
+          </a:effectRef>
+          <a:fontRef idx="minor">
+            <a:schemeClr val="tx1"/>
+          </a:fontRef>
+        </p:style>
+      </p:cxnSp>
+      <p:cxnSp>
+        <p:nvCxnSpPr>
+          <p:cNvPr id="15" name="直線接點 14"/>
+          <p:cNvCxnSpPr/>
+          <p:nvPr/>
+        </p:nvCxnSpPr>
+        <p:spPr>
+          <a:xfrm>
+            <a:off x="7420801" y="102471"/>
+            <a:ext cx="0" cy="133200"/>
+          </a:xfrm>
+          <a:prstGeom prst="line">
+            <a:avLst/>
+          </a:prstGeom>
+          <a:ln w="12700">
+            <a:solidFill>
+              <a:schemeClr val="tx1"/>
+            </a:solidFill>
+          </a:ln>
+        </p:spPr>
+        <p:style>
+          <a:lnRef idx="1">
+            <a:schemeClr val="accent1"/>
+          </a:lnRef>
+          <a:fillRef idx="0">
+            <a:schemeClr val="accent1"/>
+          </a:fillRef>
+          <a:effectRef idx="0">
+            <a:schemeClr val="accent1"/>
+          </a:effectRef>
+          <a:fontRef idx="minor">
+            <a:schemeClr val="tx1"/>
+          </a:fontRef>
+        </p:style>
+      </p:cxnSp>
+      <p:cxnSp>
+        <p:nvCxnSpPr>
+          <p:cNvPr id="16" name="直線單箭頭接點 15"/>
+          <p:cNvCxnSpPr/>
+          <p:nvPr/>
+        </p:nvCxnSpPr>
+        <p:spPr>
+          <a:xfrm flipV="1">
+            <a:off x="4724400" y="1206318"/>
+            <a:ext cx="4114800" cy="13321"/>
+          </a:xfrm>
+          <a:prstGeom prst="straightConnector1">
+            <a:avLst/>
+          </a:prstGeom>
+          <a:ln w="19050">
+            <a:headEnd type="triangle"/>
+            <a:tailEnd type="triangle"/>
+          </a:ln>
+        </p:spPr>
+        <p:style>
+          <a:lnRef idx="1">
+            <a:schemeClr val="accent1"/>
+          </a:lnRef>
+          <a:fillRef idx="0">
+            <a:schemeClr val="accent1"/>
+          </a:fillRef>
+          <a:effectRef idx="0">
+            <a:schemeClr val="accent1"/>
+          </a:effectRef>
+          <a:fontRef idx="minor">
+            <a:schemeClr val="tx1"/>
+          </a:fontRef>
+        </p:style>
+      </p:cxnSp>
+      <p:sp>
+        <p:nvSpPr>
+          <p:cNvPr id="17" name="矩形 16">
+            <a:extLst>
+              <a:ext uri="{FF2B5EF4-FFF2-40B4-BE49-F238E27FC236}">
+                <a16:creationId xmlns:a16="http://schemas.microsoft.com/office/drawing/2014/main" id="{5806C887-6AF6-734F-BA81-007EA40BB3E9}"/>
+              </a:ext>
+            </a:extLst>
+          </p:cNvPr>
+          <p:cNvSpPr/>
+          <p:nvPr/>
+        </p:nvSpPr>
+        <p:spPr>
+          <a:xfrm>
+            <a:off x="6264815" y="1194532"/>
+            <a:ext cx="1409360" cy="261610"/>
+          </a:xfrm>
+          <a:prstGeom prst="rect">
+            <a:avLst/>
+          </a:prstGeom>
+        </p:spPr>
+        <p:txBody>
+          <a:bodyPr wrap="none">
+            <a:spAutoFit/>
+          </a:bodyPr>
+          <a:lstStyle/>
+          <a:p>
+            <a:r>
+              <a:rPr lang="zh-TW" altLang="en-US" sz="1100" b="1" dirty="0" smtClean="0">
+                <a:latin typeface="Microsoft JhengHei" panose="020B0604030504040204" pitchFamily="34" charset="-120"/>
+                <a:ea typeface="Microsoft JhengHei" panose="020B0604030504040204" pitchFamily="34" charset="-120"/>
+              </a:rPr>
+              <a:t>合計</a:t>
+            </a:r>
+            <a:r>
+              <a:rPr lang="en-US" altLang="zh-TW" sz="1100" b="1" dirty="0" smtClean="0">
+                <a:latin typeface="Microsoft JhengHei" panose="020B0604030504040204" pitchFamily="34" charset="-120"/>
+                <a:ea typeface="Microsoft JhengHei" panose="020B0604030504040204" pitchFamily="34" charset="-120"/>
+              </a:rPr>
+              <a:t>${hour24}mm</a:t>
+            </a:r>
+            <a:endParaRPr lang="zh-TW" altLang="en-US" sz="1100" b="1" dirty="0">
+              <a:latin typeface="Microsoft JhengHei" panose="020B0604030504040204" pitchFamily="34" charset="-120"/>
+              <a:ea typeface="Microsoft JhengHei" panose="020B0604030504040204" pitchFamily="34" charset="-120"/>
+            </a:endParaRPr>
+          </a:p>
+        </p:txBody>
+      </p:sp>
+      <p:cxnSp>
+        <p:nvCxnSpPr>
+          <p:cNvPr id="18" name="直線單箭頭接點 17"/>
+          <p:cNvCxnSpPr/>
+          <p:nvPr/>
+        </p:nvCxnSpPr>
+        <p:spPr>
+          <a:xfrm>
+            <a:off x="4724400" y="169071"/>
+            <a:ext cx="2696401" cy="0"/>
+          </a:xfrm>
+          <a:prstGeom prst="straightConnector1">
+            <a:avLst/>
+          </a:prstGeom>
+          <a:ln w="19050">
+            <a:headEnd type="triangle"/>
+            <a:tailEnd type="triangle"/>
+          </a:ln>
+        </p:spPr>
+        <p:style>
+          <a:lnRef idx="1">
+            <a:schemeClr val="accent1"/>
+          </a:lnRef>
+          <a:fillRef idx="0">
+            <a:schemeClr val="accent1"/>
+          </a:fillRef>
+          <a:effectRef idx="0">
+            <a:schemeClr val="accent1"/>
+          </a:effectRef>
+          <a:fontRef idx="minor">
+            <a:schemeClr val="tx1"/>
+          </a:fontRef>
+        </p:style>
+      </p:cxnSp>
+      <p:sp>
+        <p:nvSpPr>
+          <p:cNvPr id="19" name="矩形 18">
+            <a:extLst>
+              <a:ext uri="{FF2B5EF4-FFF2-40B4-BE49-F238E27FC236}">
+                <a16:creationId xmlns:a16="http://schemas.microsoft.com/office/drawing/2014/main" id="{5806C887-6AF6-734F-BA81-007EA40BB3E9}"/>
+              </a:ext>
+            </a:extLst>
+          </p:cNvPr>
+          <p:cNvSpPr/>
+          <p:nvPr/>
+        </p:nvSpPr>
+        <p:spPr>
+          <a:xfrm>
+            <a:off x="5234654" y="-49353"/>
+            <a:ext cx="1858201" cy="261610"/>
+          </a:xfrm>
+          <a:prstGeom prst="rect">
+            <a:avLst/>
+          </a:prstGeom>
+        </p:spPr>
+        <p:txBody>
+          <a:bodyPr wrap="none">
+            <a:spAutoFit/>
+          </a:bodyPr>
+          <a:lstStyle/>
+          <a:p>
+            <a:r>
+              <a:rPr lang="en-US" altLang="zh-TW" sz="1100" b="1" dirty="0" smtClean="0">
+                <a:latin typeface="Microsoft JhengHei" panose="020B0604030504040204" pitchFamily="34" charset="-120"/>
+                <a:ea typeface="Microsoft JhengHei" panose="020B0604030504040204" pitchFamily="34" charset="-120"/>
+              </a:rPr>
+              <a:t>18</a:t>
+            </a:r>
+            <a:r>
+              <a:rPr lang="zh-TW" altLang="en-US" sz="1100" b="1" dirty="0" smtClean="0">
+                <a:latin typeface="Microsoft JhengHei" panose="020B0604030504040204" pitchFamily="34" charset="-120"/>
+                <a:ea typeface="Microsoft JhengHei" panose="020B0604030504040204" pitchFamily="34" charset="-120"/>
+              </a:rPr>
+              <a:t>小時觀測</a:t>
+            </a:r>
+            <a:r>
+              <a:rPr lang="en-US" altLang="zh-TW" sz="1100" b="1" dirty="0" smtClean="0">
+                <a:latin typeface="Microsoft JhengHei" panose="020B0604030504040204" pitchFamily="34" charset="-120"/>
+                <a:ea typeface="Microsoft JhengHei" panose="020B0604030504040204" pitchFamily="34" charset="-120"/>
+              </a:rPr>
+              <a:t>${hour18}mm</a:t>
+            </a:r>
+            <a:endParaRPr lang="zh-TW" altLang="en-US" sz="1100" b="1" dirty="0">
+              <a:latin typeface="Microsoft JhengHei" panose="020B0604030504040204" pitchFamily="34" charset="-120"/>
+              <a:ea typeface="Microsoft JhengHei" panose="020B0604030504040204" pitchFamily="34" charset="-120"/>
+            </a:endParaRPr>
+          </a:p>
+        </p:txBody>
+      </p:sp>
+      <p:cxnSp>
+        <p:nvCxnSpPr>
+          <p:cNvPr id="20" name="直線單箭頭接點 19"/>
+          <p:cNvCxnSpPr/>
+          <p:nvPr/>
+        </p:nvCxnSpPr>
+        <p:spPr>
+          <a:xfrm flipV="1">
+            <a:off x="7420801" y="167366"/>
+            <a:ext cx="1418399" cy="1705"/>
+          </a:xfrm>
+          <a:prstGeom prst="straightConnector1">
+            <a:avLst/>
+          </a:prstGeom>
+          <a:ln>
+            <a:headEnd type="triangle"/>
+            <a:tailEnd type="triangle"/>
+          </a:ln>
+        </p:spPr>
+        <p:style>
+          <a:lnRef idx="1">
+            <a:schemeClr val="accent3"/>
+          </a:lnRef>
+          <a:fillRef idx="0">
+            <a:schemeClr val="accent3"/>
+          </a:fillRef>
+          <a:effectRef idx="0">
+            <a:schemeClr val="accent3"/>
+          </a:effectRef>
+          <a:fontRef idx="minor">
+            <a:schemeClr val="tx1"/>
+          </a:fontRef>
+        </p:style>
+      </p:cxnSp>
+      <p:sp>
+        <p:nvSpPr>
+          <p:cNvPr id="21" name="矩形 20">
+            <a:extLst>
+              <a:ext uri="{FF2B5EF4-FFF2-40B4-BE49-F238E27FC236}">
+                <a16:creationId xmlns:a16="http://schemas.microsoft.com/office/drawing/2014/main" id="{5806C887-6AF6-734F-BA81-007EA40BB3E9}"/>
+              </a:ext>
+            </a:extLst>
+          </p:cNvPr>
+          <p:cNvSpPr/>
+          <p:nvPr/>
+        </p:nvSpPr>
+        <p:spPr>
+          <a:xfrm>
+            <a:off x="7413181" y="-52397"/>
+            <a:ext cx="1691489" cy="261610"/>
+          </a:xfrm>
+          <a:prstGeom prst="rect">
+            <a:avLst/>
+          </a:prstGeom>
+        </p:spPr>
+        <p:txBody>
+          <a:bodyPr wrap="none">
+            <a:spAutoFit/>
+          </a:bodyPr>
+          <a:lstStyle/>
+          <a:p>
+            <a:r>
+              <a:rPr lang="en-US" altLang="zh-TW" sz="1100" b="1" dirty="0" smtClean="0">
+                <a:latin typeface="Microsoft JhengHei" panose="020B0604030504040204" pitchFamily="34" charset="-120"/>
+                <a:ea typeface="Microsoft JhengHei" panose="020B0604030504040204" pitchFamily="34" charset="-120"/>
+              </a:rPr>
+              <a:t>6</a:t>
+            </a:r>
+            <a:r>
+              <a:rPr lang="zh-TW" altLang="en-US" sz="1100" b="1" dirty="0" smtClean="0">
+                <a:latin typeface="Microsoft JhengHei" panose="020B0604030504040204" pitchFamily="34" charset="-120"/>
+                <a:ea typeface="Microsoft JhengHei" panose="020B0604030504040204" pitchFamily="34" charset="-120"/>
+              </a:rPr>
+              <a:t>小時預報</a:t>
+            </a:r>
+            <a:r>
+              <a:rPr lang="en-US" altLang="zh-TW" sz="1100" b="1" dirty="0" smtClean="0">
+                <a:latin typeface="Microsoft JhengHei" panose="020B0604030504040204" pitchFamily="34" charset="-120"/>
+                <a:ea typeface="Microsoft JhengHei" panose="020B0604030504040204" pitchFamily="34" charset="-120"/>
+              </a:rPr>
+              <a:t>${hour6}mm</a:t>
+            </a:r>
+            <a:endParaRPr lang="zh-TW" altLang="en-US" sz="1100" b="1" dirty="0">
+              <a:latin typeface="Microsoft JhengHei" panose="020B0604030504040204" pitchFamily="34" charset="-120"/>
+              <a:ea typeface="Microsoft JhengHei" panose="020B0604030504040204" pitchFamily="34" charset="-120"/>
+            </a:endParaRPr>
+          </a:p>
+        </p:txBody>
+      </p:sp>
+      <p:sp>
+        <p:nvSpPr>
+          <p:cNvPr id="22" name="矩形 21">
             <a:extLst>
               <a:ext uri="{FF2B5EF4-FFF2-40B4-BE49-F238E27FC236}">
                 <a16:creationId xmlns:a16="http://schemas.microsoft.com/office/drawing/2014/main" id="{39D7FE7C-3CEB-0A4C-845D-1ABD945B6111}"/>
@@ -4235,7 +5179,7 @@
         </p:nvSpPr>
         <p:spPr>
           <a:xfrm>
-            <a:off x="3396971" y="3383731"/>
+            <a:off x="3392388" y="3946201"/>
             <a:ext cx="1415772" cy="276999"/>
           </a:xfrm>
           <a:prstGeom prst="rect">
@@ -4271,7 +5215,7 @@
       </p:sp>
       <p:sp>
         <p:nvSpPr>
-          <p:cNvPr id="13" name="矩形 12">
+          <p:cNvPr id="23" name="矩形 22">
             <a:extLst>
               <a:ext uri="{FF2B5EF4-FFF2-40B4-BE49-F238E27FC236}">
                 <a16:creationId xmlns:a16="http://schemas.microsoft.com/office/drawing/2014/main" id="{5806C887-6AF6-734F-BA81-007EA40BB3E9}"/>
@@ -4283,7 +5227,7 @@
         </p:nvSpPr>
         <p:spPr>
           <a:xfrm>
-            <a:off x="3429000" y="691320"/>
+            <a:off x="3424417" y="1253790"/>
             <a:ext cx="1107996" cy="276999"/>
           </a:xfrm>
           <a:prstGeom prst="rect">
@@ -4644,9 +5588,444 @@
           </a:p>
         </p:txBody>
       </p:sp>
-      <p:sp>
-        <p:nvSpPr>
-          <p:cNvPr id="12" name="矩形 11">
+      <p:cxnSp>
+        <p:nvCxnSpPr>
+          <p:cNvPr id="9" name="直線接點 8"/>
+          <p:cNvCxnSpPr/>
+          <p:nvPr/>
+        </p:nvCxnSpPr>
+        <p:spPr>
+          <a:xfrm>
+            <a:off x="4724400" y="103635"/>
+            <a:ext cx="0" cy="133200"/>
+          </a:xfrm>
+          <a:prstGeom prst="line">
+            <a:avLst/>
+          </a:prstGeom>
+          <a:ln w="12700">
+            <a:solidFill>
+              <a:schemeClr val="tx1"/>
+            </a:solidFill>
+          </a:ln>
+        </p:spPr>
+        <p:style>
+          <a:lnRef idx="1">
+            <a:schemeClr val="accent1"/>
+          </a:lnRef>
+          <a:fillRef idx="0">
+            <a:schemeClr val="accent1"/>
+          </a:fillRef>
+          <a:effectRef idx="0">
+            <a:schemeClr val="accent1"/>
+          </a:effectRef>
+          <a:fontRef idx="minor">
+            <a:schemeClr val="tx1"/>
+          </a:fontRef>
+        </p:style>
+      </p:cxnSp>
+      <p:cxnSp>
+        <p:nvCxnSpPr>
+          <p:cNvPr id="10" name="直線接點 9"/>
+          <p:cNvCxnSpPr/>
+          <p:nvPr/>
+        </p:nvCxnSpPr>
+        <p:spPr>
+          <a:xfrm>
+            <a:off x="4724400" y="1164858"/>
+            <a:ext cx="0" cy="119921"/>
+          </a:xfrm>
+          <a:prstGeom prst="line">
+            <a:avLst/>
+          </a:prstGeom>
+          <a:ln w="12700">
+            <a:solidFill>
+              <a:schemeClr val="tx1"/>
+            </a:solidFill>
+          </a:ln>
+        </p:spPr>
+        <p:style>
+          <a:lnRef idx="1">
+            <a:schemeClr val="accent1"/>
+          </a:lnRef>
+          <a:fillRef idx="0">
+            <a:schemeClr val="accent1"/>
+          </a:fillRef>
+          <a:effectRef idx="0">
+            <a:schemeClr val="accent1"/>
+          </a:effectRef>
+          <a:fontRef idx="minor">
+            <a:schemeClr val="tx1"/>
+          </a:fontRef>
+        </p:style>
+      </p:cxnSp>
+      <p:cxnSp>
+        <p:nvCxnSpPr>
+          <p:cNvPr id="11" name="直線接點 10"/>
+          <p:cNvCxnSpPr/>
+          <p:nvPr/>
+        </p:nvCxnSpPr>
+        <p:spPr>
+          <a:xfrm>
+            <a:off x="8839200" y="1145193"/>
+            <a:ext cx="0" cy="119921"/>
+          </a:xfrm>
+          <a:prstGeom prst="line">
+            <a:avLst/>
+          </a:prstGeom>
+          <a:ln w="12700">
+            <a:solidFill>
+              <a:schemeClr val="tx1"/>
+            </a:solidFill>
+          </a:ln>
+        </p:spPr>
+        <p:style>
+          <a:lnRef idx="1">
+            <a:schemeClr val="accent1"/>
+          </a:lnRef>
+          <a:fillRef idx="0">
+            <a:schemeClr val="accent1"/>
+          </a:fillRef>
+          <a:effectRef idx="0">
+            <a:schemeClr val="accent1"/>
+          </a:effectRef>
+          <a:fontRef idx="minor">
+            <a:schemeClr val="tx1"/>
+          </a:fontRef>
+        </p:style>
+      </p:cxnSp>
+      <p:cxnSp>
+        <p:nvCxnSpPr>
+          <p:cNvPr id="14" name="直線接點 13"/>
+          <p:cNvCxnSpPr/>
+          <p:nvPr/>
+        </p:nvCxnSpPr>
+        <p:spPr>
+          <a:xfrm>
+            <a:off x="8839200" y="119979"/>
+            <a:ext cx="0" cy="133200"/>
+          </a:xfrm>
+          <a:prstGeom prst="line">
+            <a:avLst/>
+          </a:prstGeom>
+          <a:ln w="12700">
+            <a:solidFill>
+              <a:schemeClr val="tx1"/>
+            </a:solidFill>
+          </a:ln>
+        </p:spPr>
+        <p:style>
+          <a:lnRef idx="1">
+            <a:schemeClr val="accent1"/>
+          </a:lnRef>
+          <a:fillRef idx="0">
+            <a:schemeClr val="accent1"/>
+          </a:fillRef>
+          <a:effectRef idx="0">
+            <a:schemeClr val="accent1"/>
+          </a:effectRef>
+          <a:fontRef idx="minor">
+            <a:schemeClr val="tx1"/>
+          </a:fontRef>
+        </p:style>
+      </p:cxnSp>
+      <p:cxnSp>
+        <p:nvCxnSpPr>
+          <p:cNvPr id="15" name="直線接點 14"/>
+          <p:cNvCxnSpPr/>
+          <p:nvPr/>
+        </p:nvCxnSpPr>
+        <p:spPr>
+          <a:xfrm>
+            <a:off x="7420801" y="102471"/>
+            <a:ext cx="0" cy="133200"/>
+          </a:xfrm>
+          <a:prstGeom prst="line">
+            <a:avLst/>
+          </a:prstGeom>
+          <a:ln w="12700">
+            <a:solidFill>
+              <a:schemeClr val="tx1"/>
+            </a:solidFill>
+          </a:ln>
+        </p:spPr>
+        <p:style>
+          <a:lnRef idx="1">
+            <a:schemeClr val="accent1"/>
+          </a:lnRef>
+          <a:fillRef idx="0">
+            <a:schemeClr val="accent1"/>
+          </a:fillRef>
+          <a:effectRef idx="0">
+            <a:schemeClr val="accent1"/>
+          </a:effectRef>
+          <a:fontRef idx="minor">
+            <a:schemeClr val="tx1"/>
+          </a:fontRef>
+        </p:style>
+      </p:cxnSp>
+      <p:cxnSp>
+        <p:nvCxnSpPr>
+          <p:cNvPr id="16" name="直線單箭頭接點 15"/>
+          <p:cNvCxnSpPr/>
+          <p:nvPr/>
+        </p:nvCxnSpPr>
+        <p:spPr>
+          <a:xfrm flipV="1">
+            <a:off x="4724400" y="1206318"/>
+            <a:ext cx="4114800" cy="13321"/>
+          </a:xfrm>
+          <a:prstGeom prst="straightConnector1">
+            <a:avLst/>
+          </a:prstGeom>
+          <a:ln w="19050">
+            <a:headEnd type="triangle"/>
+            <a:tailEnd type="triangle"/>
+          </a:ln>
+        </p:spPr>
+        <p:style>
+          <a:lnRef idx="1">
+            <a:schemeClr val="accent1"/>
+          </a:lnRef>
+          <a:fillRef idx="0">
+            <a:schemeClr val="accent1"/>
+          </a:fillRef>
+          <a:effectRef idx="0">
+            <a:schemeClr val="accent1"/>
+          </a:effectRef>
+          <a:fontRef idx="minor">
+            <a:schemeClr val="tx1"/>
+          </a:fontRef>
+        </p:style>
+      </p:cxnSp>
+      <p:sp>
+        <p:nvSpPr>
+          <p:cNvPr id="17" name="矩形 16">
+            <a:extLst>
+              <a:ext uri="{FF2B5EF4-FFF2-40B4-BE49-F238E27FC236}">
+                <a16:creationId xmlns:a16="http://schemas.microsoft.com/office/drawing/2014/main" id="{5806C887-6AF6-734F-BA81-007EA40BB3E9}"/>
+              </a:ext>
+            </a:extLst>
+          </p:cNvPr>
+          <p:cNvSpPr/>
+          <p:nvPr/>
+        </p:nvSpPr>
+        <p:spPr>
+          <a:xfrm>
+            <a:off x="6264815" y="1194532"/>
+            <a:ext cx="1409360" cy="261610"/>
+          </a:xfrm>
+          <a:prstGeom prst="rect">
+            <a:avLst/>
+          </a:prstGeom>
+        </p:spPr>
+        <p:txBody>
+          <a:bodyPr wrap="none">
+            <a:spAutoFit/>
+          </a:bodyPr>
+          <a:lstStyle/>
+          <a:p>
+            <a:r>
+              <a:rPr lang="zh-TW" altLang="en-US" sz="1100" b="1" dirty="0" smtClean="0">
+                <a:latin typeface="Microsoft JhengHei" panose="020B0604030504040204" pitchFamily="34" charset="-120"/>
+                <a:ea typeface="Microsoft JhengHei" panose="020B0604030504040204" pitchFamily="34" charset="-120"/>
+              </a:rPr>
+              <a:t>合計</a:t>
+            </a:r>
+            <a:r>
+              <a:rPr lang="en-US" altLang="zh-TW" sz="1100" b="1" dirty="0" smtClean="0">
+                <a:latin typeface="Microsoft JhengHei" panose="020B0604030504040204" pitchFamily="34" charset="-120"/>
+                <a:ea typeface="Microsoft JhengHei" panose="020B0604030504040204" pitchFamily="34" charset="-120"/>
+              </a:rPr>
+              <a:t>${hour24}mm</a:t>
+            </a:r>
+            <a:endParaRPr lang="zh-TW" altLang="en-US" sz="1100" b="1" dirty="0">
+              <a:latin typeface="Microsoft JhengHei" panose="020B0604030504040204" pitchFamily="34" charset="-120"/>
+              <a:ea typeface="Microsoft JhengHei" panose="020B0604030504040204" pitchFamily="34" charset="-120"/>
+            </a:endParaRPr>
+          </a:p>
+        </p:txBody>
+      </p:sp>
+      <p:cxnSp>
+        <p:nvCxnSpPr>
+          <p:cNvPr id="18" name="直線單箭頭接點 17"/>
+          <p:cNvCxnSpPr/>
+          <p:nvPr/>
+        </p:nvCxnSpPr>
+        <p:spPr>
+          <a:xfrm>
+            <a:off x="4724400" y="169071"/>
+            <a:ext cx="2696401" cy="0"/>
+          </a:xfrm>
+          <a:prstGeom prst="straightConnector1">
+            <a:avLst/>
+          </a:prstGeom>
+          <a:ln w="19050">
+            <a:headEnd type="triangle"/>
+            <a:tailEnd type="triangle"/>
+          </a:ln>
+        </p:spPr>
+        <p:style>
+          <a:lnRef idx="1">
+            <a:schemeClr val="accent1"/>
+          </a:lnRef>
+          <a:fillRef idx="0">
+            <a:schemeClr val="accent1"/>
+          </a:fillRef>
+          <a:effectRef idx="0">
+            <a:schemeClr val="accent1"/>
+          </a:effectRef>
+          <a:fontRef idx="minor">
+            <a:schemeClr val="tx1"/>
+          </a:fontRef>
+        </p:style>
+      </p:cxnSp>
+      <p:sp>
+        <p:nvSpPr>
+          <p:cNvPr id="19" name="矩形 18">
+            <a:extLst>
+              <a:ext uri="{FF2B5EF4-FFF2-40B4-BE49-F238E27FC236}">
+                <a16:creationId xmlns:a16="http://schemas.microsoft.com/office/drawing/2014/main" id="{5806C887-6AF6-734F-BA81-007EA40BB3E9}"/>
+              </a:ext>
+            </a:extLst>
+          </p:cNvPr>
+          <p:cNvSpPr/>
+          <p:nvPr/>
+        </p:nvSpPr>
+        <p:spPr>
+          <a:xfrm>
+            <a:off x="5234654" y="-49353"/>
+            <a:ext cx="1858201" cy="261610"/>
+          </a:xfrm>
+          <a:prstGeom prst="rect">
+            <a:avLst/>
+          </a:prstGeom>
+        </p:spPr>
+        <p:txBody>
+          <a:bodyPr wrap="none">
+            <a:spAutoFit/>
+          </a:bodyPr>
+          <a:lstStyle/>
+          <a:p>
+            <a:r>
+              <a:rPr lang="en-US" altLang="zh-TW" sz="1100" b="1" dirty="0" smtClean="0">
+                <a:latin typeface="Microsoft JhengHei" panose="020B0604030504040204" pitchFamily="34" charset="-120"/>
+                <a:ea typeface="Microsoft JhengHei" panose="020B0604030504040204" pitchFamily="34" charset="-120"/>
+              </a:rPr>
+              <a:t>18</a:t>
+            </a:r>
+            <a:r>
+              <a:rPr lang="zh-TW" altLang="en-US" sz="1100" b="1" dirty="0" smtClean="0">
+                <a:latin typeface="Microsoft JhengHei" panose="020B0604030504040204" pitchFamily="34" charset="-120"/>
+                <a:ea typeface="Microsoft JhengHei" panose="020B0604030504040204" pitchFamily="34" charset="-120"/>
+              </a:rPr>
+              <a:t>小時觀測</a:t>
+            </a:r>
+            <a:r>
+              <a:rPr lang="en-US" altLang="zh-TW" sz="1100" b="1" dirty="0" smtClean="0">
+                <a:latin typeface="Microsoft JhengHei" panose="020B0604030504040204" pitchFamily="34" charset="-120"/>
+                <a:ea typeface="Microsoft JhengHei" panose="020B0604030504040204" pitchFamily="34" charset="-120"/>
+              </a:rPr>
+              <a:t>${hour18}mm</a:t>
+            </a:r>
+            <a:endParaRPr lang="zh-TW" altLang="en-US" sz="1100" b="1" dirty="0">
+              <a:latin typeface="Microsoft JhengHei" panose="020B0604030504040204" pitchFamily="34" charset="-120"/>
+              <a:ea typeface="Microsoft JhengHei" panose="020B0604030504040204" pitchFamily="34" charset="-120"/>
+            </a:endParaRPr>
+          </a:p>
+        </p:txBody>
+      </p:sp>
+      <p:cxnSp>
+        <p:nvCxnSpPr>
+          <p:cNvPr id="20" name="直線單箭頭接點 19"/>
+          <p:cNvCxnSpPr/>
+          <p:nvPr/>
+        </p:nvCxnSpPr>
+        <p:spPr>
+          <a:xfrm flipV="1">
+            <a:off x="7420801" y="167366"/>
+            <a:ext cx="1418399" cy="1705"/>
+          </a:xfrm>
+          <a:prstGeom prst="straightConnector1">
+            <a:avLst/>
+          </a:prstGeom>
+          <a:ln>
+            <a:headEnd type="triangle"/>
+            <a:tailEnd type="triangle"/>
+          </a:ln>
+        </p:spPr>
+        <p:style>
+          <a:lnRef idx="1">
+            <a:schemeClr val="accent3"/>
+          </a:lnRef>
+          <a:fillRef idx="0">
+            <a:schemeClr val="accent3"/>
+          </a:fillRef>
+          <a:effectRef idx="0">
+            <a:schemeClr val="accent3"/>
+          </a:effectRef>
+          <a:fontRef idx="minor">
+            <a:schemeClr val="tx1"/>
+          </a:fontRef>
+        </p:style>
+      </p:cxnSp>
+      <p:sp>
+        <p:nvSpPr>
+          <p:cNvPr id="21" name="矩形 20">
+            <a:extLst>
+              <a:ext uri="{FF2B5EF4-FFF2-40B4-BE49-F238E27FC236}">
+                <a16:creationId xmlns:a16="http://schemas.microsoft.com/office/drawing/2014/main" id="{5806C887-6AF6-734F-BA81-007EA40BB3E9}"/>
+              </a:ext>
+            </a:extLst>
+          </p:cNvPr>
+          <p:cNvSpPr/>
+          <p:nvPr/>
+        </p:nvSpPr>
+        <p:spPr>
+          <a:xfrm>
+            <a:off x="7413181" y="-52397"/>
+            <a:ext cx="1691489" cy="261610"/>
+          </a:xfrm>
+          <a:prstGeom prst="rect">
+            <a:avLst/>
+          </a:prstGeom>
+        </p:spPr>
+        <p:txBody>
+          <a:bodyPr wrap="none">
+            <a:spAutoFit/>
+          </a:bodyPr>
+          <a:lstStyle/>
+          <a:p>
+            <a:r>
+              <a:rPr lang="en-US" altLang="zh-TW" sz="1100" b="1" dirty="0" smtClean="0">
+                <a:latin typeface="Microsoft JhengHei" panose="020B0604030504040204" pitchFamily="34" charset="-120"/>
+                <a:ea typeface="Microsoft JhengHei" panose="020B0604030504040204" pitchFamily="34" charset="-120"/>
+              </a:rPr>
+              <a:t>6</a:t>
+            </a:r>
+            <a:r>
+              <a:rPr lang="zh-TW" altLang="en-US" sz="1100" b="1" dirty="0" smtClean="0">
+                <a:latin typeface="Microsoft JhengHei" panose="020B0604030504040204" pitchFamily="34" charset="-120"/>
+                <a:ea typeface="Microsoft JhengHei" panose="020B0604030504040204" pitchFamily="34" charset="-120"/>
+              </a:rPr>
+              <a:t>小時預報</a:t>
+            </a:r>
+            <a:r>
+              <a:rPr lang="en-US" altLang="zh-TW" sz="1100" b="1" dirty="0" smtClean="0">
+                <a:latin typeface="Microsoft JhengHei" panose="020B0604030504040204" pitchFamily="34" charset="-120"/>
+                <a:ea typeface="Microsoft JhengHei" panose="020B0604030504040204" pitchFamily="34" charset="-120"/>
+              </a:rPr>
+              <a:t>${hour6}mm</a:t>
+            </a:r>
+            <a:endParaRPr lang="zh-TW" altLang="en-US" sz="1100" b="1" dirty="0">
+              <a:latin typeface="Microsoft JhengHei" panose="020B0604030504040204" pitchFamily="34" charset="-120"/>
+              <a:ea typeface="Microsoft JhengHei" panose="020B0604030504040204" pitchFamily="34" charset="-120"/>
+            </a:endParaRPr>
+          </a:p>
+        </p:txBody>
+      </p:sp>
+      <p:sp>
+        <p:nvSpPr>
+          <p:cNvPr id="22" name="矩形 21">
             <a:extLst>
               <a:ext uri="{FF2B5EF4-FFF2-40B4-BE49-F238E27FC236}">
                 <a16:creationId xmlns:a16="http://schemas.microsoft.com/office/drawing/2014/main" id="{39D7FE7C-3CEB-0A4C-845D-1ABD945B6111}"/>
@@ -4658,7 +6037,7 @@
         </p:nvSpPr>
         <p:spPr>
           <a:xfrm>
-            <a:off x="3396971" y="3383731"/>
+            <a:off x="3392388" y="3946201"/>
             <a:ext cx="1415772" cy="276999"/>
           </a:xfrm>
           <a:prstGeom prst="rect">
@@ -4694,7 +6073,7 @@
       </p:sp>
       <p:sp>
         <p:nvSpPr>
-          <p:cNvPr id="13" name="矩形 12">
+          <p:cNvPr id="23" name="矩形 22">
             <a:extLst>
               <a:ext uri="{FF2B5EF4-FFF2-40B4-BE49-F238E27FC236}">
                 <a16:creationId xmlns:a16="http://schemas.microsoft.com/office/drawing/2014/main" id="{5806C887-6AF6-734F-BA81-007EA40BB3E9}"/>
@@ -4706,7 +6085,7 @@
         </p:nvSpPr>
         <p:spPr>
           <a:xfrm>
-            <a:off x="3429000" y="691320"/>
+            <a:off x="3424417" y="1253790"/>
             <a:ext cx="1107996" cy="276999"/>
           </a:xfrm>
           <a:prstGeom prst="rect">
@@ -5067,9 +6446,444 @@
           </a:p>
         </p:txBody>
       </p:sp>
-      <p:sp>
-        <p:nvSpPr>
-          <p:cNvPr id="12" name="矩形 11">
+      <p:cxnSp>
+        <p:nvCxnSpPr>
+          <p:cNvPr id="9" name="直線接點 8"/>
+          <p:cNvCxnSpPr/>
+          <p:nvPr/>
+        </p:nvCxnSpPr>
+        <p:spPr>
+          <a:xfrm>
+            <a:off x="4724400" y="103635"/>
+            <a:ext cx="0" cy="133200"/>
+          </a:xfrm>
+          <a:prstGeom prst="line">
+            <a:avLst/>
+          </a:prstGeom>
+          <a:ln w="12700">
+            <a:solidFill>
+              <a:schemeClr val="tx1"/>
+            </a:solidFill>
+          </a:ln>
+        </p:spPr>
+        <p:style>
+          <a:lnRef idx="1">
+            <a:schemeClr val="accent1"/>
+          </a:lnRef>
+          <a:fillRef idx="0">
+            <a:schemeClr val="accent1"/>
+          </a:fillRef>
+          <a:effectRef idx="0">
+            <a:schemeClr val="accent1"/>
+          </a:effectRef>
+          <a:fontRef idx="minor">
+            <a:schemeClr val="tx1"/>
+          </a:fontRef>
+        </p:style>
+      </p:cxnSp>
+      <p:cxnSp>
+        <p:nvCxnSpPr>
+          <p:cNvPr id="10" name="直線接點 9"/>
+          <p:cNvCxnSpPr/>
+          <p:nvPr/>
+        </p:nvCxnSpPr>
+        <p:spPr>
+          <a:xfrm>
+            <a:off x="4724400" y="1164858"/>
+            <a:ext cx="0" cy="119921"/>
+          </a:xfrm>
+          <a:prstGeom prst="line">
+            <a:avLst/>
+          </a:prstGeom>
+          <a:ln w="12700">
+            <a:solidFill>
+              <a:schemeClr val="tx1"/>
+            </a:solidFill>
+          </a:ln>
+        </p:spPr>
+        <p:style>
+          <a:lnRef idx="1">
+            <a:schemeClr val="accent1"/>
+          </a:lnRef>
+          <a:fillRef idx="0">
+            <a:schemeClr val="accent1"/>
+          </a:fillRef>
+          <a:effectRef idx="0">
+            <a:schemeClr val="accent1"/>
+          </a:effectRef>
+          <a:fontRef idx="minor">
+            <a:schemeClr val="tx1"/>
+          </a:fontRef>
+        </p:style>
+      </p:cxnSp>
+      <p:cxnSp>
+        <p:nvCxnSpPr>
+          <p:cNvPr id="11" name="直線接點 10"/>
+          <p:cNvCxnSpPr/>
+          <p:nvPr/>
+        </p:nvCxnSpPr>
+        <p:spPr>
+          <a:xfrm>
+            <a:off x="8839200" y="1145193"/>
+            <a:ext cx="0" cy="119921"/>
+          </a:xfrm>
+          <a:prstGeom prst="line">
+            <a:avLst/>
+          </a:prstGeom>
+          <a:ln w="12700">
+            <a:solidFill>
+              <a:schemeClr val="tx1"/>
+            </a:solidFill>
+          </a:ln>
+        </p:spPr>
+        <p:style>
+          <a:lnRef idx="1">
+            <a:schemeClr val="accent1"/>
+          </a:lnRef>
+          <a:fillRef idx="0">
+            <a:schemeClr val="accent1"/>
+          </a:fillRef>
+          <a:effectRef idx="0">
+            <a:schemeClr val="accent1"/>
+          </a:effectRef>
+          <a:fontRef idx="minor">
+            <a:schemeClr val="tx1"/>
+          </a:fontRef>
+        </p:style>
+      </p:cxnSp>
+      <p:cxnSp>
+        <p:nvCxnSpPr>
+          <p:cNvPr id="14" name="直線接點 13"/>
+          <p:cNvCxnSpPr/>
+          <p:nvPr/>
+        </p:nvCxnSpPr>
+        <p:spPr>
+          <a:xfrm>
+            <a:off x="8839200" y="119979"/>
+            <a:ext cx="0" cy="133200"/>
+          </a:xfrm>
+          <a:prstGeom prst="line">
+            <a:avLst/>
+          </a:prstGeom>
+          <a:ln w="12700">
+            <a:solidFill>
+              <a:schemeClr val="tx1"/>
+            </a:solidFill>
+          </a:ln>
+        </p:spPr>
+        <p:style>
+          <a:lnRef idx="1">
+            <a:schemeClr val="accent1"/>
+          </a:lnRef>
+          <a:fillRef idx="0">
+            <a:schemeClr val="accent1"/>
+          </a:fillRef>
+          <a:effectRef idx="0">
+            <a:schemeClr val="accent1"/>
+          </a:effectRef>
+          <a:fontRef idx="minor">
+            <a:schemeClr val="tx1"/>
+          </a:fontRef>
+        </p:style>
+      </p:cxnSp>
+      <p:cxnSp>
+        <p:nvCxnSpPr>
+          <p:cNvPr id="15" name="直線接點 14"/>
+          <p:cNvCxnSpPr/>
+          <p:nvPr/>
+        </p:nvCxnSpPr>
+        <p:spPr>
+          <a:xfrm>
+            <a:off x="7420801" y="102471"/>
+            <a:ext cx="0" cy="133200"/>
+          </a:xfrm>
+          <a:prstGeom prst="line">
+            <a:avLst/>
+          </a:prstGeom>
+          <a:ln w="12700">
+            <a:solidFill>
+              <a:schemeClr val="tx1"/>
+            </a:solidFill>
+          </a:ln>
+        </p:spPr>
+        <p:style>
+          <a:lnRef idx="1">
+            <a:schemeClr val="accent1"/>
+          </a:lnRef>
+          <a:fillRef idx="0">
+            <a:schemeClr val="accent1"/>
+          </a:fillRef>
+          <a:effectRef idx="0">
+            <a:schemeClr val="accent1"/>
+          </a:effectRef>
+          <a:fontRef idx="minor">
+            <a:schemeClr val="tx1"/>
+          </a:fontRef>
+        </p:style>
+      </p:cxnSp>
+      <p:cxnSp>
+        <p:nvCxnSpPr>
+          <p:cNvPr id="16" name="直線單箭頭接點 15"/>
+          <p:cNvCxnSpPr/>
+          <p:nvPr/>
+        </p:nvCxnSpPr>
+        <p:spPr>
+          <a:xfrm flipV="1">
+            <a:off x="4724400" y="1206318"/>
+            <a:ext cx="4114800" cy="13321"/>
+          </a:xfrm>
+          <a:prstGeom prst="straightConnector1">
+            <a:avLst/>
+          </a:prstGeom>
+          <a:ln w="19050">
+            <a:headEnd type="triangle"/>
+            <a:tailEnd type="triangle"/>
+          </a:ln>
+        </p:spPr>
+        <p:style>
+          <a:lnRef idx="1">
+            <a:schemeClr val="accent1"/>
+          </a:lnRef>
+          <a:fillRef idx="0">
+            <a:schemeClr val="accent1"/>
+          </a:fillRef>
+          <a:effectRef idx="0">
+            <a:schemeClr val="accent1"/>
+          </a:effectRef>
+          <a:fontRef idx="minor">
+            <a:schemeClr val="tx1"/>
+          </a:fontRef>
+        </p:style>
+      </p:cxnSp>
+      <p:sp>
+        <p:nvSpPr>
+          <p:cNvPr id="17" name="矩形 16">
+            <a:extLst>
+              <a:ext uri="{FF2B5EF4-FFF2-40B4-BE49-F238E27FC236}">
+                <a16:creationId xmlns:a16="http://schemas.microsoft.com/office/drawing/2014/main" id="{5806C887-6AF6-734F-BA81-007EA40BB3E9}"/>
+              </a:ext>
+            </a:extLst>
+          </p:cNvPr>
+          <p:cNvSpPr/>
+          <p:nvPr/>
+        </p:nvSpPr>
+        <p:spPr>
+          <a:xfrm>
+            <a:off x="6264815" y="1194532"/>
+            <a:ext cx="1409360" cy="261610"/>
+          </a:xfrm>
+          <a:prstGeom prst="rect">
+            <a:avLst/>
+          </a:prstGeom>
+        </p:spPr>
+        <p:txBody>
+          <a:bodyPr wrap="none">
+            <a:spAutoFit/>
+          </a:bodyPr>
+          <a:lstStyle/>
+          <a:p>
+            <a:r>
+              <a:rPr lang="zh-TW" altLang="en-US" sz="1100" b="1" dirty="0" smtClean="0">
+                <a:latin typeface="Microsoft JhengHei" panose="020B0604030504040204" pitchFamily="34" charset="-120"/>
+                <a:ea typeface="Microsoft JhengHei" panose="020B0604030504040204" pitchFamily="34" charset="-120"/>
+              </a:rPr>
+              <a:t>合計</a:t>
+            </a:r>
+            <a:r>
+              <a:rPr lang="en-US" altLang="zh-TW" sz="1100" b="1" dirty="0" smtClean="0">
+                <a:latin typeface="Microsoft JhengHei" panose="020B0604030504040204" pitchFamily="34" charset="-120"/>
+                <a:ea typeface="Microsoft JhengHei" panose="020B0604030504040204" pitchFamily="34" charset="-120"/>
+              </a:rPr>
+              <a:t>${hour24}mm</a:t>
+            </a:r>
+            <a:endParaRPr lang="zh-TW" altLang="en-US" sz="1100" b="1" dirty="0">
+              <a:latin typeface="Microsoft JhengHei" panose="020B0604030504040204" pitchFamily="34" charset="-120"/>
+              <a:ea typeface="Microsoft JhengHei" panose="020B0604030504040204" pitchFamily="34" charset="-120"/>
+            </a:endParaRPr>
+          </a:p>
+        </p:txBody>
+      </p:sp>
+      <p:cxnSp>
+        <p:nvCxnSpPr>
+          <p:cNvPr id="18" name="直線單箭頭接點 17"/>
+          <p:cNvCxnSpPr/>
+          <p:nvPr/>
+        </p:nvCxnSpPr>
+        <p:spPr>
+          <a:xfrm>
+            <a:off x="4724400" y="169071"/>
+            <a:ext cx="2696401" cy="0"/>
+          </a:xfrm>
+          <a:prstGeom prst="straightConnector1">
+            <a:avLst/>
+          </a:prstGeom>
+          <a:ln w="19050">
+            <a:headEnd type="triangle"/>
+            <a:tailEnd type="triangle"/>
+          </a:ln>
+        </p:spPr>
+        <p:style>
+          <a:lnRef idx="1">
+            <a:schemeClr val="accent1"/>
+          </a:lnRef>
+          <a:fillRef idx="0">
+            <a:schemeClr val="accent1"/>
+          </a:fillRef>
+          <a:effectRef idx="0">
+            <a:schemeClr val="accent1"/>
+          </a:effectRef>
+          <a:fontRef idx="minor">
+            <a:schemeClr val="tx1"/>
+          </a:fontRef>
+        </p:style>
+      </p:cxnSp>
+      <p:sp>
+        <p:nvSpPr>
+          <p:cNvPr id="19" name="矩形 18">
+            <a:extLst>
+              <a:ext uri="{FF2B5EF4-FFF2-40B4-BE49-F238E27FC236}">
+                <a16:creationId xmlns:a16="http://schemas.microsoft.com/office/drawing/2014/main" id="{5806C887-6AF6-734F-BA81-007EA40BB3E9}"/>
+              </a:ext>
+            </a:extLst>
+          </p:cNvPr>
+          <p:cNvSpPr/>
+          <p:nvPr/>
+        </p:nvSpPr>
+        <p:spPr>
+          <a:xfrm>
+            <a:off x="5234654" y="-49353"/>
+            <a:ext cx="1858201" cy="261610"/>
+          </a:xfrm>
+          <a:prstGeom prst="rect">
+            <a:avLst/>
+          </a:prstGeom>
+        </p:spPr>
+        <p:txBody>
+          <a:bodyPr wrap="none">
+            <a:spAutoFit/>
+          </a:bodyPr>
+          <a:lstStyle/>
+          <a:p>
+            <a:r>
+              <a:rPr lang="en-US" altLang="zh-TW" sz="1100" b="1" dirty="0" smtClean="0">
+                <a:latin typeface="Microsoft JhengHei" panose="020B0604030504040204" pitchFamily="34" charset="-120"/>
+                <a:ea typeface="Microsoft JhengHei" panose="020B0604030504040204" pitchFamily="34" charset="-120"/>
+              </a:rPr>
+              <a:t>18</a:t>
+            </a:r>
+            <a:r>
+              <a:rPr lang="zh-TW" altLang="en-US" sz="1100" b="1" dirty="0" smtClean="0">
+                <a:latin typeface="Microsoft JhengHei" panose="020B0604030504040204" pitchFamily="34" charset="-120"/>
+                <a:ea typeface="Microsoft JhengHei" panose="020B0604030504040204" pitchFamily="34" charset="-120"/>
+              </a:rPr>
+              <a:t>小時觀測</a:t>
+            </a:r>
+            <a:r>
+              <a:rPr lang="en-US" altLang="zh-TW" sz="1100" b="1" dirty="0" smtClean="0">
+                <a:latin typeface="Microsoft JhengHei" panose="020B0604030504040204" pitchFamily="34" charset="-120"/>
+                <a:ea typeface="Microsoft JhengHei" panose="020B0604030504040204" pitchFamily="34" charset="-120"/>
+              </a:rPr>
+              <a:t>${hour18}mm</a:t>
+            </a:r>
+            <a:endParaRPr lang="zh-TW" altLang="en-US" sz="1100" b="1" dirty="0">
+              <a:latin typeface="Microsoft JhengHei" panose="020B0604030504040204" pitchFamily="34" charset="-120"/>
+              <a:ea typeface="Microsoft JhengHei" panose="020B0604030504040204" pitchFamily="34" charset="-120"/>
+            </a:endParaRPr>
+          </a:p>
+        </p:txBody>
+      </p:sp>
+      <p:cxnSp>
+        <p:nvCxnSpPr>
+          <p:cNvPr id="20" name="直線單箭頭接點 19"/>
+          <p:cNvCxnSpPr/>
+          <p:nvPr/>
+        </p:nvCxnSpPr>
+        <p:spPr>
+          <a:xfrm flipV="1">
+            <a:off x="7420801" y="167366"/>
+            <a:ext cx="1418399" cy="1705"/>
+          </a:xfrm>
+          <a:prstGeom prst="straightConnector1">
+            <a:avLst/>
+          </a:prstGeom>
+          <a:ln>
+            <a:headEnd type="triangle"/>
+            <a:tailEnd type="triangle"/>
+          </a:ln>
+        </p:spPr>
+        <p:style>
+          <a:lnRef idx="1">
+            <a:schemeClr val="accent3"/>
+          </a:lnRef>
+          <a:fillRef idx="0">
+            <a:schemeClr val="accent3"/>
+          </a:fillRef>
+          <a:effectRef idx="0">
+            <a:schemeClr val="accent3"/>
+          </a:effectRef>
+          <a:fontRef idx="minor">
+            <a:schemeClr val="tx1"/>
+          </a:fontRef>
+        </p:style>
+      </p:cxnSp>
+      <p:sp>
+        <p:nvSpPr>
+          <p:cNvPr id="21" name="矩形 20">
+            <a:extLst>
+              <a:ext uri="{FF2B5EF4-FFF2-40B4-BE49-F238E27FC236}">
+                <a16:creationId xmlns:a16="http://schemas.microsoft.com/office/drawing/2014/main" id="{5806C887-6AF6-734F-BA81-007EA40BB3E9}"/>
+              </a:ext>
+            </a:extLst>
+          </p:cNvPr>
+          <p:cNvSpPr/>
+          <p:nvPr/>
+        </p:nvSpPr>
+        <p:spPr>
+          <a:xfrm>
+            <a:off x="7413181" y="-52397"/>
+            <a:ext cx="1691489" cy="261610"/>
+          </a:xfrm>
+          <a:prstGeom prst="rect">
+            <a:avLst/>
+          </a:prstGeom>
+        </p:spPr>
+        <p:txBody>
+          <a:bodyPr wrap="none">
+            <a:spAutoFit/>
+          </a:bodyPr>
+          <a:lstStyle/>
+          <a:p>
+            <a:r>
+              <a:rPr lang="en-US" altLang="zh-TW" sz="1100" b="1" dirty="0" smtClean="0">
+                <a:latin typeface="Microsoft JhengHei" panose="020B0604030504040204" pitchFamily="34" charset="-120"/>
+                <a:ea typeface="Microsoft JhengHei" panose="020B0604030504040204" pitchFamily="34" charset="-120"/>
+              </a:rPr>
+              <a:t>6</a:t>
+            </a:r>
+            <a:r>
+              <a:rPr lang="zh-TW" altLang="en-US" sz="1100" b="1" dirty="0" smtClean="0">
+                <a:latin typeface="Microsoft JhengHei" panose="020B0604030504040204" pitchFamily="34" charset="-120"/>
+                <a:ea typeface="Microsoft JhengHei" panose="020B0604030504040204" pitchFamily="34" charset="-120"/>
+              </a:rPr>
+              <a:t>小時預報</a:t>
+            </a:r>
+            <a:r>
+              <a:rPr lang="en-US" altLang="zh-TW" sz="1100" b="1" dirty="0" smtClean="0">
+                <a:latin typeface="Microsoft JhengHei" panose="020B0604030504040204" pitchFamily="34" charset="-120"/>
+                <a:ea typeface="Microsoft JhengHei" panose="020B0604030504040204" pitchFamily="34" charset="-120"/>
+              </a:rPr>
+              <a:t>${hour6}mm</a:t>
+            </a:r>
+            <a:endParaRPr lang="zh-TW" altLang="en-US" sz="1100" b="1" dirty="0">
+              <a:latin typeface="Microsoft JhengHei" panose="020B0604030504040204" pitchFamily="34" charset="-120"/>
+              <a:ea typeface="Microsoft JhengHei" panose="020B0604030504040204" pitchFamily="34" charset="-120"/>
+            </a:endParaRPr>
+          </a:p>
+        </p:txBody>
+      </p:sp>
+      <p:sp>
+        <p:nvSpPr>
+          <p:cNvPr id="22" name="矩形 21">
             <a:extLst>
               <a:ext uri="{FF2B5EF4-FFF2-40B4-BE49-F238E27FC236}">
                 <a16:creationId xmlns:a16="http://schemas.microsoft.com/office/drawing/2014/main" id="{39D7FE7C-3CEB-0A4C-845D-1ABD945B6111}"/>
@@ -5081,7 +6895,7 @@
         </p:nvSpPr>
         <p:spPr>
           <a:xfrm>
-            <a:off x="3396971" y="3383731"/>
+            <a:off x="3392388" y="3946201"/>
             <a:ext cx="1415772" cy="276999"/>
           </a:xfrm>
           <a:prstGeom prst="rect">
@@ -5117,7 +6931,7 @@
       </p:sp>
       <p:sp>
         <p:nvSpPr>
-          <p:cNvPr id="13" name="矩形 12">
+          <p:cNvPr id="23" name="矩形 22">
             <a:extLst>
               <a:ext uri="{FF2B5EF4-FFF2-40B4-BE49-F238E27FC236}">
                 <a16:creationId xmlns:a16="http://schemas.microsoft.com/office/drawing/2014/main" id="{5806C887-6AF6-734F-BA81-007EA40BB3E9}"/>
@@ -5129,7 +6943,7 @@
         </p:nvSpPr>
         <p:spPr>
           <a:xfrm>
-            <a:off x="3429000" y="691320"/>
+            <a:off x="3424417" y="1253790"/>
             <a:ext cx="1107996" cy="276999"/>
           </a:xfrm>
           <a:prstGeom prst="rect">
@@ -5490,9 +7304,444 @@
           </a:p>
         </p:txBody>
       </p:sp>
-      <p:sp>
-        <p:nvSpPr>
-          <p:cNvPr id="12" name="矩形 11">
+      <p:cxnSp>
+        <p:nvCxnSpPr>
+          <p:cNvPr id="9" name="直線接點 8"/>
+          <p:cNvCxnSpPr/>
+          <p:nvPr/>
+        </p:nvCxnSpPr>
+        <p:spPr>
+          <a:xfrm>
+            <a:off x="4724400" y="103635"/>
+            <a:ext cx="0" cy="133200"/>
+          </a:xfrm>
+          <a:prstGeom prst="line">
+            <a:avLst/>
+          </a:prstGeom>
+          <a:ln w="12700">
+            <a:solidFill>
+              <a:schemeClr val="tx1"/>
+            </a:solidFill>
+          </a:ln>
+        </p:spPr>
+        <p:style>
+          <a:lnRef idx="1">
+            <a:schemeClr val="accent1"/>
+          </a:lnRef>
+          <a:fillRef idx="0">
+            <a:schemeClr val="accent1"/>
+          </a:fillRef>
+          <a:effectRef idx="0">
+            <a:schemeClr val="accent1"/>
+          </a:effectRef>
+          <a:fontRef idx="minor">
+            <a:schemeClr val="tx1"/>
+          </a:fontRef>
+        </p:style>
+      </p:cxnSp>
+      <p:cxnSp>
+        <p:nvCxnSpPr>
+          <p:cNvPr id="10" name="直線接點 9"/>
+          <p:cNvCxnSpPr/>
+          <p:nvPr/>
+        </p:nvCxnSpPr>
+        <p:spPr>
+          <a:xfrm>
+            <a:off x="4724400" y="1164858"/>
+            <a:ext cx="0" cy="119921"/>
+          </a:xfrm>
+          <a:prstGeom prst="line">
+            <a:avLst/>
+          </a:prstGeom>
+          <a:ln w="12700">
+            <a:solidFill>
+              <a:schemeClr val="tx1"/>
+            </a:solidFill>
+          </a:ln>
+        </p:spPr>
+        <p:style>
+          <a:lnRef idx="1">
+            <a:schemeClr val="accent1"/>
+          </a:lnRef>
+          <a:fillRef idx="0">
+            <a:schemeClr val="accent1"/>
+          </a:fillRef>
+          <a:effectRef idx="0">
+            <a:schemeClr val="accent1"/>
+          </a:effectRef>
+          <a:fontRef idx="minor">
+            <a:schemeClr val="tx1"/>
+          </a:fontRef>
+        </p:style>
+      </p:cxnSp>
+      <p:cxnSp>
+        <p:nvCxnSpPr>
+          <p:cNvPr id="11" name="直線接點 10"/>
+          <p:cNvCxnSpPr/>
+          <p:nvPr/>
+        </p:nvCxnSpPr>
+        <p:spPr>
+          <a:xfrm>
+            <a:off x="8839200" y="1145193"/>
+            <a:ext cx="0" cy="119921"/>
+          </a:xfrm>
+          <a:prstGeom prst="line">
+            <a:avLst/>
+          </a:prstGeom>
+          <a:ln w="12700">
+            <a:solidFill>
+              <a:schemeClr val="tx1"/>
+            </a:solidFill>
+          </a:ln>
+        </p:spPr>
+        <p:style>
+          <a:lnRef idx="1">
+            <a:schemeClr val="accent1"/>
+          </a:lnRef>
+          <a:fillRef idx="0">
+            <a:schemeClr val="accent1"/>
+          </a:fillRef>
+          <a:effectRef idx="0">
+            <a:schemeClr val="accent1"/>
+          </a:effectRef>
+          <a:fontRef idx="minor">
+            <a:schemeClr val="tx1"/>
+          </a:fontRef>
+        </p:style>
+      </p:cxnSp>
+      <p:cxnSp>
+        <p:nvCxnSpPr>
+          <p:cNvPr id="14" name="直線接點 13"/>
+          <p:cNvCxnSpPr/>
+          <p:nvPr/>
+        </p:nvCxnSpPr>
+        <p:spPr>
+          <a:xfrm>
+            <a:off x="8839200" y="119979"/>
+            <a:ext cx="0" cy="133200"/>
+          </a:xfrm>
+          <a:prstGeom prst="line">
+            <a:avLst/>
+          </a:prstGeom>
+          <a:ln w="12700">
+            <a:solidFill>
+              <a:schemeClr val="tx1"/>
+            </a:solidFill>
+          </a:ln>
+        </p:spPr>
+        <p:style>
+          <a:lnRef idx="1">
+            <a:schemeClr val="accent1"/>
+          </a:lnRef>
+          <a:fillRef idx="0">
+            <a:schemeClr val="accent1"/>
+          </a:fillRef>
+          <a:effectRef idx="0">
+            <a:schemeClr val="accent1"/>
+          </a:effectRef>
+          <a:fontRef idx="minor">
+            <a:schemeClr val="tx1"/>
+          </a:fontRef>
+        </p:style>
+      </p:cxnSp>
+      <p:cxnSp>
+        <p:nvCxnSpPr>
+          <p:cNvPr id="15" name="直線接點 14"/>
+          <p:cNvCxnSpPr/>
+          <p:nvPr/>
+        </p:nvCxnSpPr>
+        <p:spPr>
+          <a:xfrm>
+            <a:off x="7420801" y="102471"/>
+            <a:ext cx="0" cy="133200"/>
+          </a:xfrm>
+          <a:prstGeom prst="line">
+            <a:avLst/>
+          </a:prstGeom>
+          <a:ln w="12700">
+            <a:solidFill>
+              <a:schemeClr val="tx1"/>
+            </a:solidFill>
+          </a:ln>
+        </p:spPr>
+        <p:style>
+          <a:lnRef idx="1">
+            <a:schemeClr val="accent1"/>
+          </a:lnRef>
+          <a:fillRef idx="0">
+            <a:schemeClr val="accent1"/>
+          </a:fillRef>
+          <a:effectRef idx="0">
+            <a:schemeClr val="accent1"/>
+          </a:effectRef>
+          <a:fontRef idx="minor">
+            <a:schemeClr val="tx1"/>
+          </a:fontRef>
+        </p:style>
+      </p:cxnSp>
+      <p:cxnSp>
+        <p:nvCxnSpPr>
+          <p:cNvPr id="16" name="直線單箭頭接點 15"/>
+          <p:cNvCxnSpPr/>
+          <p:nvPr/>
+        </p:nvCxnSpPr>
+        <p:spPr>
+          <a:xfrm flipV="1">
+            <a:off x="4724400" y="1206318"/>
+            <a:ext cx="4114800" cy="13321"/>
+          </a:xfrm>
+          <a:prstGeom prst="straightConnector1">
+            <a:avLst/>
+          </a:prstGeom>
+          <a:ln w="19050">
+            <a:headEnd type="triangle"/>
+            <a:tailEnd type="triangle"/>
+          </a:ln>
+        </p:spPr>
+        <p:style>
+          <a:lnRef idx="1">
+            <a:schemeClr val="accent1"/>
+          </a:lnRef>
+          <a:fillRef idx="0">
+            <a:schemeClr val="accent1"/>
+          </a:fillRef>
+          <a:effectRef idx="0">
+            <a:schemeClr val="accent1"/>
+          </a:effectRef>
+          <a:fontRef idx="minor">
+            <a:schemeClr val="tx1"/>
+          </a:fontRef>
+        </p:style>
+      </p:cxnSp>
+      <p:sp>
+        <p:nvSpPr>
+          <p:cNvPr id="17" name="矩形 16">
+            <a:extLst>
+              <a:ext uri="{FF2B5EF4-FFF2-40B4-BE49-F238E27FC236}">
+                <a16:creationId xmlns:a16="http://schemas.microsoft.com/office/drawing/2014/main" id="{5806C887-6AF6-734F-BA81-007EA40BB3E9}"/>
+              </a:ext>
+            </a:extLst>
+          </p:cNvPr>
+          <p:cNvSpPr/>
+          <p:nvPr/>
+        </p:nvSpPr>
+        <p:spPr>
+          <a:xfrm>
+            <a:off x="6264815" y="1194532"/>
+            <a:ext cx="1409360" cy="261610"/>
+          </a:xfrm>
+          <a:prstGeom prst="rect">
+            <a:avLst/>
+          </a:prstGeom>
+        </p:spPr>
+        <p:txBody>
+          <a:bodyPr wrap="none">
+            <a:spAutoFit/>
+          </a:bodyPr>
+          <a:lstStyle/>
+          <a:p>
+            <a:r>
+              <a:rPr lang="zh-TW" altLang="en-US" sz="1100" b="1" dirty="0" smtClean="0">
+                <a:latin typeface="Microsoft JhengHei" panose="020B0604030504040204" pitchFamily="34" charset="-120"/>
+                <a:ea typeface="Microsoft JhengHei" panose="020B0604030504040204" pitchFamily="34" charset="-120"/>
+              </a:rPr>
+              <a:t>合計</a:t>
+            </a:r>
+            <a:r>
+              <a:rPr lang="en-US" altLang="zh-TW" sz="1100" b="1" dirty="0" smtClean="0">
+                <a:latin typeface="Microsoft JhengHei" panose="020B0604030504040204" pitchFamily="34" charset="-120"/>
+                <a:ea typeface="Microsoft JhengHei" panose="020B0604030504040204" pitchFamily="34" charset="-120"/>
+              </a:rPr>
+              <a:t>${hour24}mm</a:t>
+            </a:r>
+            <a:endParaRPr lang="zh-TW" altLang="en-US" sz="1100" b="1" dirty="0">
+              <a:latin typeface="Microsoft JhengHei" panose="020B0604030504040204" pitchFamily="34" charset="-120"/>
+              <a:ea typeface="Microsoft JhengHei" panose="020B0604030504040204" pitchFamily="34" charset="-120"/>
+            </a:endParaRPr>
+          </a:p>
+        </p:txBody>
+      </p:sp>
+      <p:cxnSp>
+        <p:nvCxnSpPr>
+          <p:cNvPr id="18" name="直線單箭頭接點 17"/>
+          <p:cNvCxnSpPr/>
+          <p:nvPr/>
+        </p:nvCxnSpPr>
+        <p:spPr>
+          <a:xfrm>
+            <a:off x="4724400" y="169071"/>
+            <a:ext cx="2696401" cy="0"/>
+          </a:xfrm>
+          <a:prstGeom prst="straightConnector1">
+            <a:avLst/>
+          </a:prstGeom>
+          <a:ln w="19050">
+            <a:headEnd type="triangle"/>
+            <a:tailEnd type="triangle"/>
+          </a:ln>
+        </p:spPr>
+        <p:style>
+          <a:lnRef idx="1">
+            <a:schemeClr val="accent1"/>
+          </a:lnRef>
+          <a:fillRef idx="0">
+            <a:schemeClr val="accent1"/>
+          </a:fillRef>
+          <a:effectRef idx="0">
+            <a:schemeClr val="accent1"/>
+          </a:effectRef>
+          <a:fontRef idx="minor">
+            <a:schemeClr val="tx1"/>
+          </a:fontRef>
+        </p:style>
+      </p:cxnSp>
+      <p:sp>
+        <p:nvSpPr>
+          <p:cNvPr id="19" name="矩形 18">
+            <a:extLst>
+              <a:ext uri="{FF2B5EF4-FFF2-40B4-BE49-F238E27FC236}">
+                <a16:creationId xmlns:a16="http://schemas.microsoft.com/office/drawing/2014/main" id="{5806C887-6AF6-734F-BA81-007EA40BB3E9}"/>
+              </a:ext>
+            </a:extLst>
+          </p:cNvPr>
+          <p:cNvSpPr/>
+          <p:nvPr/>
+        </p:nvSpPr>
+        <p:spPr>
+          <a:xfrm>
+            <a:off x="5234654" y="-49353"/>
+            <a:ext cx="1858201" cy="261610"/>
+          </a:xfrm>
+          <a:prstGeom prst="rect">
+            <a:avLst/>
+          </a:prstGeom>
+        </p:spPr>
+        <p:txBody>
+          <a:bodyPr wrap="none">
+            <a:spAutoFit/>
+          </a:bodyPr>
+          <a:lstStyle/>
+          <a:p>
+            <a:r>
+              <a:rPr lang="en-US" altLang="zh-TW" sz="1100" b="1" dirty="0" smtClean="0">
+                <a:latin typeface="Microsoft JhengHei" panose="020B0604030504040204" pitchFamily="34" charset="-120"/>
+                <a:ea typeface="Microsoft JhengHei" panose="020B0604030504040204" pitchFamily="34" charset="-120"/>
+              </a:rPr>
+              <a:t>18</a:t>
+            </a:r>
+            <a:r>
+              <a:rPr lang="zh-TW" altLang="en-US" sz="1100" b="1" dirty="0" smtClean="0">
+                <a:latin typeface="Microsoft JhengHei" panose="020B0604030504040204" pitchFamily="34" charset="-120"/>
+                <a:ea typeface="Microsoft JhengHei" panose="020B0604030504040204" pitchFamily="34" charset="-120"/>
+              </a:rPr>
+              <a:t>小時觀測</a:t>
+            </a:r>
+            <a:r>
+              <a:rPr lang="en-US" altLang="zh-TW" sz="1100" b="1" dirty="0" smtClean="0">
+                <a:latin typeface="Microsoft JhengHei" panose="020B0604030504040204" pitchFamily="34" charset="-120"/>
+                <a:ea typeface="Microsoft JhengHei" panose="020B0604030504040204" pitchFamily="34" charset="-120"/>
+              </a:rPr>
+              <a:t>${hour18}mm</a:t>
+            </a:r>
+            <a:endParaRPr lang="zh-TW" altLang="en-US" sz="1100" b="1" dirty="0">
+              <a:latin typeface="Microsoft JhengHei" panose="020B0604030504040204" pitchFamily="34" charset="-120"/>
+              <a:ea typeface="Microsoft JhengHei" panose="020B0604030504040204" pitchFamily="34" charset="-120"/>
+            </a:endParaRPr>
+          </a:p>
+        </p:txBody>
+      </p:sp>
+      <p:cxnSp>
+        <p:nvCxnSpPr>
+          <p:cNvPr id="20" name="直線單箭頭接點 19"/>
+          <p:cNvCxnSpPr/>
+          <p:nvPr/>
+        </p:nvCxnSpPr>
+        <p:spPr>
+          <a:xfrm flipV="1">
+            <a:off x="7420801" y="167366"/>
+            <a:ext cx="1418399" cy="1705"/>
+          </a:xfrm>
+          <a:prstGeom prst="straightConnector1">
+            <a:avLst/>
+          </a:prstGeom>
+          <a:ln>
+            <a:headEnd type="triangle"/>
+            <a:tailEnd type="triangle"/>
+          </a:ln>
+        </p:spPr>
+        <p:style>
+          <a:lnRef idx="1">
+            <a:schemeClr val="accent3"/>
+          </a:lnRef>
+          <a:fillRef idx="0">
+            <a:schemeClr val="accent3"/>
+          </a:fillRef>
+          <a:effectRef idx="0">
+            <a:schemeClr val="accent3"/>
+          </a:effectRef>
+          <a:fontRef idx="minor">
+            <a:schemeClr val="tx1"/>
+          </a:fontRef>
+        </p:style>
+      </p:cxnSp>
+      <p:sp>
+        <p:nvSpPr>
+          <p:cNvPr id="21" name="矩形 20">
+            <a:extLst>
+              <a:ext uri="{FF2B5EF4-FFF2-40B4-BE49-F238E27FC236}">
+                <a16:creationId xmlns:a16="http://schemas.microsoft.com/office/drawing/2014/main" id="{5806C887-6AF6-734F-BA81-007EA40BB3E9}"/>
+              </a:ext>
+            </a:extLst>
+          </p:cNvPr>
+          <p:cNvSpPr/>
+          <p:nvPr/>
+        </p:nvSpPr>
+        <p:spPr>
+          <a:xfrm>
+            <a:off x="7413181" y="-52397"/>
+            <a:ext cx="1691489" cy="261610"/>
+          </a:xfrm>
+          <a:prstGeom prst="rect">
+            <a:avLst/>
+          </a:prstGeom>
+        </p:spPr>
+        <p:txBody>
+          <a:bodyPr wrap="none">
+            <a:spAutoFit/>
+          </a:bodyPr>
+          <a:lstStyle/>
+          <a:p>
+            <a:r>
+              <a:rPr lang="en-US" altLang="zh-TW" sz="1100" b="1" dirty="0" smtClean="0">
+                <a:latin typeface="Microsoft JhengHei" panose="020B0604030504040204" pitchFamily="34" charset="-120"/>
+                <a:ea typeface="Microsoft JhengHei" panose="020B0604030504040204" pitchFamily="34" charset="-120"/>
+              </a:rPr>
+              <a:t>6</a:t>
+            </a:r>
+            <a:r>
+              <a:rPr lang="zh-TW" altLang="en-US" sz="1100" b="1" dirty="0" smtClean="0">
+                <a:latin typeface="Microsoft JhengHei" panose="020B0604030504040204" pitchFamily="34" charset="-120"/>
+                <a:ea typeface="Microsoft JhengHei" panose="020B0604030504040204" pitchFamily="34" charset="-120"/>
+              </a:rPr>
+              <a:t>小時預報</a:t>
+            </a:r>
+            <a:r>
+              <a:rPr lang="en-US" altLang="zh-TW" sz="1100" b="1" dirty="0" smtClean="0">
+                <a:latin typeface="Microsoft JhengHei" panose="020B0604030504040204" pitchFamily="34" charset="-120"/>
+                <a:ea typeface="Microsoft JhengHei" panose="020B0604030504040204" pitchFamily="34" charset="-120"/>
+              </a:rPr>
+              <a:t>${hour6}mm</a:t>
+            </a:r>
+            <a:endParaRPr lang="zh-TW" altLang="en-US" sz="1100" b="1" dirty="0">
+              <a:latin typeface="Microsoft JhengHei" panose="020B0604030504040204" pitchFamily="34" charset="-120"/>
+              <a:ea typeface="Microsoft JhengHei" panose="020B0604030504040204" pitchFamily="34" charset="-120"/>
+            </a:endParaRPr>
+          </a:p>
+        </p:txBody>
+      </p:sp>
+      <p:sp>
+        <p:nvSpPr>
+          <p:cNvPr id="22" name="矩形 21">
             <a:extLst>
               <a:ext uri="{FF2B5EF4-FFF2-40B4-BE49-F238E27FC236}">
                 <a16:creationId xmlns:a16="http://schemas.microsoft.com/office/drawing/2014/main" id="{39D7FE7C-3CEB-0A4C-845D-1ABD945B6111}"/>
@@ -5504,7 +7753,7 @@
         </p:nvSpPr>
         <p:spPr>
           <a:xfrm>
-            <a:off x="3396971" y="3383731"/>
+            <a:off x="3392388" y="3946201"/>
             <a:ext cx="1415772" cy="276999"/>
           </a:xfrm>
           <a:prstGeom prst="rect">
@@ -5540,7 +7789,7 @@
       </p:sp>
       <p:sp>
         <p:nvSpPr>
-          <p:cNvPr id="13" name="矩形 12">
+          <p:cNvPr id="23" name="矩形 22">
             <a:extLst>
               <a:ext uri="{FF2B5EF4-FFF2-40B4-BE49-F238E27FC236}">
                 <a16:creationId xmlns:a16="http://schemas.microsoft.com/office/drawing/2014/main" id="{5806C887-6AF6-734F-BA81-007EA40BB3E9}"/>
@@ -5552,7 +7801,7 @@
         </p:nvSpPr>
         <p:spPr>
           <a:xfrm>
-            <a:off x="3429000" y="691320"/>
+            <a:off x="3424417" y="1253790"/>
             <a:ext cx="1107996" cy="276999"/>
           </a:xfrm>
           <a:prstGeom prst="rect">
@@ -5913,9 +8162,444 @@
           </a:p>
         </p:txBody>
       </p:sp>
-      <p:sp>
-        <p:nvSpPr>
-          <p:cNvPr id="12" name="矩形 11">
+      <p:cxnSp>
+        <p:nvCxnSpPr>
+          <p:cNvPr id="9" name="直線接點 8"/>
+          <p:cNvCxnSpPr/>
+          <p:nvPr/>
+        </p:nvCxnSpPr>
+        <p:spPr>
+          <a:xfrm>
+            <a:off x="4724400" y="103635"/>
+            <a:ext cx="0" cy="133200"/>
+          </a:xfrm>
+          <a:prstGeom prst="line">
+            <a:avLst/>
+          </a:prstGeom>
+          <a:ln w="12700">
+            <a:solidFill>
+              <a:schemeClr val="tx1"/>
+            </a:solidFill>
+          </a:ln>
+        </p:spPr>
+        <p:style>
+          <a:lnRef idx="1">
+            <a:schemeClr val="accent1"/>
+          </a:lnRef>
+          <a:fillRef idx="0">
+            <a:schemeClr val="accent1"/>
+          </a:fillRef>
+          <a:effectRef idx="0">
+            <a:schemeClr val="accent1"/>
+          </a:effectRef>
+          <a:fontRef idx="minor">
+            <a:schemeClr val="tx1"/>
+          </a:fontRef>
+        </p:style>
+      </p:cxnSp>
+      <p:cxnSp>
+        <p:nvCxnSpPr>
+          <p:cNvPr id="10" name="直線接點 9"/>
+          <p:cNvCxnSpPr/>
+          <p:nvPr/>
+        </p:nvCxnSpPr>
+        <p:spPr>
+          <a:xfrm>
+            <a:off x="4724400" y="1164858"/>
+            <a:ext cx="0" cy="119921"/>
+          </a:xfrm>
+          <a:prstGeom prst="line">
+            <a:avLst/>
+          </a:prstGeom>
+          <a:ln w="12700">
+            <a:solidFill>
+              <a:schemeClr val="tx1"/>
+            </a:solidFill>
+          </a:ln>
+        </p:spPr>
+        <p:style>
+          <a:lnRef idx="1">
+            <a:schemeClr val="accent1"/>
+          </a:lnRef>
+          <a:fillRef idx="0">
+            <a:schemeClr val="accent1"/>
+          </a:fillRef>
+          <a:effectRef idx="0">
+            <a:schemeClr val="accent1"/>
+          </a:effectRef>
+          <a:fontRef idx="minor">
+            <a:schemeClr val="tx1"/>
+          </a:fontRef>
+        </p:style>
+      </p:cxnSp>
+      <p:cxnSp>
+        <p:nvCxnSpPr>
+          <p:cNvPr id="11" name="直線接點 10"/>
+          <p:cNvCxnSpPr/>
+          <p:nvPr/>
+        </p:nvCxnSpPr>
+        <p:spPr>
+          <a:xfrm>
+            <a:off x="8839200" y="1145193"/>
+            <a:ext cx="0" cy="119921"/>
+          </a:xfrm>
+          <a:prstGeom prst="line">
+            <a:avLst/>
+          </a:prstGeom>
+          <a:ln w="12700">
+            <a:solidFill>
+              <a:schemeClr val="tx1"/>
+            </a:solidFill>
+          </a:ln>
+        </p:spPr>
+        <p:style>
+          <a:lnRef idx="1">
+            <a:schemeClr val="accent1"/>
+          </a:lnRef>
+          <a:fillRef idx="0">
+            <a:schemeClr val="accent1"/>
+          </a:fillRef>
+          <a:effectRef idx="0">
+            <a:schemeClr val="accent1"/>
+          </a:effectRef>
+          <a:fontRef idx="minor">
+            <a:schemeClr val="tx1"/>
+          </a:fontRef>
+        </p:style>
+      </p:cxnSp>
+      <p:cxnSp>
+        <p:nvCxnSpPr>
+          <p:cNvPr id="14" name="直線接點 13"/>
+          <p:cNvCxnSpPr/>
+          <p:nvPr/>
+        </p:nvCxnSpPr>
+        <p:spPr>
+          <a:xfrm>
+            <a:off x="8839200" y="119979"/>
+            <a:ext cx="0" cy="133200"/>
+          </a:xfrm>
+          <a:prstGeom prst="line">
+            <a:avLst/>
+          </a:prstGeom>
+          <a:ln w="12700">
+            <a:solidFill>
+              <a:schemeClr val="tx1"/>
+            </a:solidFill>
+          </a:ln>
+        </p:spPr>
+        <p:style>
+          <a:lnRef idx="1">
+            <a:schemeClr val="accent1"/>
+          </a:lnRef>
+          <a:fillRef idx="0">
+            <a:schemeClr val="accent1"/>
+          </a:fillRef>
+          <a:effectRef idx="0">
+            <a:schemeClr val="accent1"/>
+          </a:effectRef>
+          <a:fontRef idx="minor">
+            <a:schemeClr val="tx1"/>
+          </a:fontRef>
+        </p:style>
+      </p:cxnSp>
+      <p:cxnSp>
+        <p:nvCxnSpPr>
+          <p:cNvPr id="15" name="直線接點 14"/>
+          <p:cNvCxnSpPr/>
+          <p:nvPr/>
+        </p:nvCxnSpPr>
+        <p:spPr>
+          <a:xfrm>
+            <a:off x="7420801" y="102471"/>
+            <a:ext cx="0" cy="133200"/>
+          </a:xfrm>
+          <a:prstGeom prst="line">
+            <a:avLst/>
+          </a:prstGeom>
+          <a:ln w="12700">
+            <a:solidFill>
+              <a:schemeClr val="tx1"/>
+            </a:solidFill>
+          </a:ln>
+        </p:spPr>
+        <p:style>
+          <a:lnRef idx="1">
+            <a:schemeClr val="accent1"/>
+          </a:lnRef>
+          <a:fillRef idx="0">
+            <a:schemeClr val="accent1"/>
+          </a:fillRef>
+          <a:effectRef idx="0">
+            <a:schemeClr val="accent1"/>
+          </a:effectRef>
+          <a:fontRef idx="minor">
+            <a:schemeClr val="tx1"/>
+          </a:fontRef>
+        </p:style>
+      </p:cxnSp>
+      <p:cxnSp>
+        <p:nvCxnSpPr>
+          <p:cNvPr id="16" name="直線單箭頭接點 15"/>
+          <p:cNvCxnSpPr/>
+          <p:nvPr/>
+        </p:nvCxnSpPr>
+        <p:spPr>
+          <a:xfrm flipV="1">
+            <a:off x="4724400" y="1206318"/>
+            <a:ext cx="4114800" cy="13321"/>
+          </a:xfrm>
+          <a:prstGeom prst="straightConnector1">
+            <a:avLst/>
+          </a:prstGeom>
+          <a:ln w="19050">
+            <a:headEnd type="triangle"/>
+            <a:tailEnd type="triangle"/>
+          </a:ln>
+        </p:spPr>
+        <p:style>
+          <a:lnRef idx="1">
+            <a:schemeClr val="accent1"/>
+          </a:lnRef>
+          <a:fillRef idx="0">
+            <a:schemeClr val="accent1"/>
+          </a:fillRef>
+          <a:effectRef idx="0">
+            <a:schemeClr val="accent1"/>
+          </a:effectRef>
+          <a:fontRef idx="minor">
+            <a:schemeClr val="tx1"/>
+          </a:fontRef>
+        </p:style>
+      </p:cxnSp>
+      <p:sp>
+        <p:nvSpPr>
+          <p:cNvPr id="17" name="矩形 16">
+            <a:extLst>
+              <a:ext uri="{FF2B5EF4-FFF2-40B4-BE49-F238E27FC236}">
+                <a16:creationId xmlns:a16="http://schemas.microsoft.com/office/drawing/2014/main" id="{5806C887-6AF6-734F-BA81-007EA40BB3E9}"/>
+              </a:ext>
+            </a:extLst>
+          </p:cNvPr>
+          <p:cNvSpPr/>
+          <p:nvPr/>
+        </p:nvSpPr>
+        <p:spPr>
+          <a:xfrm>
+            <a:off x="6264815" y="1194532"/>
+            <a:ext cx="1409360" cy="261610"/>
+          </a:xfrm>
+          <a:prstGeom prst="rect">
+            <a:avLst/>
+          </a:prstGeom>
+        </p:spPr>
+        <p:txBody>
+          <a:bodyPr wrap="none">
+            <a:spAutoFit/>
+          </a:bodyPr>
+          <a:lstStyle/>
+          <a:p>
+            <a:r>
+              <a:rPr lang="zh-TW" altLang="en-US" sz="1100" b="1" dirty="0" smtClean="0">
+                <a:latin typeface="Microsoft JhengHei" panose="020B0604030504040204" pitchFamily="34" charset="-120"/>
+                <a:ea typeface="Microsoft JhengHei" panose="020B0604030504040204" pitchFamily="34" charset="-120"/>
+              </a:rPr>
+              <a:t>合計</a:t>
+            </a:r>
+            <a:r>
+              <a:rPr lang="en-US" altLang="zh-TW" sz="1100" b="1" dirty="0" smtClean="0">
+                <a:latin typeface="Microsoft JhengHei" panose="020B0604030504040204" pitchFamily="34" charset="-120"/>
+                <a:ea typeface="Microsoft JhengHei" panose="020B0604030504040204" pitchFamily="34" charset="-120"/>
+              </a:rPr>
+              <a:t>${hour24}mm</a:t>
+            </a:r>
+            <a:endParaRPr lang="zh-TW" altLang="en-US" sz="1100" b="1" dirty="0">
+              <a:latin typeface="Microsoft JhengHei" panose="020B0604030504040204" pitchFamily="34" charset="-120"/>
+              <a:ea typeface="Microsoft JhengHei" panose="020B0604030504040204" pitchFamily="34" charset="-120"/>
+            </a:endParaRPr>
+          </a:p>
+        </p:txBody>
+      </p:sp>
+      <p:cxnSp>
+        <p:nvCxnSpPr>
+          <p:cNvPr id="18" name="直線單箭頭接點 17"/>
+          <p:cNvCxnSpPr/>
+          <p:nvPr/>
+        </p:nvCxnSpPr>
+        <p:spPr>
+          <a:xfrm>
+            <a:off x="4724400" y="169071"/>
+            <a:ext cx="2696401" cy="0"/>
+          </a:xfrm>
+          <a:prstGeom prst="straightConnector1">
+            <a:avLst/>
+          </a:prstGeom>
+          <a:ln w="19050">
+            <a:headEnd type="triangle"/>
+            <a:tailEnd type="triangle"/>
+          </a:ln>
+        </p:spPr>
+        <p:style>
+          <a:lnRef idx="1">
+            <a:schemeClr val="accent1"/>
+          </a:lnRef>
+          <a:fillRef idx="0">
+            <a:schemeClr val="accent1"/>
+          </a:fillRef>
+          <a:effectRef idx="0">
+            <a:schemeClr val="accent1"/>
+          </a:effectRef>
+          <a:fontRef idx="minor">
+            <a:schemeClr val="tx1"/>
+          </a:fontRef>
+        </p:style>
+      </p:cxnSp>
+      <p:sp>
+        <p:nvSpPr>
+          <p:cNvPr id="19" name="矩形 18">
+            <a:extLst>
+              <a:ext uri="{FF2B5EF4-FFF2-40B4-BE49-F238E27FC236}">
+                <a16:creationId xmlns:a16="http://schemas.microsoft.com/office/drawing/2014/main" id="{5806C887-6AF6-734F-BA81-007EA40BB3E9}"/>
+              </a:ext>
+            </a:extLst>
+          </p:cNvPr>
+          <p:cNvSpPr/>
+          <p:nvPr/>
+        </p:nvSpPr>
+        <p:spPr>
+          <a:xfrm>
+            <a:off x="5234654" y="-49353"/>
+            <a:ext cx="1858201" cy="261610"/>
+          </a:xfrm>
+          <a:prstGeom prst="rect">
+            <a:avLst/>
+          </a:prstGeom>
+        </p:spPr>
+        <p:txBody>
+          <a:bodyPr wrap="none">
+            <a:spAutoFit/>
+          </a:bodyPr>
+          <a:lstStyle/>
+          <a:p>
+            <a:r>
+              <a:rPr lang="en-US" altLang="zh-TW" sz="1100" b="1" dirty="0" smtClean="0">
+                <a:latin typeface="Microsoft JhengHei" panose="020B0604030504040204" pitchFamily="34" charset="-120"/>
+                <a:ea typeface="Microsoft JhengHei" panose="020B0604030504040204" pitchFamily="34" charset="-120"/>
+              </a:rPr>
+              <a:t>18</a:t>
+            </a:r>
+            <a:r>
+              <a:rPr lang="zh-TW" altLang="en-US" sz="1100" b="1" dirty="0" smtClean="0">
+                <a:latin typeface="Microsoft JhengHei" panose="020B0604030504040204" pitchFamily="34" charset="-120"/>
+                <a:ea typeface="Microsoft JhengHei" panose="020B0604030504040204" pitchFamily="34" charset="-120"/>
+              </a:rPr>
+              <a:t>小時觀測</a:t>
+            </a:r>
+            <a:r>
+              <a:rPr lang="en-US" altLang="zh-TW" sz="1100" b="1" dirty="0" smtClean="0">
+                <a:latin typeface="Microsoft JhengHei" panose="020B0604030504040204" pitchFamily="34" charset="-120"/>
+                <a:ea typeface="Microsoft JhengHei" panose="020B0604030504040204" pitchFamily="34" charset="-120"/>
+              </a:rPr>
+              <a:t>${hour18}mm</a:t>
+            </a:r>
+            <a:endParaRPr lang="zh-TW" altLang="en-US" sz="1100" b="1" dirty="0">
+              <a:latin typeface="Microsoft JhengHei" panose="020B0604030504040204" pitchFamily="34" charset="-120"/>
+              <a:ea typeface="Microsoft JhengHei" panose="020B0604030504040204" pitchFamily="34" charset="-120"/>
+            </a:endParaRPr>
+          </a:p>
+        </p:txBody>
+      </p:sp>
+      <p:cxnSp>
+        <p:nvCxnSpPr>
+          <p:cNvPr id="20" name="直線單箭頭接點 19"/>
+          <p:cNvCxnSpPr/>
+          <p:nvPr/>
+        </p:nvCxnSpPr>
+        <p:spPr>
+          <a:xfrm flipV="1">
+            <a:off x="7420801" y="167366"/>
+            <a:ext cx="1418399" cy="1705"/>
+          </a:xfrm>
+          <a:prstGeom prst="straightConnector1">
+            <a:avLst/>
+          </a:prstGeom>
+          <a:ln>
+            <a:headEnd type="triangle"/>
+            <a:tailEnd type="triangle"/>
+          </a:ln>
+        </p:spPr>
+        <p:style>
+          <a:lnRef idx="1">
+            <a:schemeClr val="accent3"/>
+          </a:lnRef>
+          <a:fillRef idx="0">
+            <a:schemeClr val="accent3"/>
+          </a:fillRef>
+          <a:effectRef idx="0">
+            <a:schemeClr val="accent3"/>
+          </a:effectRef>
+          <a:fontRef idx="minor">
+            <a:schemeClr val="tx1"/>
+          </a:fontRef>
+        </p:style>
+      </p:cxnSp>
+      <p:sp>
+        <p:nvSpPr>
+          <p:cNvPr id="21" name="矩形 20">
+            <a:extLst>
+              <a:ext uri="{FF2B5EF4-FFF2-40B4-BE49-F238E27FC236}">
+                <a16:creationId xmlns:a16="http://schemas.microsoft.com/office/drawing/2014/main" id="{5806C887-6AF6-734F-BA81-007EA40BB3E9}"/>
+              </a:ext>
+            </a:extLst>
+          </p:cNvPr>
+          <p:cNvSpPr/>
+          <p:nvPr/>
+        </p:nvSpPr>
+        <p:spPr>
+          <a:xfrm>
+            <a:off x="7413181" y="-52397"/>
+            <a:ext cx="1691489" cy="261610"/>
+          </a:xfrm>
+          <a:prstGeom prst="rect">
+            <a:avLst/>
+          </a:prstGeom>
+        </p:spPr>
+        <p:txBody>
+          <a:bodyPr wrap="none">
+            <a:spAutoFit/>
+          </a:bodyPr>
+          <a:lstStyle/>
+          <a:p>
+            <a:r>
+              <a:rPr lang="en-US" altLang="zh-TW" sz="1100" b="1" dirty="0" smtClean="0">
+                <a:latin typeface="Microsoft JhengHei" panose="020B0604030504040204" pitchFamily="34" charset="-120"/>
+                <a:ea typeface="Microsoft JhengHei" panose="020B0604030504040204" pitchFamily="34" charset="-120"/>
+              </a:rPr>
+              <a:t>6</a:t>
+            </a:r>
+            <a:r>
+              <a:rPr lang="zh-TW" altLang="en-US" sz="1100" b="1" dirty="0" smtClean="0">
+                <a:latin typeface="Microsoft JhengHei" panose="020B0604030504040204" pitchFamily="34" charset="-120"/>
+                <a:ea typeface="Microsoft JhengHei" panose="020B0604030504040204" pitchFamily="34" charset="-120"/>
+              </a:rPr>
+              <a:t>小時預報</a:t>
+            </a:r>
+            <a:r>
+              <a:rPr lang="en-US" altLang="zh-TW" sz="1100" b="1" dirty="0" smtClean="0">
+                <a:latin typeface="Microsoft JhengHei" panose="020B0604030504040204" pitchFamily="34" charset="-120"/>
+                <a:ea typeface="Microsoft JhengHei" panose="020B0604030504040204" pitchFamily="34" charset="-120"/>
+              </a:rPr>
+              <a:t>${hour6}mm</a:t>
+            </a:r>
+            <a:endParaRPr lang="zh-TW" altLang="en-US" sz="1100" b="1" dirty="0">
+              <a:latin typeface="Microsoft JhengHei" panose="020B0604030504040204" pitchFamily="34" charset="-120"/>
+              <a:ea typeface="Microsoft JhengHei" panose="020B0604030504040204" pitchFamily="34" charset="-120"/>
+            </a:endParaRPr>
+          </a:p>
+        </p:txBody>
+      </p:sp>
+      <p:sp>
+        <p:nvSpPr>
+          <p:cNvPr id="22" name="矩形 21">
             <a:extLst>
               <a:ext uri="{FF2B5EF4-FFF2-40B4-BE49-F238E27FC236}">
                 <a16:creationId xmlns:a16="http://schemas.microsoft.com/office/drawing/2014/main" id="{39D7FE7C-3CEB-0A4C-845D-1ABD945B6111}"/>
@@ -5927,7 +8611,7 @@
         </p:nvSpPr>
         <p:spPr>
           <a:xfrm>
-            <a:off x="3396971" y="3383731"/>
+            <a:off x="3392388" y="3946201"/>
             <a:ext cx="1415772" cy="276999"/>
           </a:xfrm>
           <a:prstGeom prst="rect">
@@ -5963,7 +8647,7 @@
       </p:sp>
       <p:sp>
         <p:nvSpPr>
-          <p:cNvPr id="13" name="矩形 12">
+          <p:cNvPr id="23" name="矩形 22">
             <a:extLst>
               <a:ext uri="{FF2B5EF4-FFF2-40B4-BE49-F238E27FC236}">
                 <a16:creationId xmlns:a16="http://schemas.microsoft.com/office/drawing/2014/main" id="{5806C887-6AF6-734F-BA81-007EA40BB3E9}"/>
@@ -5975,7 +8659,7 @@
         </p:nvSpPr>
         <p:spPr>
           <a:xfrm>
-            <a:off x="3429000" y="691320"/>
+            <a:off x="3424417" y="1253790"/>
             <a:ext cx="1107996" cy="276999"/>
           </a:xfrm>
           <a:prstGeom prst="rect">
@@ -6319,9 +9003,444 @@
           </a:p>
         </p:txBody>
       </p:sp>
-      <p:sp>
-        <p:nvSpPr>
-          <p:cNvPr id="12" name="矩形 11">
+      <p:cxnSp>
+        <p:nvCxnSpPr>
+          <p:cNvPr id="9" name="直線接點 8"/>
+          <p:cNvCxnSpPr/>
+          <p:nvPr/>
+        </p:nvCxnSpPr>
+        <p:spPr>
+          <a:xfrm>
+            <a:off x="4724400" y="103635"/>
+            <a:ext cx="0" cy="133200"/>
+          </a:xfrm>
+          <a:prstGeom prst="line">
+            <a:avLst/>
+          </a:prstGeom>
+          <a:ln w="12700">
+            <a:solidFill>
+              <a:schemeClr val="tx1"/>
+            </a:solidFill>
+          </a:ln>
+        </p:spPr>
+        <p:style>
+          <a:lnRef idx="1">
+            <a:schemeClr val="accent1"/>
+          </a:lnRef>
+          <a:fillRef idx="0">
+            <a:schemeClr val="accent1"/>
+          </a:fillRef>
+          <a:effectRef idx="0">
+            <a:schemeClr val="accent1"/>
+          </a:effectRef>
+          <a:fontRef idx="minor">
+            <a:schemeClr val="tx1"/>
+          </a:fontRef>
+        </p:style>
+      </p:cxnSp>
+      <p:cxnSp>
+        <p:nvCxnSpPr>
+          <p:cNvPr id="10" name="直線接點 9"/>
+          <p:cNvCxnSpPr/>
+          <p:nvPr/>
+        </p:nvCxnSpPr>
+        <p:spPr>
+          <a:xfrm>
+            <a:off x="4724400" y="1164858"/>
+            <a:ext cx="0" cy="119921"/>
+          </a:xfrm>
+          <a:prstGeom prst="line">
+            <a:avLst/>
+          </a:prstGeom>
+          <a:ln w="12700">
+            <a:solidFill>
+              <a:schemeClr val="tx1"/>
+            </a:solidFill>
+          </a:ln>
+        </p:spPr>
+        <p:style>
+          <a:lnRef idx="1">
+            <a:schemeClr val="accent1"/>
+          </a:lnRef>
+          <a:fillRef idx="0">
+            <a:schemeClr val="accent1"/>
+          </a:fillRef>
+          <a:effectRef idx="0">
+            <a:schemeClr val="accent1"/>
+          </a:effectRef>
+          <a:fontRef idx="minor">
+            <a:schemeClr val="tx1"/>
+          </a:fontRef>
+        </p:style>
+      </p:cxnSp>
+      <p:cxnSp>
+        <p:nvCxnSpPr>
+          <p:cNvPr id="11" name="直線接點 10"/>
+          <p:cNvCxnSpPr/>
+          <p:nvPr/>
+        </p:nvCxnSpPr>
+        <p:spPr>
+          <a:xfrm>
+            <a:off x="8839200" y="1145193"/>
+            <a:ext cx="0" cy="119921"/>
+          </a:xfrm>
+          <a:prstGeom prst="line">
+            <a:avLst/>
+          </a:prstGeom>
+          <a:ln w="12700">
+            <a:solidFill>
+              <a:schemeClr val="tx1"/>
+            </a:solidFill>
+          </a:ln>
+        </p:spPr>
+        <p:style>
+          <a:lnRef idx="1">
+            <a:schemeClr val="accent1"/>
+          </a:lnRef>
+          <a:fillRef idx="0">
+            <a:schemeClr val="accent1"/>
+          </a:fillRef>
+          <a:effectRef idx="0">
+            <a:schemeClr val="accent1"/>
+          </a:effectRef>
+          <a:fontRef idx="minor">
+            <a:schemeClr val="tx1"/>
+          </a:fontRef>
+        </p:style>
+      </p:cxnSp>
+      <p:cxnSp>
+        <p:nvCxnSpPr>
+          <p:cNvPr id="14" name="直線接點 13"/>
+          <p:cNvCxnSpPr/>
+          <p:nvPr/>
+        </p:nvCxnSpPr>
+        <p:spPr>
+          <a:xfrm>
+            <a:off x="8839200" y="119979"/>
+            <a:ext cx="0" cy="133200"/>
+          </a:xfrm>
+          <a:prstGeom prst="line">
+            <a:avLst/>
+          </a:prstGeom>
+          <a:ln w="12700">
+            <a:solidFill>
+              <a:schemeClr val="tx1"/>
+            </a:solidFill>
+          </a:ln>
+        </p:spPr>
+        <p:style>
+          <a:lnRef idx="1">
+            <a:schemeClr val="accent1"/>
+          </a:lnRef>
+          <a:fillRef idx="0">
+            <a:schemeClr val="accent1"/>
+          </a:fillRef>
+          <a:effectRef idx="0">
+            <a:schemeClr val="accent1"/>
+          </a:effectRef>
+          <a:fontRef idx="minor">
+            <a:schemeClr val="tx1"/>
+          </a:fontRef>
+        </p:style>
+      </p:cxnSp>
+      <p:cxnSp>
+        <p:nvCxnSpPr>
+          <p:cNvPr id="15" name="直線接點 14"/>
+          <p:cNvCxnSpPr/>
+          <p:nvPr/>
+        </p:nvCxnSpPr>
+        <p:spPr>
+          <a:xfrm>
+            <a:off x="7420801" y="102471"/>
+            <a:ext cx="0" cy="133200"/>
+          </a:xfrm>
+          <a:prstGeom prst="line">
+            <a:avLst/>
+          </a:prstGeom>
+          <a:ln w="12700">
+            <a:solidFill>
+              <a:schemeClr val="tx1"/>
+            </a:solidFill>
+          </a:ln>
+        </p:spPr>
+        <p:style>
+          <a:lnRef idx="1">
+            <a:schemeClr val="accent1"/>
+          </a:lnRef>
+          <a:fillRef idx="0">
+            <a:schemeClr val="accent1"/>
+          </a:fillRef>
+          <a:effectRef idx="0">
+            <a:schemeClr val="accent1"/>
+          </a:effectRef>
+          <a:fontRef idx="minor">
+            <a:schemeClr val="tx1"/>
+          </a:fontRef>
+        </p:style>
+      </p:cxnSp>
+      <p:cxnSp>
+        <p:nvCxnSpPr>
+          <p:cNvPr id="16" name="直線單箭頭接點 15"/>
+          <p:cNvCxnSpPr/>
+          <p:nvPr/>
+        </p:nvCxnSpPr>
+        <p:spPr>
+          <a:xfrm flipV="1">
+            <a:off x="4724400" y="1206318"/>
+            <a:ext cx="4114800" cy="13321"/>
+          </a:xfrm>
+          <a:prstGeom prst="straightConnector1">
+            <a:avLst/>
+          </a:prstGeom>
+          <a:ln w="19050">
+            <a:headEnd type="triangle"/>
+            <a:tailEnd type="triangle"/>
+          </a:ln>
+        </p:spPr>
+        <p:style>
+          <a:lnRef idx="1">
+            <a:schemeClr val="accent1"/>
+          </a:lnRef>
+          <a:fillRef idx="0">
+            <a:schemeClr val="accent1"/>
+          </a:fillRef>
+          <a:effectRef idx="0">
+            <a:schemeClr val="accent1"/>
+          </a:effectRef>
+          <a:fontRef idx="minor">
+            <a:schemeClr val="tx1"/>
+          </a:fontRef>
+        </p:style>
+      </p:cxnSp>
+      <p:sp>
+        <p:nvSpPr>
+          <p:cNvPr id="17" name="矩形 16">
+            <a:extLst>
+              <a:ext uri="{FF2B5EF4-FFF2-40B4-BE49-F238E27FC236}">
+                <a16:creationId xmlns:a16="http://schemas.microsoft.com/office/drawing/2014/main" id="{5806C887-6AF6-734F-BA81-007EA40BB3E9}"/>
+              </a:ext>
+            </a:extLst>
+          </p:cNvPr>
+          <p:cNvSpPr/>
+          <p:nvPr/>
+        </p:nvSpPr>
+        <p:spPr>
+          <a:xfrm>
+            <a:off x="6264815" y="1194532"/>
+            <a:ext cx="1409360" cy="261610"/>
+          </a:xfrm>
+          <a:prstGeom prst="rect">
+            <a:avLst/>
+          </a:prstGeom>
+        </p:spPr>
+        <p:txBody>
+          <a:bodyPr wrap="none">
+            <a:spAutoFit/>
+          </a:bodyPr>
+          <a:lstStyle/>
+          <a:p>
+            <a:r>
+              <a:rPr lang="zh-TW" altLang="en-US" sz="1100" b="1" dirty="0" smtClean="0">
+                <a:latin typeface="Microsoft JhengHei" panose="020B0604030504040204" pitchFamily="34" charset="-120"/>
+                <a:ea typeface="Microsoft JhengHei" panose="020B0604030504040204" pitchFamily="34" charset="-120"/>
+              </a:rPr>
+              <a:t>合計</a:t>
+            </a:r>
+            <a:r>
+              <a:rPr lang="en-US" altLang="zh-TW" sz="1100" b="1" dirty="0" smtClean="0">
+                <a:latin typeface="Microsoft JhengHei" panose="020B0604030504040204" pitchFamily="34" charset="-120"/>
+                <a:ea typeface="Microsoft JhengHei" panose="020B0604030504040204" pitchFamily="34" charset="-120"/>
+              </a:rPr>
+              <a:t>${hour24}mm</a:t>
+            </a:r>
+            <a:endParaRPr lang="zh-TW" altLang="en-US" sz="1100" b="1" dirty="0">
+              <a:latin typeface="Microsoft JhengHei" panose="020B0604030504040204" pitchFamily="34" charset="-120"/>
+              <a:ea typeface="Microsoft JhengHei" panose="020B0604030504040204" pitchFamily="34" charset="-120"/>
+            </a:endParaRPr>
+          </a:p>
+        </p:txBody>
+      </p:sp>
+      <p:cxnSp>
+        <p:nvCxnSpPr>
+          <p:cNvPr id="18" name="直線單箭頭接點 17"/>
+          <p:cNvCxnSpPr/>
+          <p:nvPr/>
+        </p:nvCxnSpPr>
+        <p:spPr>
+          <a:xfrm>
+            <a:off x="4724400" y="169071"/>
+            <a:ext cx="2696401" cy="0"/>
+          </a:xfrm>
+          <a:prstGeom prst="straightConnector1">
+            <a:avLst/>
+          </a:prstGeom>
+          <a:ln w="19050">
+            <a:headEnd type="triangle"/>
+            <a:tailEnd type="triangle"/>
+          </a:ln>
+        </p:spPr>
+        <p:style>
+          <a:lnRef idx="1">
+            <a:schemeClr val="accent1"/>
+          </a:lnRef>
+          <a:fillRef idx="0">
+            <a:schemeClr val="accent1"/>
+          </a:fillRef>
+          <a:effectRef idx="0">
+            <a:schemeClr val="accent1"/>
+          </a:effectRef>
+          <a:fontRef idx="minor">
+            <a:schemeClr val="tx1"/>
+          </a:fontRef>
+        </p:style>
+      </p:cxnSp>
+      <p:sp>
+        <p:nvSpPr>
+          <p:cNvPr id="19" name="矩形 18">
+            <a:extLst>
+              <a:ext uri="{FF2B5EF4-FFF2-40B4-BE49-F238E27FC236}">
+                <a16:creationId xmlns:a16="http://schemas.microsoft.com/office/drawing/2014/main" id="{5806C887-6AF6-734F-BA81-007EA40BB3E9}"/>
+              </a:ext>
+            </a:extLst>
+          </p:cNvPr>
+          <p:cNvSpPr/>
+          <p:nvPr/>
+        </p:nvSpPr>
+        <p:spPr>
+          <a:xfrm>
+            <a:off x="5234654" y="-49353"/>
+            <a:ext cx="1858201" cy="261610"/>
+          </a:xfrm>
+          <a:prstGeom prst="rect">
+            <a:avLst/>
+          </a:prstGeom>
+        </p:spPr>
+        <p:txBody>
+          <a:bodyPr wrap="none">
+            <a:spAutoFit/>
+          </a:bodyPr>
+          <a:lstStyle/>
+          <a:p>
+            <a:r>
+              <a:rPr lang="en-US" altLang="zh-TW" sz="1100" b="1" dirty="0" smtClean="0">
+                <a:latin typeface="Microsoft JhengHei" panose="020B0604030504040204" pitchFamily="34" charset="-120"/>
+                <a:ea typeface="Microsoft JhengHei" panose="020B0604030504040204" pitchFamily="34" charset="-120"/>
+              </a:rPr>
+              <a:t>18</a:t>
+            </a:r>
+            <a:r>
+              <a:rPr lang="zh-TW" altLang="en-US" sz="1100" b="1" dirty="0" smtClean="0">
+                <a:latin typeface="Microsoft JhengHei" panose="020B0604030504040204" pitchFamily="34" charset="-120"/>
+                <a:ea typeface="Microsoft JhengHei" panose="020B0604030504040204" pitchFamily="34" charset="-120"/>
+              </a:rPr>
+              <a:t>小時觀測</a:t>
+            </a:r>
+            <a:r>
+              <a:rPr lang="en-US" altLang="zh-TW" sz="1100" b="1" dirty="0" smtClean="0">
+                <a:latin typeface="Microsoft JhengHei" panose="020B0604030504040204" pitchFamily="34" charset="-120"/>
+                <a:ea typeface="Microsoft JhengHei" panose="020B0604030504040204" pitchFamily="34" charset="-120"/>
+              </a:rPr>
+              <a:t>${hour18}mm</a:t>
+            </a:r>
+            <a:endParaRPr lang="zh-TW" altLang="en-US" sz="1100" b="1" dirty="0">
+              <a:latin typeface="Microsoft JhengHei" panose="020B0604030504040204" pitchFamily="34" charset="-120"/>
+              <a:ea typeface="Microsoft JhengHei" panose="020B0604030504040204" pitchFamily="34" charset="-120"/>
+            </a:endParaRPr>
+          </a:p>
+        </p:txBody>
+      </p:sp>
+      <p:cxnSp>
+        <p:nvCxnSpPr>
+          <p:cNvPr id="20" name="直線單箭頭接點 19"/>
+          <p:cNvCxnSpPr/>
+          <p:nvPr/>
+        </p:nvCxnSpPr>
+        <p:spPr>
+          <a:xfrm flipV="1">
+            <a:off x="7420801" y="167366"/>
+            <a:ext cx="1418399" cy="1705"/>
+          </a:xfrm>
+          <a:prstGeom prst="straightConnector1">
+            <a:avLst/>
+          </a:prstGeom>
+          <a:ln>
+            <a:headEnd type="triangle"/>
+            <a:tailEnd type="triangle"/>
+          </a:ln>
+        </p:spPr>
+        <p:style>
+          <a:lnRef idx="1">
+            <a:schemeClr val="accent3"/>
+          </a:lnRef>
+          <a:fillRef idx="0">
+            <a:schemeClr val="accent3"/>
+          </a:fillRef>
+          <a:effectRef idx="0">
+            <a:schemeClr val="accent3"/>
+          </a:effectRef>
+          <a:fontRef idx="minor">
+            <a:schemeClr val="tx1"/>
+          </a:fontRef>
+        </p:style>
+      </p:cxnSp>
+      <p:sp>
+        <p:nvSpPr>
+          <p:cNvPr id="21" name="矩形 20">
+            <a:extLst>
+              <a:ext uri="{FF2B5EF4-FFF2-40B4-BE49-F238E27FC236}">
+                <a16:creationId xmlns:a16="http://schemas.microsoft.com/office/drawing/2014/main" id="{5806C887-6AF6-734F-BA81-007EA40BB3E9}"/>
+              </a:ext>
+            </a:extLst>
+          </p:cNvPr>
+          <p:cNvSpPr/>
+          <p:nvPr/>
+        </p:nvSpPr>
+        <p:spPr>
+          <a:xfrm>
+            <a:off x="7413181" y="-52397"/>
+            <a:ext cx="1691489" cy="261610"/>
+          </a:xfrm>
+          <a:prstGeom prst="rect">
+            <a:avLst/>
+          </a:prstGeom>
+        </p:spPr>
+        <p:txBody>
+          <a:bodyPr wrap="none">
+            <a:spAutoFit/>
+          </a:bodyPr>
+          <a:lstStyle/>
+          <a:p>
+            <a:r>
+              <a:rPr lang="en-US" altLang="zh-TW" sz="1100" b="1" dirty="0" smtClean="0">
+                <a:latin typeface="Microsoft JhengHei" panose="020B0604030504040204" pitchFamily="34" charset="-120"/>
+                <a:ea typeface="Microsoft JhengHei" panose="020B0604030504040204" pitchFamily="34" charset="-120"/>
+              </a:rPr>
+              <a:t>6</a:t>
+            </a:r>
+            <a:r>
+              <a:rPr lang="zh-TW" altLang="en-US" sz="1100" b="1" dirty="0" smtClean="0">
+                <a:latin typeface="Microsoft JhengHei" panose="020B0604030504040204" pitchFamily="34" charset="-120"/>
+                <a:ea typeface="Microsoft JhengHei" panose="020B0604030504040204" pitchFamily="34" charset="-120"/>
+              </a:rPr>
+              <a:t>小時預報</a:t>
+            </a:r>
+            <a:r>
+              <a:rPr lang="en-US" altLang="zh-TW" sz="1100" b="1" dirty="0" smtClean="0">
+                <a:latin typeface="Microsoft JhengHei" panose="020B0604030504040204" pitchFamily="34" charset="-120"/>
+                <a:ea typeface="Microsoft JhengHei" panose="020B0604030504040204" pitchFamily="34" charset="-120"/>
+              </a:rPr>
+              <a:t>${hour6}mm</a:t>
+            </a:r>
+            <a:endParaRPr lang="zh-TW" altLang="en-US" sz="1100" b="1" dirty="0">
+              <a:latin typeface="Microsoft JhengHei" panose="020B0604030504040204" pitchFamily="34" charset="-120"/>
+              <a:ea typeface="Microsoft JhengHei" panose="020B0604030504040204" pitchFamily="34" charset="-120"/>
+            </a:endParaRPr>
+          </a:p>
+        </p:txBody>
+      </p:sp>
+      <p:sp>
+        <p:nvSpPr>
+          <p:cNvPr id="22" name="矩形 21">
             <a:extLst>
               <a:ext uri="{FF2B5EF4-FFF2-40B4-BE49-F238E27FC236}">
                 <a16:creationId xmlns:a16="http://schemas.microsoft.com/office/drawing/2014/main" id="{39D7FE7C-3CEB-0A4C-845D-1ABD945B6111}"/>
@@ -6333,7 +9452,7 @@
         </p:nvSpPr>
         <p:spPr>
           <a:xfrm>
-            <a:off x="3396971" y="3383731"/>
+            <a:off x="3392388" y="3946201"/>
             <a:ext cx="1415772" cy="276999"/>
           </a:xfrm>
           <a:prstGeom prst="rect">
@@ -6369,7 +9488,7 @@
       </p:sp>
       <p:sp>
         <p:nvSpPr>
-          <p:cNvPr id="13" name="矩形 12">
+          <p:cNvPr id="23" name="矩形 22">
             <a:extLst>
               <a:ext uri="{FF2B5EF4-FFF2-40B4-BE49-F238E27FC236}">
                 <a16:creationId xmlns:a16="http://schemas.microsoft.com/office/drawing/2014/main" id="{5806C887-6AF6-734F-BA81-007EA40BB3E9}"/>
@@ -6381,7 +9500,7 @@
         </p:nvSpPr>
         <p:spPr>
           <a:xfrm>
-            <a:off x="3429000" y="691320"/>
+            <a:off x="3424417" y="1253790"/>
             <a:ext cx="1107996" cy="276999"/>
           </a:xfrm>
           <a:prstGeom prst="rect">
@@ -6725,9 +9844,444 @@
           </a:p>
         </p:txBody>
       </p:sp>
-      <p:sp>
-        <p:nvSpPr>
-          <p:cNvPr id="12" name="矩形 11">
+      <p:cxnSp>
+        <p:nvCxnSpPr>
+          <p:cNvPr id="9" name="直線接點 8"/>
+          <p:cNvCxnSpPr/>
+          <p:nvPr/>
+        </p:nvCxnSpPr>
+        <p:spPr>
+          <a:xfrm>
+            <a:off x="4724400" y="103635"/>
+            <a:ext cx="0" cy="133200"/>
+          </a:xfrm>
+          <a:prstGeom prst="line">
+            <a:avLst/>
+          </a:prstGeom>
+          <a:ln w="12700">
+            <a:solidFill>
+              <a:schemeClr val="tx1"/>
+            </a:solidFill>
+          </a:ln>
+        </p:spPr>
+        <p:style>
+          <a:lnRef idx="1">
+            <a:schemeClr val="accent1"/>
+          </a:lnRef>
+          <a:fillRef idx="0">
+            <a:schemeClr val="accent1"/>
+          </a:fillRef>
+          <a:effectRef idx="0">
+            <a:schemeClr val="accent1"/>
+          </a:effectRef>
+          <a:fontRef idx="minor">
+            <a:schemeClr val="tx1"/>
+          </a:fontRef>
+        </p:style>
+      </p:cxnSp>
+      <p:cxnSp>
+        <p:nvCxnSpPr>
+          <p:cNvPr id="10" name="直線接點 9"/>
+          <p:cNvCxnSpPr/>
+          <p:nvPr/>
+        </p:nvCxnSpPr>
+        <p:spPr>
+          <a:xfrm>
+            <a:off x="4724400" y="1164858"/>
+            <a:ext cx="0" cy="119921"/>
+          </a:xfrm>
+          <a:prstGeom prst="line">
+            <a:avLst/>
+          </a:prstGeom>
+          <a:ln w="12700">
+            <a:solidFill>
+              <a:schemeClr val="tx1"/>
+            </a:solidFill>
+          </a:ln>
+        </p:spPr>
+        <p:style>
+          <a:lnRef idx="1">
+            <a:schemeClr val="accent1"/>
+          </a:lnRef>
+          <a:fillRef idx="0">
+            <a:schemeClr val="accent1"/>
+          </a:fillRef>
+          <a:effectRef idx="0">
+            <a:schemeClr val="accent1"/>
+          </a:effectRef>
+          <a:fontRef idx="minor">
+            <a:schemeClr val="tx1"/>
+          </a:fontRef>
+        </p:style>
+      </p:cxnSp>
+      <p:cxnSp>
+        <p:nvCxnSpPr>
+          <p:cNvPr id="11" name="直線接點 10"/>
+          <p:cNvCxnSpPr/>
+          <p:nvPr/>
+        </p:nvCxnSpPr>
+        <p:spPr>
+          <a:xfrm>
+            <a:off x="8839200" y="1145193"/>
+            <a:ext cx="0" cy="119921"/>
+          </a:xfrm>
+          <a:prstGeom prst="line">
+            <a:avLst/>
+          </a:prstGeom>
+          <a:ln w="12700">
+            <a:solidFill>
+              <a:schemeClr val="tx1"/>
+            </a:solidFill>
+          </a:ln>
+        </p:spPr>
+        <p:style>
+          <a:lnRef idx="1">
+            <a:schemeClr val="accent1"/>
+          </a:lnRef>
+          <a:fillRef idx="0">
+            <a:schemeClr val="accent1"/>
+          </a:fillRef>
+          <a:effectRef idx="0">
+            <a:schemeClr val="accent1"/>
+          </a:effectRef>
+          <a:fontRef idx="minor">
+            <a:schemeClr val="tx1"/>
+          </a:fontRef>
+        </p:style>
+      </p:cxnSp>
+      <p:cxnSp>
+        <p:nvCxnSpPr>
+          <p:cNvPr id="14" name="直線接點 13"/>
+          <p:cNvCxnSpPr/>
+          <p:nvPr/>
+        </p:nvCxnSpPr>
+        <p:spPr>
+          <a:xfrm>
+            <a:off x="8839200" y="119979"/>
+            <a:ext cx="0" cy="133200"/>
+          </a:xfrm>
+          <a:prstGeom prst="line">
+            <a:avLst/>
+          </a:prstGeom>
+          <a:ln w="12700">
+            <a:solidFill>
+              <a:schemeClr val="tx1"/>
+            </a:solidFill>
+          </a:ln>
+        </p:spPr>
+        <p:style>
+          <a:lnRef idx="1">
+            <a:schemeClr val="accent1"/>
+          </a:lnRef>
+          <a:fillRef idx="0">
+            <a:schemeClr val="accent1"/>
+          </a:fillRef>
+          <a:effectRef idx="0">
+            <a:schemeClr val="accent1"/>
+          </a:effectRef>
+          <a:fontRef idx="minor">
+            <a:schemeClr val="tx1"/>
+          </a:fontRef>
+        </p:style>
+      </p:cxnSp>
+      <p:cxnSp>
+        <p:nvCxnSpPr>
+          <p:cNvPr id="15" name="直線接點 14"/>
+          <p:cNvCxnSpPr/>
+          <p:nvPr/>
+        </p:nvCxnSpPr>
+        <p:spPr>
+          <a:xfrm>
+            <a:off x="7420801" y="102471"/>
+            <a:ext cx="0" cy="133200"/>
+          </a:xfrm>
+          <a:prstGeom prst="line">
+            <a:avLst/>
+          </a:prstGeom>
+          <a:ln w="12700">
+            <a:solidFill>
+              <a:schemeClr val="tx1"/>
+            </a:solidFill>
+          </a:ln>
+        </p:spPr>
+        <p:style>
+          <a:lnRef idx="1">
+            <a:schemeClr val="accent1"/>
+          </a:lnRef>
+          <a:fillRef idx="0">
+            <a:schemeClr val="accent1"/>
+          </a:fillRef>
+          <a:effectRef idx="0">
+            <a:schemeClr val="accent1"/>
+          </a:effectRef>
+          <a:fontRef idx="minor">
+            <a:schemeClr val="tx1"/>
+          </a:fontRef>
+        </p:style>
+      </p:cxnSp>
+      <p:cxnSp>
+        <p:nvCxnSpPr>
+          <p:cNvPr id="16" name="直線單箭頭接點 15"/>
+          <p:cNvCxnSpPr/>
+          <p:nvPr/>
+        </p:nvCxnSpPr>
+        <p:spPr>
+          <a:xfrm flipV="1">
+            <a:off x="4724400" y="1206318"/>
+            <a:ext cx="4114800" cy="13321"/>
+          </a:xfrm>
+          <a:prstGeom prst="straightConnector1">
+            <a:avLst/>
+          </a:prstGeom>
+          <a:ln w="19050">
+            <a:headEnd type="triangle"/>
+            <a:tailEnd type="triangle"/>
+          </a:ln>
+        </p:spPr>
+        <p:style>
+          <a:lnRef idx="1">
+            <a:schemeClr val="accent1"/>
+          </a:lnRef>
+          <a:fillRef idx="0">
+            <a:schemeClr val="accent1"/>
+          </a:fillRef>
+          <a:effectRef idx="0">
+            <a:schemeClr val="accent1"/>
+          </a:effectRef>
+          <a:fontRef idx="minor">
+            <a:schemeClr val="tx1"/>
+          </a:fontRef>
+        </p:style>
+      </p:cxnSp>
+      <p:sp>
+        <p:nvSpPr>
+          <p:cNvPr id="17" name="矩形 16">
+            <a:extLst>
+              <a:ext uri="{FF2B5EF4-FFF2-40B4-BE49-F238E27FC236}">
+                <a16:creationId xmlns:a16="http://schemas.microsoft.com/office/drawing/2014/main" id="{5806C887-6AF6-734F-BA81-007EA40BB3E9}"/>
+              </a:ext>
+            </a:extLst>
+          </p:cNvPr>
+          <p:cNvSpPr/>
+          <p:nvPr/>
+        </p:nvSpPr>
+        <p:spPr>
+          <a:xfrm>
+            <a:off x="6264815" y="1194532"/>
+            <a:ext cx="1409360" cy="261610"/>
+          </a:xfrm>
+          <a:prstGeom prst="rect">
+            <a:avLst/>
+          </a:prstGeom>
+        </p:spPr>
+        <p:txBody>
+          <a:bodyPr wrap="none">
+            <a:spAutoFit/>
+          </a:bodyPr>
+          <a:lstStyle/>
+          <a:p>
+            <a:r>
+              <a:rPr lang="zh-TW" altLang="en-US" sz="1100" b="1" dirty="0" smtClean="0">
+                <a:latin typeface="Microsoft JhengHei" panose="020B0604030504040204" pitchFamily="34" charset="-120"/>
+                <a:ea typeface="Microsoft JhengHei" panose="020B0604030504040204" pitchFamily="34" charset="-120"/>
+              </a:rPr>
+              <a:t>合計</a:t>
+            </a:r>
+            <a:r>
+              <a:rPr lang="en-US" altLang="zh-TW" sz="1100" b="1" dirty="0" smtClean="0">
+                <a:latin typeface="Microsoft JhengHei" panose="020B0604030504040204" pitchFamily="34" charset="-120"/>
+                <a:ea typeface="Microsoft JhengHei" panose="020B0604030504040204" pitchFamily="34" charset="-120"/>
+              </a:rPr>
+              <a:t>${hour24}mm</a:t>
+            </a:r>
+            <a:endParaRPr lang="zh-TW" altLang="en-US" sz="1100" b="1" dirty="0">
+              <a:latin typeface="Microsoft JhengHei" panose="020B0604030504040204" pitchFamily="34" charset="-120"/>
+              <a:ea typeface="Microsoft JhengHei" panose="020B0604030504040204" pitchFamily="34" charset="-120"/>
+            </a:endParaRPr>
+          </a:p>
+        </p:txBody>
+      </p:sp>
+      <p:cxnSp>
+        <p:nvCxnSpPr>
+          <p:cNvPr id="18" name="直線單箭頭接點 17"/>
+          <p:cNvCxnSpPr/>
+          <p:nvPr/>
+        </p:nvCxnSpPr>
+        <p:spPr>
+          <a:xfrm>
+            <a:off x="4724400" y="169071"/>
+            <a:ext cx="2696401" cy="0"/>
+          </a:xfrm>
+          <a:prstGeom prst="straightConnector1">
+            <a:avLst/>
+          </a:prstGeom>
+          <a:ln w="19050">
+            <a:headEnd type="triangle"/>
+            <a:tailEnd type="triangle"/>
+          </a:ln>
+        </p:spPr>
+        <p:style>
+          <a:lnRef idx="1">
+            <a:schemeClr val="accent1"/>
+          </a:lnRef>
+          <a:fillRef idx="0">
+            <a:schemeClr val="accent1"/>
+          </a:fillRef>
+          <a:effectRef idx="0">
+            <a:schemeClr val="accent1"/>
+          </a:effectRef>
+          <a:fontRef idx="minor">
+            <a:schemeClr val="tx1"/>
+          </a:fontRef>
+        </p:style>
+      </p:cxnSp>
+      <p:sp>
+        <p:nvSpPr>
+          <p:cNvPr id="19" name="矩形 18">
+            <a:extLst>
+              <a:ext uri="{FF2B5EF4-FFF2-40B4-BE49-F238E27FC236}">
+                <a16:creationId xmlns:a16="http://schemas.microsoft.com/office/drawing/2014/main" id="{5806C887-6AF6-734F-BA81-007EA40BB3E9}"/>
+              </a:ext>
+            </a:extLst>
+          </p:cNvPr>
+          <p:cNvSpPr/>
+          <p:nvPr/>
+        </p:nvSpPr>
+        <p:spPr>
+          <a:xfrm>
+            <a:off x="5234654" y="-49353"/>
+            <a:ext cx="1858201" cy="261610"/>
+          </a:xfrm>
+          <a:prstGeom prst="rect">
+            <a:avLst/>
+          </a:prstGeom>
+        </p:spPr>
+        <p:txBody>
+          <a:bodyPr wrap="none">
+            <a:spAutoFit/>
+          </a:bodyPr>
+          <a:lstStyle/>
+          <a:p>
+            <a:r>
+              <a:rPr lang="en-US" altLang="zh-TW" sz="1100" b="1" dirty="0" smtClean="0">
+                <a:latin typeface="Microsoft JhengHei" panose="020B0604030504040204" pitchFamily="34" charset="-120"/>
+                <a:ea typeface="Microsoft JhengHei" panose="020B0604030504040204" pitchFamily="34" charset="-120"/>
+              </a:rPr>
+              <a:t>18</a:t>
+            </a:r>
+            <a:r>
+              <a:rPr lang="zh-TW" altLang="en-US" sz="1100" b="1" dirty="0" smtClean="0">
+                <a:latin typeface="Microsoft JhengHei" panose="020B0604030504040204" pitchFamily="34" charset="-120"/>
+                <a:ea typeface="Microsoft JhengHei" panose="020B0604030504040204" pitchFamily="34" charset="-120"/>
+              </a:rPr>
+              <a:t>小時觀測</a:t>
+            </a:r>
+            <a:r>
+              <a:rPr lang="en-US" altLang="zh-TW" sz="1100" b="1" dirty="0" smtClean="0">
+                <a:latin typeface="Microsoft JhengHei" panose="020B0604030504040204" pitchFamily="34" charset="-120"/>
+                <a:ea typeface="Microsoft JhengHei" panose="020B0604030504040204" pitchFamily="34" charset="-120"/>
+              </a:rPr>
+              <a:t>${hour18}mm</a:t>
+            </a:r>
+            <a:endParaRPr lang="zh-TW" altLang="en-US" sz="1100" b="1" dirty="0">
+              <a:latin typeface="Microsoft JhengHei" panose="020B0604030504040204" pitchFamily="34" charset="-120"/>
+              <a:ea typeface="Microsoft JhengHei" panose="020B0604030504040204" pitchFamily="34" charset="-120"/>
+            </a:endParaRPr>
+          </a:p>
+        </p:txBody>
+      </p:sp>
+      <p:cxnSp>
+        <p:nvCxnSpPr>
+          <p:cNvPr id="20" name="直線單箭頭接點 19"/>
+          <p:cNvCxnSpPr/>
+          <p:nvPr/>
+        </p:nvCxnSpPr>
+        <p:spPr>
+          <a:xfrm flipV="1">
+            <a:off x="7420801" y="167366"/>
+            <a:ext cx="1418399" cy="1705"/>
+          </a:xfrm>
+          <a:prstGeom prst="straightConnector1">
+            <a:avLst/>
+          </a:prstGeom>
+          <a:ln>
+            <a:headEnd type="triangle"/>
+            <a:tailEnd type="triangle"/>
+          </a:ln>
+        </p:spPr>
+        <p:style>
+          <a:lnRef idx="1">
+            <a:schemeClr val="accent3"/>
+          </a:lnRef>
+          <a:fillRef idx="0">
+            <a:schemeClr val="accent3"/>
+          </a:fillRef>
+          <a:effectRef idx="0">
+            <a:schemeClr val="accent3"/>
+          </a:effectRef>
+          <a:fontRef idx="minor">
+            <a:schemeClr val="tx1"/>
+          </a:fontRef>
+        </p:style>
+      </p:cxnSp>
+      <p:sp>
+        <p:nvSpPr>
+          <p:cNvPr id="21" name="矩形 20">
+            <a:extLst>
+              <a:ext uri="{FF2B5EF4-FFF2-40B4-BE49-F238E27FC236}">
+                <a16:creationId xmlns:a16="http://schemas.microsoft.com/office/drawing/2014/main" id="{5806C887-6AF6-734F-BA81-007EA40BB3E9}"/>
+              </a:ext>
+            </a:extLst>
+          </p:cNvPr>
+          <p:cNvSpPr/>
+          <p:nvPr/>
+        </p:nvSpPr>
+        <p:spPr>
+          <a:xfrm>
+            <a:off x="7413181" y="-52397"/>
+            <a:ext cx="1691489" cy="261610"/>
+          </a:xfrm>
+          <a:prstGeom prst="rect">
+            <a:avLst/>
+          </a:prstGeom>
+        </p:spPr>
+        <p:txBody>
+          <a:bodyPr wrap="none">
+            <a:spAutoFit/>
+          </a:bodyPr>
+          <a:lstStyle/>
+          <a:p>
+            <a:r>
+              <a:rPr lang="en-US" altLang="zh-TW" sz="1100" b="1" dirty="0" smtClean="0">
+                <a:latin typeface="Microsoft JhengHei" panose="020B0604030504040204" pitchFamily="34" charset="-120"/>
+                <a:ea typeface="Microsoft JhengHei" panose="020B0604030504040204" pitchFamily="34" charset="-120"/>
+              </a:rPr>
+              <a:t>6</a:t>
+            </a:r>
+            <a:r>
+              <a:rPr lang="zh-TW" altLang="en-US" sz="1100" b="1" dirty="0" smtClean="0">
+                <a:latin typeface="Microsoft JhengHei" panose="020B0604030504040204" pitchFamily="34" charset="-120"/>
+                <a:ea typeface="Microsoft JhengHei" panose="020B0604030504040204" pitchFamily="34" charset="-120"/>
+              </a:rPr>
+              <a:t>小時預報</a:t>
+            </a:r>
+            <a:r>
+              <a:rPr lang="en-US" altLang="zh-TW" sz="1100" b="1" dirty="0" smtClean="0">
+                <a:latin typeface="Microsoft JhengHei" panose="020B0604030504040204" pitchFamily="34" charset="-120"/>
+                <a:ea typeface="Microsoft JhengHei" panose="020B0604030504040204" pitchFamily="34" charset="-120"/>
+              </a:rPr>
+              <a:t>${hour6}mm</a:t>
+            </a:r>
+            <a:endParaRPr lang="zh-TW" altLang="en-US" sz="1100" b="1" dirty="0">
+              <a:latin typeface="Microsoft JhengHei" panose="020B0604030504040204" pitchFamily="34" charset="-120"/>
+              <a:ea typeface="Microsoft JhengHei" panose="020B0604030504040204" pitchFamily="34" charset="-120"/>
+            </a:endParaRPr>
+          </a:p>
+        </p:txBody>
+      </p:sp>
+      <p:sp>
+        <p:nvSpPr>
+          <p:cNvPr id="22" name="矩形 21">
             <a:extLst>
               <a:ext uri="{FF2B5EF4-FFF2-40B4-BE49-F238E27FC236}">
                 <a16:creationId xmlns:a16="http://schemas.microsoft.com/office/drawing/2014/main" id="{39D7FE7C-3CEB-0A4C-845D-1ABD945B6111}"/>
@@ -6739,7 +10293,7 @@
         </p:nvSpPr>
         <p:spPr>
           <a:xfrm>
-            <a:off x="3396971" y="3383731"/>
+            <a:off x="3392388" y="3946201"/>
             <a:ext cx="1415772" cy="276999"/>
           </a:xfrm>
           <a:prstGeom prst="rect">
@@ -6775,7 +10329,7 @@
       </p:sp>
       <p:sp>
         <p:nvSpPr>
-          <p:cNvPr id="13" name="矩形 12">
+          <p:cNvPr id="23" name="矩形 22">
             <a:extLst>
               <a:ext uri="{FF2B5EF4-FFF2-40B4-BE49-F238E27FC236}">
                 <a16:creationId xmlns:a16="http://schemas.microsoft.com/office/drawing/2014/main" id="{5806C887-6AF6-734F-BA81-007EA40BB3E9}"/>
@@ -6787,7 +10341,7 @@
         </p:nvSpPr>
         <p:spPr>
           <a:xfrm>
-            <a:off x="3429000" y="691320"/>
+            <a:off x="3424417" y="1253790"/>
             <a:ext cx="1107996" cy="276999"/>
           </a:xfrm>
           <a:prstGeom prst="rect">
@@ -7131,9 +10685,444 @@
           </a:p>
         </p:txBody>
       </p:sp>
-      <p:sp>
-        <p:nvSpPr>
-          <p:cNvPr id="12" name="矩形 11">
+      <p:cxnSp>
+        <p:nvCxnSpPr>
+          <p:cNvPr id="9" name="直線接點 8"/>
+          <p:cNvCxnSpPr/>
+          <p:nvPr/>
+        </p:nvCxnSpPr>
+        <p:spPr>
+          <a:xfrm>
+            <a:off x="4724400" y="103635"/>
+            <a:ext cx="0" cy="133200"/>
+          </a:xfrm>
+          <a:prstGeom prst="line">
+            <a:avLst/>
+          </a:prstGeom>
+          <a:ln w="12700">
+            <a:solidFill>
+              <a:schemeClr val="tx1"/>
+            </a:solidFill>
+          </a:ln>
+        </p:spPr>
+        <p:style>
+          <a:lnRef idx="1">
+            <a:schemeClr val="accent1"/>
+          </a:lnRef>
+          <a:fillRef idx="0">
+            <a:schemeClr val="accent1"/>
+          </a:fillRef>
+          <a:effectRef idx="0">
+            <a:schemeClr val="accent1"/>
+          </a:effectRef>
+          <a:fontRef idx="minor">
+            <a:schemeClr val="tx1"/>
+          </a:fontRef>
+        </p:style>
+      </p:cxnSp>
+      <p:cxnSp>
+        <p:nvCxnSpPr>
+          <p:cNvPr id="10" name="直線接點 9"/>
+          <p:cNvCxnSpPr/>
+          <p:nvPr/>
+        </p:nvCxnSpPr>
+        <p:spPr>
+          <a:xfrm>
+            <a:off x="4724400" y="1164858"/>
+            <a:ext cx="0" cy="119921"/>
+          </a:xfrm>
+          <a:prstGeom prst="line">
+            <a:avLst/>
+          </a:prstGeom>
+          <a:ln w="12700">
+            <a:solidFill>
+              <a:schemeClr val="tx1"/>
+            </a:solidFill>
+          </a:ln>
+        </p:spPr>
+        <p:style>
+          <a:lnRef idx="1">
+            <a:schemeClr val="accent1"/>
+          </a:lnRef>
+          <a:fillRef idx="0">
+            <a:schemeClr val="accent1"/>
+          </a:fillRef>
+          <a:effectRef idx="0">
+            <a:schemeClr val="accent1"/>
+          </a:effectRef>
+          <a:fontRef idx="minor">
+            <a:schemeClr val="tx1"/>
+          </a:fontRef>
+        </p:style>
+      </p:cxnSp>
+      <p:cxnSp>
+        <p:nvCxnSpPr>
+          <p:cNvPr id="11" name="直線接點 10"/>
+          <p:cNvCxnSpPr/>
+          <p:nvPr/>
+        </p:nvCxnSpPr>
+        <p:spPr>
+          <a:xfrm>
+            <a:off x="8839200" y="1145193"/>
+            <a:ext cx="0" cy="119921"/>
+          </a:xfrm>
+          <a:prstGeom prst="line">
+            <a:avLst/>
+          </a:prstGeom>
+          <a:ln w="12700">
+            <a:solidFill>
+              <a:schemeClr val="tx1"/>
+            </a:solidFill>
+          </a:ln>
+        </p:spPr>
+        <p:style>
+          <a:lnRef idx="1">
+            <a:schemeClr val="accent1"/>
+          </a:lnRef>
+          <a:fillRef idx="0">
+            <a:schemeClr val="accent1"/>
+          </a:fillRef>
+          <a:effectRef idx="0">
+            <a:schemeClr val="accent1"/>
+          </a:effectRef>
+          <a:fontRef idx="minor">
+            <a:schemeClr val="tx1"/>
+          </a:fontRef>
+        </p:style>
+      </p:cxnSp>
+      <p:cxnSp>
+        <p:nvCxnSpPr>
+          <p:cNvPr id="14" name="直線接點 13"/>
+          <p:cNvCxnSpPr/>
+          <p:nvPr/>
+        </p:nvCxnSpPr>
+        <p:spPr>
+          <a:xfrm>
+            <a:off x="8839200" y="119979"/>
+            <a:ext cx="0" cy="133200"/>
+          </a:xfrm>
+          <a:prstGeom prst="line">
+            <a:avLst/>
+          </a:prstGeom>
+          <a:ln w="12700">
+            <a:solidFill>
+              <a:schemeClr val="tx1"/>
+            </a:solidFill>
+          </a:ln>
+        </p:spPr>
+        <p:style>
+          <a:lnRef idx="1">
+            <a:schemeClr val="accent1"/>
+          </a:lnRef>
+          <a:fillRef idx="0">
+            <a:schemeClr val="accent1"/>
+          </a:fillRef>
+          <a:effectRef idx="0">
+            <a:schemeClr val="accent1"/>
+          </a:effectRef>
+          <a:fontRef idx="minor">
+            <a:schemeClr val="tx1"/>
+          </a:fontRef>
+        </p:style>
+      </p:cxnSp>
+      <p:cxnSp>
+        <p:nvCxnSpPr>
+          <p:cNvPr id="15" name="直線接點 14"/>
+          <p:cNvCxnSpPr/>
+          <p:nvPr/>
+        </p:nvCxnSpPr>
+        <p:spPr>
+          <a:xfrm>
+            <a:off x="7420801" y="102471"/>
+            <a:ext cx="0" cy="133200"/>
+          </a:xfrm>
+          <a:prstGeom prst="line">
+            <a:avLst/>
+          </a:prstGeom>
+          <a:ln w="12700">
+            <a:solidFill>
+              <a:schemeClr val="tx1"/>
+            </a:solidFill>
+          </a:ln>
+        </p:spPr>
+        <p:style>
+          <a:lnRef idx="1">
+            <a:schemeClr val="accent1"/>
+          </a:lnRef>
+          <a:fillRef idx="0">
+            <a:schemeClr val="accent1"/>
+          </a:fillRef>
+          <a:effectRef idx="0">
+            <a:schemeClr val="accent1"/>
+          </a:effectRef>
+          <a:fontRef idx="minor">
+            <a:schemeClr val="tx1"/>
+          </a:fontRef>
+        </p:style>
+      </p:cxnSp>
+      <p:cxnSp>
+        <p:nvCxnSpPr>
+          <p:cNvPr id="16" name="直線單箭頭接點 15"/>
+          <p:cNvCxnSpPr/>
+          <p:nvPr/>
+        </p:nvCxnSpPr>
+        <p:spPr>
+          <a:xfrm flipV="1">
+            <a:off x="4724400" y="1206318"/>
+            <a:ext cx="4114800" cy="13321"/>
+          </a:xfrm>
+          <a:prstGeom prst="straightConnector1">
+            <a:avLst/>
+          </a:prstGeom>
+          <a:ln w="19050">
+            <a:headEnd type="triangle"/>
+            <a:tailEnd type="triangle"/>
+          </a:ln>
+        </p:spPr>
+        <p:style>
+          <a:lnRef idx="1">
+            <a:schemeClr val="accent1"/>
+          </a:lnRef>
+          <a:fillRef idx="0">
+            <a:schemeClr val="accent1"/>
+          </a:fillRef>
+          <a:effectRef idx="0">
+            <a:schemeClr val="accent1"/>
+          </a:effectRef>
+          <a:fontRef idx="minor">
+            <a:schemeClr val="tx1"/>
+          </a:fontRef>
+        </p:style>
+      </p:cxnSp>
+      <p:sp>
+        <p:nvSpPr>
+          <p:cNvPr id="17" name="矩形 16">
+            <a:extLst>
+              <a:ext uri="{FF2B5EF4-FFF2-40B4-BE49-F238E27FC236}">
+                <a16:creationId xmlns:a16="http://schemas.microsoft.com/office/drawing/2014/main" id="{5806C887-6AF6-734F-BA81-007EA40BB3E9}"/>
+              </a:ext>
+            </a:extLst>
+          </p:cNvPr>
+          <p:cNvSpPr/>
+          <p:nvPr/>
+        </p:nvSpPr>
+        <p:spPr>
+          <a:xfrm>
+            <a:off x="6264815" y="1194532"/>
+            <a:ext cx="1409360" cy="261610"/>
+          </a:xfrm>
+          <a:prstGeom prst="rect">
+            <a:avLst/>
+          </a:prstGeom>
+        </p:spPr>
+        <p:txBody>
+          <a:bodyPr wrap="none">
+            <a:spAutoFit/>
+          </a:bodyPr>
+          <a:lstStyle/>
+          <a:p>
+            <a:r>
+              <a:rPr lang="zh-TW" altLang="en-US" sz="1100" b="1" dirty="0" smtClean="0">
+                <a:latin typeface="Microsoft JhengHei" panose="020B0604030504040204" pitchFamily="34" charset="-120"/>
+                <a:ea typeface="Microsoft JhengHei" panose="020B0604030504040204" pitchFamily="34" charset="-120"/>
+              </a:rPr>
+              <a:t>合計</a:t>
+            </a:r>
+            <a:r>
+              <a:rPr lang="en-US" altLang="zh-TW" sz="1100" b="1" dirty="0" smtClean="0">
+                <a:latin typeface="Microsoft JhengHei" panose="020B0604030504040204" pitchFamily="34" charset="-120"/>
+                <a:ea typeface="Microsoft JhengHei" panose="020B0604030504040204" pitchFamily="34" charset="-120"/>
+              </a:rPr>
+              <a:t>${hour24}mm</a:t>
+            </a:r>
+            <a:endParaRPr lang="zh-TW" altLang="en-US" sz="1100" b="1" dirty="0">
+              <a:latin typeface="Microsoft JhengHei" panose="020B0604030504040204" pitchFamily="34" charset="-120"/>
+              <a:ea typeface="Microsoft JhengHei" panose="020B0604030504040204" pitchFamily="34" charset="-120"/>
+            </a:endParaRPr>
+          </a:p>
+        </p:txBody>
+      </p:sp>
+      <p:cxnSp>
+        <p:nvCxnSpPr>
+          <p:cNvPr id="18" name="直線單箭頭接點 17"/>
+          <p:cNvCxnSpPr/>
+          <p:nvPr/>
+        </p:nvCxnSpPr>
+        <p:spPr>
+          <a:xfrm>
+            <a:off x="4724400" y="169071"/>
+            <a:ext cx="2696401" cy="0"/>
+          </a:xfrm>
+          <a:prstGeom prst="straightConnector1">
+            <a:avLst/>
+          </a:prstGeom>
+          <a:ln w="19050">
+            <a:headEnd type="triangle"/>
+            <a:tailEnd type="triangle"/>
+          </a:ln>
+        </p:spPr>
+        <p:style>
+          <a:lnRef idx="1">
+            <a:schemeClr val="accent1"/>
+          </a:lnRef>
+          <a:fillRef idx="0">
+            <a:schemeClr val="accent1"/>
+          </a:fillRef>
+          <a:effectRef idx="0">
+            <a:schemeClr val="accent1"/>
+          </a:effectRef>
+          <a:fontRef idx="minor">
+            <a:schemeClr val="tx1"/>
+          </a:fontRef>
+        </p:style>
+      </p:cxnSp>
+      <p:sp>
+        <p:nvSpPr>
+          <p:cNvPr id="19" name="矩形 18">
+            <a:extLst>
+              <a:ext uri="{FF2B5EF4-FFF2-40B4-BE49-F238E27FC236}">
+                <a16:creationId xmlns:a16="http://schemas.microsoft.com/office/drawing/2014/main" id="{5806C887-6AF6-734F-BA81-007EA40BB3E9}"/>
+              </a:ext>
+            </a:extLst>
+          </p:cNvPr>
+          <p:cNvSpPr/>
+          <p:nvPr/>
+        </p:nvSpPr>
+        <p:spPr>
+          <a:xfrm>
+            <a:off x="5234654" y="-49353"/>
+            <a:ext cx="1858201" cy="261610"/>
+          </a:xfrm>
+          <a:prstGeom prst="rect">
+            <a:avLst/>
+          </a:prstGeom>
+        </p:spPr>
+        <p:txBody>
+          <a:bodyPr wrap="none">
+            <a:spAutoFit/>
+          </a:bodyPr>
+          <a:lstStyle/>
+          <a:p>
+            <a:r>
+              <a:rPr lang="en-US" altLang="zh-TW" sz="1100" b="1" dirty="0" smtClean="0">
+                <a:latin typeface="Microsoft JhengHei" panose="020B0604030504040204" pitchFamily="34" charset="-120"/>
+                <a:ea typeface="Microsoft JhengHei" panose="020B0604030504040204" pitchFamily="34" charset="-120"/>
+              </a:rPr>
+              <a:t>18</a:t>
+            </a:r>
+            <a:r>
+              <a:rPr lang="zh-TW" altLang="en-US" sz="1100" b="1" dirty="0" smtClean="0">
+                <a:latin typeface="Microsoft JhengHei" panose="020B0604030504040204" pitchFamily="34" charset="-120"/>
+                <a:ea typeface="Microsoft JhengHei" panose="020B0604030504040204" pitchFamily="34" charset="-120"/>
+              </a:rPr>
+              <a:t>小時觀測</a:t>
+            </a:r>
+            <a:r>
+              <a:rPr lang="en-US" altLang="zh-TW" sz="1100" b="1" dirty="0" smtClean="0">
+                <a:latin typeface="Microsoft JhengHei" panose="020B0604030504040204" pitchFamily="34" charset="-120"/>
+                <a:ea typeface="Microsoft JhengHei" panose="020B0604030504040204" pitchFamily="34" charset="-120"/>
+              </a:rPr>
+              <a:t>${hour18}mm</a:t>
+            </a:r>
+            <a:endParaRPr lang="zh-TW" altLang="en-US" sz="1100" b="1" dirty="0">
+              <a:latin typeface="Microsoft JhengHei" panose="020B0604030504040204" pitchFamily="34" charset="-120"/>
+              <a:ea typeface="Microsoft JhengHei" panose="020B0604030504040204" pitchFamily="34" charset="-120"/>
+            </a:endParaRPr>
+          </a:p>
+        </p:txBody>
+      </p:sp>
+      <p:cxnSp>
+        <p:nvCxnSpPr>
+          <p:cNvPr id="20" name="直線單箭頭接點 19"/>
+          <p:cNvCxnSpPr/>
+          <p:nvPr/>
+        </p:nvCxnSpPr>
+        <p:spPr>
+          <a:xfrm flipV="1">
+            <a:off x="7420801" y="167366"/>
+            <a:ext cx="1418399" cy="1705"/>
+          </a:xfrm>
+          <a:prstGeom prst="straightConnector1">
+            <a:avLst/>
+          </a:prstGeom>
+          <a:ln>
+            <a:headEnd type="triangle"/>
+            <a:tailEnd type="triangle"/>
+          </a:ln>
+        </p:spPr>
+        <p:style>
+          <a:lnRef idx="1">
+            <a:schemeClr val="accent3"/>
+          </a:lnRef>
+          <a:fillRef idx="0">
+            <a:schemeClr val="accent3"/>
+          </a:fillRef>
+          <a:effectRef idx="0">
+            <a:schemeClr val="accent3"/>
+          </a:effectRef>
+          <a:fontRef idx="minor">
+            <a:schemeClr val="tx1"/>
+          </a:fontRef>
+        </p:style>
+      </p:cxnSp>
+      <p:sp>
+        <p:nvSpPr>
+          <p:cNvPr id="21" name="矩形 20">
+            <a:extLst>
+              <a:ext uri="{FF2B5EF4-FFF2-40B4-BE49-F238E27FC236}">
+                <a16:creationId xmlns:a16="http://schemas.microsoft.com/office/drawing/2014/main" id="{5806C887-6AF6-734F-BA81-007EA40BB3E9}"/>
+              </a:ext>
+            </a:extLst>
+          </p:cNvPr>
+          <p:cNvSpPr/>
+          <p:nvPr/>
+        </p:nvSpPr>
+        <p:spPr>
+          <a:xfrm>
+            <a:off x="7413181" y="-52397"/>
+            <a:ext cx="1691489" cy="261610"/>
+          </a:xfrm>
+          <a:prstGeom prst="rect">
+            <a:avLst/>
+          </a:prstGeom>
+        </p:spPr>
+        <p:txBody>
+          <a:bodyPr wrap="none">
+            <a:spAutoFit/>
+          </a:bodyPr>
+          <a:lstStyle/>
+          <a:p>
+            <a:r>
+              <a:rPr lang="en-US" altLang="zh-TW" sz="1100" b="1" dirty="0" smtClean="0">
+                <a:latin typeface="Microsoft JhengHei" panose="020B0604030504040204" pitchFamily="34" charset="-120"/>
+                <a:ea typeface="Microsoft JhengHei" panose="020B0604030504040204" pitchFamily="34" charset="-120"/>
+              </a:rPr>
+              <a:t>6</a:t>
+            </a:r>
+            <a:r>
+              <a:rPr lang="zh-TW" altLang="en-US" sz="1100" b="1" dirty="0" smtClean="0">
+                <a:latin typeface="Microsoft JhengHei" panose="020B0604030504040204" pitchFamily="34" charset="-120"/>
+                <a:ea typeface="Microsoft JhengHei" panose="020B0604030504040204" pitchFamily="34" charset="-120"/>
+              </a:rPr>
+              <a:t>小時預報</a:t>
+            </a:r>
+            <a:r>
+              <a:rPr lang="en-US" altLang="zh-TW" sz="1100" b="1" dirty="0" smtClean="0">
+                <a:latin typeface="Microsoft JhengHei" panose="020B0604030504040204" pitchFamily="34" charset="-120"/>
+                <a:ea typeface="Microsoft JhengHei" panose="020B0604030504040204" pitchFamily="34" charset="-120"/>
+              </a:rPr>
+              <a:t>${hour6}mm</a:t>
+            </a:r>
+            <a:endParaRPr lang="zh-TW" altLang="en-US" sz="1100" b="1" dirty="0">
+              <a:latin typeface="Microsoft JhengHei" panose="020B0604030504040204" pitchFamily="34" charset="-120"/>
+              <a:ea typeface="Microsoft JhengHei" panose="020B0604030504040204" pitchFamily="34" charset="-120"/>
+            </a:endParaRPr>
+          </a:p>
+        </p:txBody>
+      </p:sp>
+      <p:sp>
+        <p:nvSpPr>
+          <p:cNvPr id="22" name="矩形 21">
             <a:extLst>
               <a:ext uri="{FF2B5EF4-FFF2-40B4-BE49-F238E27FC236}">
                 <a16:creationId xmlns:a16="http://schemas.microsoft.com/office/drawing/2014/main" id="{39D7FE7C-3CEB-0A4C-845D-1ABD945B6111}"/>
@@ -7145,7 +11134,7 @@
         </p:nvSpPr>
         <p:spPr>
           <a:xfrm>
-            <a:off x="3396971" y="3383731"/>
+            <a:off x="3392388" y="3946201"/>
             <a:ext cx="1415772" cy="276999"/>
           </a:xfrm>
           <a:prstGeom prst="rect">
@@ -7181,7 +11170,7 @@
       </p:sp>
       <p:sp>
         <p:nvSpPr>
-          <p:cNvPr id="13" name="矩形 12">
+          <p:cNvPr id="23" name="矩形 22">
             <a:extLst>
               <a:ext uri="{FF2B5EF4-FFF2-40B4-BE49-F238E27FC236}">
                 <a16:creationId xmlns:a16="http://schemas.microsoft.com/office/drawing/2014/main" id="{5806C887-6AF6-734F-BA81-007EA40BB3E9}"/>
@@ -7193,7 +11182,7 @@
         </p:nvSpPr>
         <p:spPr>
           <a:xfrm>
-            <a:off x="3429000" y="691320"/>
+            <a:off x="3424417" y="1253790"/>
             <a:ext cx="1107996" cy="276999"/>
           </a:xfrm>
           <a:prstGeom prst="rect">
@@ -7537,9 +11526,444 @@
           </a:p>
         </p:txBody>
       </p:sp>
-      <p:sp>
-        <p:nvSpPr>
-          <p:cNvPr id="12" name="矩形 11">
+      <p:cxnSp>
+        <p:nvCxnSpPr>
+          <p:cNvPr id="9" name="直線接點 8"/>
+          <p:cNvCxnSpPr/>
+          <p:nvPr/>
+        </p:nvCxnSpPr>
+        <p:spPr>
+          <a:xfrm>
+            <a:off x="4724400" y="103635"/>
+            <a:ext cx="0" cy="133200"/>
+          </a:xfrm>
+          <a:prstGeom prst="line">
+            <a:avLst/>
+          </a:prstGeom>
+          <a:ln w="12700">
+            <a:solidFill>
+              <a:schemeClr val="tx1"/>
+            </a:solidFill>
+          </a:ln>
+        </p:spPr>
+        <p:style>
+          <a:lnRef idx="1">
+            <a:schemeClr val="accent1"/>
+          </a:lnRef>
+          <a:fillRef idx="0">
+            <a:schemeClr val="accent1"/>
+          </a:fillRef>
+          <a:effectRef idx="0">
+            <a:schemeClr val="accent1"/>
+          </a:effectRef>
+          <a:fontRef idx="minor">
+            <a:schemeClr val="tx1"/>
+          </a:fontRef>
+        </p:style>
+      </p:cxnSp>
+      <p:cxnSp>
+        <p:nvCxnSpPr>
+          <p:cNvPr id="10" name="直線接點 9"/>
+          <p:cNvCxnSpPr/>
+          <p:nvPr/>
+        </p:nvCxnSpPr>
+        <p:spPr>
+          <a:xfrm>
+            <a:off x="4724400" y="1164858"/>
+            <a:ext cx="0" cy="119921"/>
+          </a:xfrm>
+          <a:prstGeom prst="line">
+            <a:avLst/>
+          </a:prstGeom>
+          <a:ln w="12700">
+            <a:solidFill>
+              <a:schemeClr val="tx1"/>
+            </a:solidFill>
+          </a:ln>
+        </p:spPr>
+        <p:style>
+          <a:lnRef idx="1">
+            <a:schemeClr val="accent1"/>
+          </a:lnRef>
+          <a:fillRef idx="0">
+            <a:schemeClr val="accent1"/>
+          </a:fillRef>
+          <a:effectRef idx="0">
+            <a:schemeClr val="accent1"/>
+          </a:effectRef>
+          <a:fontRef idx="minor">
+            <a:schemeClr val="tx1"/>
+          </a:fontRef>
+        </p:style>
+      </p:cxnSp>
+      <p:cxnSp>
+        <p:nvCxnSpPr>
+          <p:cNvPr id="11" name="直線接點 10"/>
+          <p:cNvCxnSpPr/>
+          <p:nvPr/>
+        </p:nvCxnSpPr>
+        <p:spPr>
+          <a:xfrm>
+            <a:off x="8839200" y="1145193"/>
+            <a:ext cx="0" cy="119921"/>
+          </a:xfrm>
+          <a:prstGeom prst="line">
+            <a:avLst/>
+          </a:prstGeom>
+          <a:ln w="12700">
+            <a:solidFill>
+              <a:schemeClr val="tx1"/>
+            </a:solidFill>
+          </a:ln>
+        </p:spPr>
+        <p:style>
+          <a:lnRef idx="1">
+            <a:schemeClr val="accent1"/>
+          </a:lnRef>
+          <a:fillRef idx="0">
+            <a:schemeClr val="accent1"/>
+          </a:fillRef>
+          <a:effectRef idx="0">
+            <a:schemeClr val="accent1"/>
+          </a:effectRef>
+          <a:fontRef idx="minor">
+            <a:schemeClr val="tx1"/>
+          </a:fontRef>
+        </p:style>
+      </p:cxnSp>
+      <p:cxnSp>
+        <p:nvCxnSpPr>
+          <p:cNvPr id="14" name="直線接點 13"/>
+          <p:cNvCxnSpPr/>
+          <p:nvPr/>
+        </p:nvCxnSpPr>
+        <p:spPr>
+          <a:xfrm>
+            <a:off x="8839200" y="119979"/>
+            <a:ext cx="0" cy="133200"/>
+          </a:xfrm>
+          <a:prstGeom prst="line">
+            <a:avLst/>
+          </a:prstGeom>
+          <a:ln w="12700">
+            <a:solidFill>
+              <a:schemeClr val="tx1"/>
+            </a:solidFill>
+          </a:ln>
+        </p:spPr>
+        <p:style>
+          <a:lnRef idx="1">
+            <a:schemeClr val="accent1"/>
+          </a:lnRef>
+          <a:fillRef idx="0">
+            <a:schemeClr val="accent1"/>
+          </a:fillRef>
+          <a:effectRef idx="0">
+            <a:schemeClr val="accent1"/>
+          </a:effectRef>
+          <a:fontRef idx="minor">
+            <a:schemeClr val="tx1"/>
+          </a:fontRef>
+        </p:style>
+      </p:cxnSp>
+      <p:cxnSp>
+        <p:nvCxnSpPr>
+          <p:cNvPr id="15" name="直線接點 14"/>
+          <p:cNvCxnSpPr/>
+          <p:nvPr/>
+        </p:nvCxnSpPr>
+        <p:spPr>
+          <a:xfrm>
+            <a:off x="7420801" y="102471"/>
+            <a:ext cx="0" cy="133200"/>
+          </a:xfrm>
+          <a:prstGeom prst="line">
+            <a:avLst/>
+          </a:prstGeom>
+          <a:ln w="12700">
+            <a:solidFill>
+              <a:schemeClr val="tx1"/>
+            </a:solidFill>
+          </a:ln>
+        </p:spPr>
+        <p:style>
+          <a:lnRef idx="1">
+            <a:schemeClr val="accent1"/>
+          </a:lnRef>
+          <a:fillRef idx="0">
+            <a:schemeClr val="accent1"/>
+          </a:fillRef>
+          <a:effectRef idx="0">
+            <a:schemeClr val="accent1"/>
+          </a:effectRef>
+          <a:fontRef idx="minor">
+            <a:schemeClr val="tx1"/>
+          </a:fontRef>
+        </p:style>
+      </p:cxnSp>
+      <p:cxnSp>
+        <p:nvCxnSpPr>
+          <p:cNvPr id="16" name="直線單箭頭接點 15"/>
+          <p:cNvCxnSpPr/>
+          <p:nvPr/>
+        </p:nvCxnSpPr>
+        <p:spPr>
+          <a:xfrm flipV="1">
+            <a:off x="4724400" y="1206318"/>
+            <a:ext cx="4114800" cy="13321"/>
+          </a:xfrm>
+          <a:prstGeom prst="straightConnector1">
+            <a:avLst/>
+          </a:prstGeom>
+          <a:ln w="19050">
+            <a:headEnd type="triangle"/>
+            <a:tailEnd type="triangle"/>
+          </a:ln>
+        </p:spPr>
+        <p:style>
+          <a:lnRef idx="1">
+            <a:schemeClr val="accent1"/>
+          </a:lnRef>
+          <a:fillRef idx="0">
+            <a:schemeClr val="accent1"/>
+          </a:fillRef>
+          <a:effectRef idx="0">
+            <a:schemeClr val="accent1"/>
+          </a:effectRef>
+          <a:fontRef idx="minor">
+            <a:schemeClr val="tx1"/>
+          </a:fontRef>
+        </p:style>
+      </p:cxnSp>
+      <p:sp>
+        <p:nvSpPr>
+          <p:cNvPr id="17" name="矩形 16">
+            <a:extLst>
+              <a:ext uri="{FF2B5EF4-FFF2-40B4-BE49-F238E27FC236}">
+                <a16:creationId xmlns:a16="http://schemas.microsoft.com/office/drawing/2014/main" id="{5806C887-6AF6-734F-BA81-007EA40BB3E9}"/>
+              </a:ext>
+            </a:extLst>
+          </p:cNvPr>
+          <p:cNvSpPr/>
+          <p:nvPr/>
+        </p:nvSpPr>
+        <p:spPr>
+          <a:xfrm>
+            <a:off x="6264815" y="1194532"/>
+            <a:ext cx="1409360" cy="261610"/>
+          </a:xfrm>
+          <a:prstGeom prst="rect">
+            <a:avLst/>
+          </a:prstGeom>
+        </p:spPr>
+        <p:txBody>
+          <a:bodyPr wrap="none">
+            <a:spAutoFit/>
+          </a:bodyPr>
+          <a:lstStyle/>
+          <a:p>
+            <a:r>
+              <a:rPr lang="zh-TW" altLang="en-US" sz="1100" b="1" dirty="0" smtClean="0">
+                <a:latin typeface="Microsoft JhengHei" panose="020B0604030504040204" pitchFamily="34" charset="-120"/>
+                <a:ea typeface="Microsoft JhengHei" panose="020B0604030504040204" pitchFamily="34" charset="-120"/>
+              </a:rPr>
+              <a:t>合計</a:t>
+            </a:r>
+            <a:r>
+              <a:rPr lang="en-US" altLang="zh-TW" sz="1100" b="1" dirty="0" smtClean="0">
+                <a:latin typeface="Microsoft JhengHei" panose="020B0604030504040204" pitchFamily="34" charset="-120"/>
+                <a:ea typeface="Microsoft JhengHei" panose="020B0604030504040204" pitchFamily="34" charset="-120"/>
+              </a:rPr>
+              <a:t>${hour24}mm</a:t>
+            </a:r>
+            <a:endParaRPr lang="zh-TW" altLang="en-US" sz="1100" b="1" dirty="0">
+              <a:latin typeface="Microsoft JhengHei" panose="020B0604030504040204" pitchFamily="34" charset="-120"/>
+              <a:ea typeface="Microsoft JhengHei" panose="020B0604030504040204" pitchFamily="34" charset="-120"/>
+            </a:endParaRPr>
+          </a:p>
+        </p:txBody>
+      </p:sp>
+      <p:cxnSp>
+        <p:nvCxnSpPr>
+          <p:cNvPr id="18" name="直線單箭頭接點 17"/>
+          <p:cNvCxnSpPr/>
+          <p:nvPr/>
+        </p:nvCxnSpPr>
+        <p:spPr>
+          <a:xfrm>
+            <a:off x="4724400" y="169071"/>
+            <a:ext cx="2696401" cy="0"/>
+          </a:xfrm>
+          <a:prstGeom prst="straightConnector1">
+            <a:avLst/>
+          </a:prstGeom>
+          <a:ln w="19050">
+            <a:headEnd type="triangle"/>
+            <a:tailEnd type="triangle"/>
+          </a:ln>
+        </p:spPr>
+        <p:style>
+          <a:lnRef idx="1">
+            <a:schemeClr val="accent1"/>
+          </a:lnRef>
+          <a:fillRef idx="0">
+            <a:schemeClr val="accent1"/>
+          </a:fillRef>
+          <a:effectRef idx="0">
+            <a:schemeClr val="accent1"/>
+          </a:effectRef>
+          <a:fontRef idx="minor">
+            <a:schemeClr val="tx1"/>
+          </a:fontRef>
+        </p:style>
+      </p:cxnSp>
+      <p:sp>
+        <p:nvSpPr>
+          <p:cNvPr id="19" name="矩形 18">
+            <a:extLst>
+              <a:ext uri="{FF2B5EF4-FFF2-40B4-BE49-F238E27FC236}">
+                <a16:creationId xmlns:a16="http://schemas.microsoft.com/office/drawing/2014/main" id="{5806C887-6AF6-734F-BA81-007EA40BB3E9}"/>
+              </a:ext>
+            </a:extLst>
+          </p:cNvPr>
+          <p:cNvSpPr/>
+          <p:nvPr/>
+        </p:nvSpPr>
+        <p:spPr>
+          <a:xfrm>
+            <a:off x="5234654" y="-49353"/>
+            <a:ext cx="1858201" cy="261610"/>
+          </a:xfrm>
+          <a:prstGeom prst="rect">
+            <a:avLst/>
+          </a:prstGeom>
+        </p:spPr>
+        <p:txBody>
+          <a:bodyPr wrap="none">
+            <a:spAutoFit/>
+          </a:bodyPr>
+          <a:lstStyle/>
+          <a:p>
+            <a:r>
+              <a:rPr lang="en-US" altLang="zh-TW" sz="1100" b="1" dirty="0" smtClean="0">
+                <a:latin typeface="Microsoft JhengHei" panose="020B0604030504040204" pitchFamily="34" charset="-120"/>
+                <a:ea typeface="Microsoft JhengHei" panose="020B0604030504040204" pitchFamily="34" charset="-120"/>
+              </a:rPr>
+              <a:t>18</a:t>
+            </a:r>
+            <a:r>
+              <a:rPr lang="zh-TW" altLang="en-US" sz="1100" b="1" dirty="0" smtClean="0">
+                <a:latin typeface="Microsoft JhengHei" panose="020B0604030504040204" pitchFamily="34" charset="-120"/>
+                <a:ea typeface="Microsoft JhengHei" panose="020B0604030504040204" pitchFamily="34" charset="-120"/>
+              </a:rPr>
+              <a:t>小時觀測</a:t>
+            </a:r>
+            <a:r>
+              <a:rPr lang="en-US" altLang="zh-TW" sz="1100" b="1" dirty="0" smtClean="0">
+                <a:latin typeface="Microsoft JhengHei" panose="020B0604030504040204" pitchFamily="34" charset="-120"/>
+                <a:ea typeface="Microsoft JhengHei" panose="020B0604030504040204" pitchFamily="34" charset="-120"/>
+              </a:rPr>
+              <a:t>${hour18}mm</a:t>
+            </a:r>
+            <a:endParaRPr lang="zh-TW" altLang="en-US" sz="1100" b="1" dirty="0">
+              <a:latin typeface="Microsoft JhengHei" panose="020B0604030504040204" pitchFamily="34" charset="-120"/>
+              <a:ea typeface="Microsoft JhengHei" panose="020B0604030504040204" pitchFamily="34" charset="-120"/>
+            </a:endParaRPr>
+          </a:p>
+        </p:txBody>
+      </p:sp>
+      <p:cxnSp>
+        <p:nvCxnSpPr>
+          <p:cNvPr id="20" name="直線單箭頭接點 19"/>
+          <p:cNvCxnSpPr/>
+          <p:nvPr/>
+        </p:nvCxnSpPr>
+        <p:spPr>
+          <a:xfrm flipV="1">
+            <a:off x="7420801" y="167366"/>
+            <a:ext cx="1418399" cy="1705"/>
+          </a:xfrm>
+          <a:prstGeom prst="straightConnector1">
+            <a:avLst/>
+          </a:prstGeom>
+          <a:ln>
+            <a:headEnd type="triangle"/>
+            <a:tailEnd type="triangle"/>
+          </a:ln>
+        </p:spPr>
+        <p:style>
+          <a:lnRef idx="1">
+            <a:schemeClr val="accent3"/>
+          </a:lnRef>
+          <a:fillRef idx="0">
+            <a:schemeClr val="accent3"/>
+          </a:fillRef>
+          <a:effectRef idx="0">
+            <a:schemeClr val="accent3"/>
+          </a:effectRef>
+          <a:fontRef idx="minor">
+            <a:schemeClr val="tx1"/>
+          </a:fontRef>
+        </p:style>
+      </p:cxnSp>
+      <p:sp>
+        <p:nvSpPr>
+          <p:cNvPr id="21" name="矩形 20">
+            <a:extLst>
+              <a:ext uri="{FF2B5EF4-FFF2-40B4-BE49-F238E27FC236}">
+                <a16:creationId xmlns:a16="http://schemas.microsoft.com/office/drawing/2014/main" id="{5806C887-6AF6-734F-BA81-007EA40BB3E9}"/>
+              </a:ext>
+            </a:extLst>
+          </p:cNvPr>
+          <p:cNvSpPr/>
+          <p:nvPr/>
+        </p:nvSpPr>
+        <p:spPr>
+          <a:xfrm>
+            <a:off x="7413181" y="-52397"/>
+            <a:ext cx="1691489" cy="261610"/>
+          </a:xfrm>
+          <a:prstGeom prst="rect">
+            <a:avLst/>
+          </a:prstGeom>
+        </p:spPr>
+        <p:txBody>
+          <a:bodyPr wrap="none">
+            <a:spAutoFit/>
+          </a:bodyPr>
+          <a:lstStyle/>
+          <a:p>
+            <a:r>
+              <a:rPr lang="en-US" altLang="zh-TW" sz="1100" b="1" dirty="0" smtClean="0">
+                <a:latin typeface="Microsoft JhengHei" panose="020B0604030504040204" pitchFamily="34" charset="-120"/>
+                <a:ea typeface="Microsoft JhengHei" panose="020B0604030504040204" pitchFamily="34" charset="-120"/>
+              </a:rPr>
+              <a:t>6</a:t>
+            </a:r>
+            <a:r>
+              <a:rPr lang="zh-TW" altLang="en-US" sz="1100" b="1" dirty="0" smtClean="0">
+                <a:latin typeface="Microsoft JhengHei" panose="020B0604030504040204" pitchFamily="34" charset="-120"/>
+                <a:ea typeface="Microsoft JhengHei" panose="020B0604030504040204" pitchFamily="34" charset="-120"/>
+              </a:rPr>
+              <a:t>小時預報</a:t>
+            </a:r>
+            <a:r>
+              <a:rPr lang="en-US" altLang="zh-TW" sz="1100" b="1" dirty="0" smtClean="0">
+                <a:latin typeface="Microsoft JhengHei" panose="020B0604030504040204" pitchFamily="34" charset="-120"/>
+                <a:ea typeface="Microsoft JhengHei" panose="020B0604030504040204" pitchFamily="34" charset="-120"/>
+              </a:rPr>
+              <a:t>${hour6}mm</a:t>
+            </a:r>
+            <a:endParaRPr lang="zh-TW" altLang="en-US" sz="1100" b="1" dirty="0">
+              <a:latin typeface="Microsoft JhengHei" panose="020B0604030504040204" pitchFamily="34" charset="-120"/>
+              <a:ea typeface="Microsoft JhengHei" panose="020B0604030504040204" pitchFamily="34" charset="-120"/>
+            </a:endParaRPr>
+          </a:p>
+        </p:txBody>
+      </p:sp>
+      <p:sp>
+        <p:nvSpPr>
+          <p:cNvPr id="22" name="矩形 21">
             <a:extLst>
               <a:ext uri="{FF2B5EF4-FFF2-40B4-BE49-F238E27FC236}">
                 <a16:creationId xmlns:a16="http://schemas.microsoft.com/office/drawing/2014/main" id="{39D7FE7C-3CEB-0A4C-845D-1ABD945B6111}"/>
@@ -7551,7 +11975,7 @@
         </p:nvSpPr>
         <p:spPr>
           <a:xfrm>
-            <a:off x="3396971" y="3383731"/>
+            <a:off x="3392388" y="3946201"/>
             <a:ext cx="1415772" cy="276999"/>
           </a:xfrm>
           <a:prstGeom prst="rect">
@@ -7587,7 +12011,7 @@
       </p:sp>
       <p:sp>
         <p:nvSpPr>
-          <p:cNvPr id="13" name="矩形 12">
+          <p:cNvPr id="23" name="矩形 22">
             <a:extLst>
               <a:ext uri="{FF2B5EF4-FFF2-40B4-BE49-F238E27FC236}">
                 <a16:creationId xmlns:a16="http://schemas.microsoft.com/office/drawing/2014/main" id="{5806C887-6AF6-734F-BA81-007EA40BB3E9}"/>
@@ -7599,7 +12023,7 @@
         </p:nvSpPr>
         <p:spPr>
           <a:xfrm>
-            <a:off x="3429000" y="691320"/>
+            <a:off x="3424417" y="1253790"/>
             <a:ext cx="1107996" cy="276999"/>
           </a:xfrm>
           <a:prstGeom prst="rect">
@@ -8366,9 +12790,444 @@
           </a:p>
         </p:txBody>
       </p:sp>
-      <p:sp>
-        <p:nvSpPr>
-          <p:cNvPr id="12" name="矩形 11">
+      <p:cxnSp>
+        <p:nvCxnSpPr>
+          <p:cNvPr id="9" name="直線接點 8"/>
+          <p:cNvCxnSpPr/>
+          <p:nvPr/>
+        </p:nvCxnSpPr>
+        <p:spPr>
+          <a:xfrm>
+            <a:off x="4724400" y="103635"/>
+            <a:ext cx="0" cy="133200"/>
+          </a:xfrm>
+          <a:prstGeom prst="line">
+            <a:avLst/>
+          </a:prstGeom>
+          <a:ln w="12700">
+            <a:solidFill>
+              <a:schemeClr val="tx1"/>
+            </a:solidFill>
+          </a:ln>
+        </p:spPr>
+        <p:style>
+          <a:lnRef idx="1">
+            <a:schemeClr val="accent1"/>
+          </a:lnRef>
+          <a:fillRef idx="0">
+            <a:schemeClr val="accent1"/>
+          </a:fillRef>
+          <a:effectRef idx="0">
+            <a:schemeClr val="accent1"/>
+          </a:effectRef>
+          <a:fontRef idx="minor">
+            <a:schemeClr val="tx1"/>
+          </a:fontRef>
+        </p:style>
+      </p:cxnSp>
+      <p:cxnSp>
+        <p:nvCxnSpPr>
+          <p:cNvPr id="10" name="直線接點 9"/>
+          <p:cNvCxnSpPr/>
+          <p:nvPr/>
+        </p:nvCxnSpPr>
+        <p:spPr>
+          <a:xfrm>
+            <a:off x="4724400" y="1164858"/>
+            <a:ext cx="0" cy="119921"/>
+          </a:xfrm>
+          <a:prstGeom prst="line">
+            <a:avLst/>
+          </a:prstGeom>
+          <a:ln w="12700">
+            <a:solidFill>
+              <a:schemeClr val="tx1"/>
+            </a:solidFill>
+          </a:ln>
+        </p:spPr>
+        <p:style>
+          <a:lnRef idx="1">
+            <a:schemeClr val="accent1"/>
+          </a:lnRef>
+          <a:fillRef idx="0">
+            <a:schemeClr val="accent1"/>
+          </a:fillRef>
+          <a:effectRef idx="0">
+            <a:schemeClr val="accent1"/>
+          </a:effectRef>
+          <a:fontRef idx="minor">
+            <a:schemeClr val="tx1"/>
+          </a:fontRef>
+        </p:style>
+      </p:cxnSp>
+      <p:cxnSp>
+        <p:nvCxnSpPr>
+          <p:cNvPr id="11" name="直線接點 10"/>
+          <p:cNvCxnSpPr/>
+          <p:nvPr/>
+        </p:nvCxnSpPr>
+        <p:spPr>
+          <a:xfrm>
+            <a:off x="8839200" y="1145193"/>
+            <a:ext cx="0" cy="119921"/>
+          </a:xfrm>
+          <a:prstGeom prst="line">
+            <a:avLst/>
+          </a:prstGeom>
+          <a:ln w="12700">
+            <a:solidFill>
+              <a:schemeClr val="tx1"/>
+            </a:solidFill>
+          </a:ln>
+        </p:spPr>
+        <p:style>
+          <a:lnRef idx="1">
+            <a:schemeClr val="accent1"/>
+          </a:lnRef>
+          <a:fillRef idx="0">
+            <a:schemeClr val="accent1"/>
+          </a:fillRef>
+          <a:effectRef idx="0">
+            <a:schemeClr val="accent1"/>
+          </a:effectRef>
+          <a:fontRef idx="minor">
+            <a:schemeClr val="tx1"/>
+          </a:fontRef>
+        </p:style>
+      </p:cxnSp>
+      <p:cxnSp>
+        <p:nvCxnSpPr>
+          <p:cNvPr id="14" name="直線接點 13"/>
+          <p:cNvCxnSpPr/>
+          <p:nvPr/>
+        </p:nvCxnSpPr>
+        <p:spPr>
+          <a:xfrm>
+            <a:off x="8839200" y="119979"/>
+            <a:ext cx="0" cy="133200"/>
+          </a:xfrm>
+          <a:prstGeom prst="line">
+            <a:avLst/>
+          </a:prstGeom>
+          <a:ln w="12700">
+            <a:solidFill>
+              <a:schemeClr val="tx1"/>
+            </a:solidFill>
+          </a:ln>
+        </p:spPr>
+        <p:style>
+          <a:lnRef idx="1">
+            <a:schemeClr val="accent1"/>
+          </a:lnRef>
+          <a:fillRef idx="0">
+            <a:schemeClr val="accent1"/>
+          </a:fillRef>
+          <a:effectRef idx="0">
+            <a:schemeClr val="accent1"/>
+          </a:effectRef>
+          <a:fontRef idx="minor">
+            <a:schemeClr val="tx1"/>
+          </a:fontRef>
+        </p:style>
+      </p:cxnSp>
+      <p:cxnSp>
+        <p:nvCxnSpPr>
+          <p:cNvPr id="15" name="直線接點 14"/>
+          <p:cNvCxnSpPr/>
+          <p:nvPr/>
+        </p:nvCxnSpPr>
+        <p:spPr>
+          <a:xfrm>
+            <a:off x="7420801" y="102471"/>
+            <a:ext cx="0" cy="133200"/>
+          </a:xfrm>
+          <a:prstGeom prst="line">
+            <a:avLst/>
+          </a:prstGeom>
+          <a:ln w="12700">
+            <a:solidFill>
+              <a:schemeClr val="tx1"/>
+            </a:solidFill>
+          </a:ln>
+        </p:spPr>
+        <p:style>
+          <a:lnRef idx="1">
+            <a:schemeClr val="accent1"/>
+          </a:lnRef>
+          <a:fillRef idx="0">
+            <a:schemeClr val="accent1"/>
+          </a:fillRef>
+          <a:effectRef idx="0">
+            <a:schemeClr val="accent1"/>
+          </a:effectRef>
+          <a:fontRef idx="minor">
+            <a:schemeClr val="tx1"/>
+          </a:fontRef>
+        </p:style>
+      </p:cxnSp>
+      <p:cxnSp>
+        <p:nvCxnSpPr>
+          <p:cNvPr id="16" name="直線單箭頭接點 15"/>
+          <p:cNvCxnSpPr/>
+          <p:nvPr/>
+        </p:nvCxnSpPr>
+        <p:spPr>
+          <a:xfrm flipV="1">
+            <a:off x="4724400" y="1206318"/>
+            <a:ext cx="4114800" cy="13321"/>
+          </a:xfrm>
+          <a:prstGeom prst="straightConnector1">
+            <a:avLst/>
+          </a:prstGeom>
+          <a:ln w="19050">
+            <a:headEnd type="triangle"/>
+            <a:tailEnd type="triangle"/>
+          </a:ln>
+        </p:spPr>
+        <p:style>
+          <a:lnRef idx="1">
+            <a:schemeClr val="accent1"/>
+          </a:lnRef>
+          <a:fillRef idx="0">
+            <a:schemeClr val="accent1"/>
+          </a:fillRef>
+          <a:effectRef idx="0">
+            <a:schemeClr val="accent1"/>
+          </a:effectRef>
+          <a:fontRef idx="minor">
+            <a:schemeClr val="tx1"/>
+          </a:fontRef>
+        </p:style>
+      </p:cxnSp>
+      <p:sp>
+        <p:nvSpPr>
+          <p:cNvPr id="17" name="矩形 16">
+            <a:extLst>
+              <a:ext uri="{FF2B5EF4-FFF2-40B4-BE49-F238E27FC236}">
+                <a16:creationId xmlns:a16="http://schemas.microsoft.com/office/drawing/2014/main" id="{5806C887-6AF6-734F-BA81-007EA40BB3E9}"/>
+              </a:ext>
+            </a:extLst>
+          </p:cNvPr>
+          <p:cNvSpPr/>
+          <p:nvPr/>
+        </p:nvSpPr>
+        <p:spPr>
+          <a:xfrm>
+            <a:off x="6264815" y="1194532"/>
+            <a:ext cx="1409360" cy="261610"/>
+          </a:xfrm>
+          <a:prstGeom prst="rect">
+            <a:avLst/>
+          </a:prstGeom>
+        </p:spPr>
+        <p:txBody>
+          <a:bodyPr wrap="none">
+            <a:spAutoFit/>
+          </a:bodyPr>
+          <a:lstStyle/>
+          <a:p>
+            <a:r>
+              <a:rPr lang="zh-TW" altLang="en-US" sz="1100" b="1" dirty="0" smtClean="0">
+                <a:latin typeface="Microsoft JhengHei" panose="020B0604030504040204" pitchFamily="34" charset="-120"/>
+                <a:ea typeface="Microsoft JhengHei" panose="020B0604030504040204" pitchFamily="34" charset="-120"/>
+              </a:rPr>
+              <a:t>合計</a:t>
+            </a:r>
+            <a:r>
+              <a:rPr lang="en-US" altLang="zh-TW" sz="1100" b="1" dirty="0" smtClean="0">
+                <a:latin typeface="Microsoft JhengHei" panose="020B0604030504040204" pitchFamily="34" charset="-120"/>
+                <a:ea typeface="Microsoft JhengHei" panose="020B0604030504040204" pitchFamily="34" charset="-120"/>
+              </a:rPr>
+              <a:t>${hour24}mm</a:t>
+            </a:r>
+            <a:endParaRPr lang="zh-TW" altLang="en-US" sz="1100" b="1" dirty="0">
+              <a:latin typeface="Microsoft JhengHei" panose="020B0604030504040204" pitchFamily="34" charset="-120"/>
+              <a:ea typeface="Microsoft JhengHei" panose="020B0604030504040204" pitchFamily="34" charset="-120"/>
+            </a:endParaRPr>
+          </a:p>
+        </p:txBody>
+      </p:sp>
+      <p:cxnSp>
+        <p:nvCxnSpPr>
+          <p:cNvPr id="18" name="直線單箭頭接點 17"/>
+          <p:cNvCxnSpPr/>
+          <p:nvPr/>
+        </p:nvCxnSpPr>
+        <p:spPr>
+          <a:xfrm>
+            <a:off x="4724400" y="169071"/>
+            <a:ext cx="2696401" cy="0"/>
+          </a:xfrm>
+          <a:prstGeom prst="straightConnector1">
+            <a:avLst/>
+          </a:prstGeom>
+          <a:ln w="19050">
+            <a:headEnd type="triangle"/>
+            <a:tailEnd type="triangle"/>
+          </a:ln>
+        </p:spPr>
+        <p:style>
+          <a:lnRef idx="1">
+            <a:schemeClr val="accent1"/>
+          </a:lnRef>
+          <a:fillRef idx="0">
+            <a:schemeClr val="accent1"/>
+          </a:fillRef>
+          <a:effectRef idx="0">
+            <a:schemeClr val="accent1"/>
+          </a:effectRef>
+          <a:fontRef idx="minor">
+            <a:schemeClr val="tx1"/>
+          </a:fontRef>
+        </p:style>
+      </p:cxnSp>
+      <p:sp>
+        <p:nvSpPr>
+          <p:cNvPr id="19" name="矩形 18">
+            <a:extLst>
+              <a:ext uri="{FF2B5EF4-FFF2-40B4-BE49-F238E27FC236}">
+                <a16:creationId xmlns:a16="http://schemas.microsoft.com/office/drawing/2014/main" id="{5806C887-6AF6-734F-BA81-007EA40BB3E9}"/>
+              </a:ext>
+            </a:extLst>
+          </p:cNvPr>
+          <p:cNvSpPr/>
+          <p:nvPr/>
+        </p:nvSpPr>
+        <p:spPr>
+          <a:xfrm>
+            <a:off x="5234654" y="-49353"/>
+            <a:ext cx="1858201" cy="261610"/>
+          </a:xfrm>
+          <a:prstGeom prst="rect">
+            <a:avLst/>
+          </a:prstGeom>
+        </p:spPr>
+        <p:txBody>
+          <a:bodyPr wrap="none">
+            <a:spAutoFit/>
+          </a:bodyPr>
+          <a:lstStyle/>
+          <a:p>
+            <a:r>
+              <a:rPr lang="en-US" altLang="zh-TW" sz="1100" b="1" dirty="0" smtClean="0">
+                <a:latin typeface="Microsoft JhengHei" panose="020B0604030504040204" pitchFamily="34" charset="-120"/>
+                <a:ea typeface="Microsoft JhengHei" panose="020B0604030504040204" pitchFamily="34" charset="-120"/>
+              </a:rPr>
+              <a:t>18</a:t>
+            </a:r>
+            <a:r>
+              <a:rPr lang="zh-TW" altLang="en-US" sz="1100" b="1" dirty="0" smtClean="0">
+                <a:latin typeface="Microsoft JhengHei" panose="020B0604030504040204" pitchFamily="34" charset="-120"/>
+                <a:ea typeface="Microsoft JhengHei" panose="020B0604030504040204" pitchFamily="34" charset="-120"/>
+              </a:rPr>
+              <a:t>小時觀測</a:t>
+            </a:r>
+            <a:r>
+              <a:rPr lang="en-US" altLang="zh-TW" sz="1100" b="1" dirty="0" smtClean="0">
+                <a:latin typeface="Microsoft JhengHei" panose="020B0604030504040204" pitchFamily="34" charset="-120"/>
+                <a:ea typeface="Microsoft JhengHei" panose="020B0604030504040204" pitchFamily="34" charset="-120"/>
+              </a:rPr>
+              <a:t>${hour18}mm</a:t>
+            </a:r>
+            <a:endParaRPr lang="zh-TW" altLang="en-US" sz="1100" b="1" dirty="0">
+              <a:latin typeface="Microsoft JhengHei" panose="020B0604030504040204" pitchFamily="34" charset="-120"/>
+              <a:ea typeface="Microsoft JhengHei" panose="020B0604030504040204" pitchFamily="34" charset="-120"/>
+            </a:endParaRPr>
+          </a:p>
+        </p:txBody>
+      </p:sp>
+      <p:cxnSp>
+        <p:nvCxnSpPr>
+          <p:cNvPr id="20" name="直線單箭頭接點 19"/>
+          <p:cNvCxnSpPr/>
+          <p:nvPr/>
+        </p:nvCxnSpPr>
+        <p:spPr>
+          <a:xfrm flipV="1">
+            <a:off x="7420801" y="167366"/>
+            <a:ext cx="1418399" cy="1705"/>
+          </a:xfrm>
+          <a:prstGeom prst="straightConnector1">
+            <a:avLst/>
+          </a:prstGeom>
+          <a:ln>
+            <a:headEnd type="triangle"/>
+            <a:tailEnd type="triangle"/>
+          </a:ln>
+        </p:spPr>
+        <p:style>
+          <a:lnRef idx="1">
+            <a:schemeClr val="accent3"/>
+          </a:lnRef>
+          <a:fillRef idx="0">
+            <a:schemeClr val="accent3"/>
+          </a:fillRef>
+          <a:effectRef idx="0">
+            <a:schemeClr val="accent3"/>
+          </a:effectRef>
+          <a:fontRef idx="minor">
+            <a:schemeClr val="tx1"/>
+          </a:fontRef>
+        </p:style>
+      </p:cxnSp>
+      <p:sp>
+        <p:nvSpPr>
+          <p:cNvPr id="21" name="矩形 20">
+            <a:extLst>
+              <a:ext uri="{FF2B5EF4-FFF2-40B4-BE49-F238E27FC236}">
+                <a16:creationId xmlns:a16="http://schemas.microsoft.com/office/drawing/2014/main" id="{5806C887-6AF6-734F-BA81-007EA40BB3E9}"/>
+              </a:ext>
+            </a:extLst>
+          </p:cNvPr>
+          <p:cNvSpPr/>
+          <p:nvPr/>
+        </p:nvSpPr>
+        <p:spPr>
+          <a:xfrm>
+            <a:off x="7413181" y="-52397"/>
+            <a:ext cx="1691489" cy="261610"/>
+          </a:xfrm>
+          <a:prstGeom prst="rect">
+            <a:avLst/>
+          </a:prstGeom>
+        </p:spPr>
+        <p:txBody>
+          <a:bodyPr wrap="none">
+            <a:spAutoFit/>
+          </a:bodyPr>
+          <a:lstStyle/>
+          <a:p>
+            <a:r>
+              <a:rPr lang="en-US" altLang="zh-TW" sz="1100" b="1" dirty="0" smtClean="0">
+                <a:latin typeface="Microsoft JhengHei" panose="020B0604030504040204" pitchFamily="34" charset="-120"/>
+                <a:ea typeface="Microsoft JhengHei" panose="020B0604030504040204" pitchFamily="34" charset="-120"/>
+              </a:rPr>
+              <a:t>6</a:t>
+            </a:r>
+            <a:r>
+              <a:rPr lang="zh-TW" altLang="en-US" sz="1100" b="1" dirty="0" smtClean="0">
+                <a:latin typeface="Microsoft JhengHei" panose="020B0604030504040204" pitchFamily="34" charset="-120"/>
+                <a:ea typeface="Microsoft JhengHei" panose="020B0604030504040204" pitchFamily="34" charset="-120"/>
+              </a:rPr>
+              <a:t>小時預報</a:t>
+            </a:r>
+            <a:r>
+              <a:rPr lang="en-US" altLang="zh-TW" sz="1100" b="1" dirty="0" smtClean="0">
+                <a:latin typeface="Microsoft JhengHei" panose="020B0604030504040204" pitchFamily="34" charset="-120"/>
+                <a:ea typeface="Microsoft JhengHei" panose="020B0604030504040204" pitchFamily="34" charset="-120"/>
+              </a:rPr>
+              <a:t>${hour6}mm</a:t>
+            </a:r>
+            <a:endParaRPr lang="zh-TW" altLang="en-US" sz="1100" b="1" dirty="0">
+              <a:latin typeface="Microsoft JhengHei" panose="020B0604030504040204" pitchFamily="34" charset="-120"/>
+              <a:ea typeface="Microsoft JhengHei" panose="020B0604030504040204" pitchFamily="34" charset="-120"/>
+            </a:endParaRPr>
+          </a:p>
+        </p:txBody>
+      </p:sp>
+      <p:sp>
+        <p:nvSpPr>
+          <p:cNvPr id="22" name="矩形 21">
             <a:extLst>
               <a:ext uri="{FF2B5EF4-FFF2-40B4-BE49-F238E27FC236}">
                 <a16:creationId xmlns:a16="http://schemas.microsoft.com/office/drawing/2014/main" id="{39D7FE7C-3CEB-0A4C-845D-1ABD945B6111}"/>
@@ -8380,7 +13239,7 @@
         </p:nvSpPr>
         <p:spPr>
           <a:xfrm>
-            <a:off x="3396971" y="3383731"/>
+            <a:off x="3392388" y="3946201"/>
             <a:ext cx="1415772" cy="276999"/>
           </a:xfrm>
           <a:prstGeom prst="rect">
@@ -8416,7 +13275,7 @@
       </p:sp>
       <p:sp>
         <p:nvSpPr>
-          <p:cNvPr id="13" name="矩形 12">
+          <p:cNvPr id="23" name="矩形 22">
             <a:extLst>
               <a:ext uri="{FF2B5EF4-FFF2-40B4-BE49-F238E27FC236}">
                 <a16:creationId xmlns:a16="http://schemas.microsoft.com/office/drawing/2014/main" id="{5806C887-6AF6-734F-BA81-007EA40BB3E9}"/>
@@ -8428,7 +13287,7 @@
         </p:nvSpPr>
         <p:spPr>
           <a:xfrm>
-            <a:off x="3429000" y="691320"/>
+            <a:off x="3424417" y="1253790"/>
             <a:ext cx="1107996" cy="276999"/>
           </a:xfrm>
           <a:prstGeom prst="rect">
@@ -9222,7 +14081,7 @@
         </p:nvSpPr>
         <p:spPr>
           <a:xfrm>
-            <a:off x="3396971" y="3383731"/>
+            <a:off x="3392388" y="3946201"/>
             <a:ext cx="1415772" cy="276999"/>
           </a:xfrm>
           <a:prstGeom prst="rect">
@@ -9270,7 +14129,7 @@
         </p:nvSpPr>
         <p:spPr>
           <a:xfrm>
-            <a:off x="3429000" y="691320"/>
+            <a:off x="3424417" y="1253790"/>
             <a:ext cx="1107996" cy="276999"/>
           </a:xfrm>
           <a:prstGeom prst="rect">
@@ -9298,6 +14157,441 @@
               <a:t>熱點</a:t>
             </a:r>
             <a:endParaRPr lang="zh-TW" altLang="en-US" sz="1200" b="1" dirty="0">
+              <a:latin typeface="Microsoft JhengHei" panose="020B0604030504040204" pitchFamily="34" charset="-120"/>
+              <a:ea typeface="Microsoft JhengHei" panose="020B0604030504040204" pitchFamily="34" charset="-120"/>
+            </a:endParaRPr>
+          </a:p>
+        </p:txBody>
+      </p:sp>
+      <p:cxnSp>
+        <p:nvCxnSpPr>
+          <p:cNvPr id="6" name="直線接點 5"/>
+          <p:cNvCxnSpPr/>
+          <p:nvPr/>
+        </p:nvCxnSpPr>
+        <p:spPr>
+          <a:xfrm>
+            <a:off x="4724400" y="103635"/>
+            <a:ext cx="0" cy="133200"/>
+          </a:xfrm>
+          <a:prstGeom prst="line">
+            <a:avLst/>
+          </a:prstGeom>
+          <a:ln w="12700">
+            <a:solidFill>
+              <a:schemeClr val="tx1"/>
+            </a:solidFill>
+          </a:ln>
+        </p:spPr>
+        <p:style>
+          <a:lnRef idx="1">
+            <a:schemeClr val="accent1"/>
+          </a:lnRef>
+          <a:fillRef idx="0">
+            <a:schemeClr val="accent1"/>
+          </a:fillRef>
+          <a:effectRef idx="0">
+            <a:schemeClr val="accent1"/>
+          </a:effectRef>
+          <a:fontRef idx="minor">
+            <a:schemeClr val="tx1"/>
+          </a:fontRef>
+        </p:style>
+      </p:cxnSp>
+      <p:cxnSp>
+        <p:nvCxnSpPr>
+          <p:cNvPr id="14" name="直線接點 13"/>
+          <p:cNvCxnSpPr/>
+          <p:nvPr/>
+        </p:nvCxnSpPr>
+        <p:spPr>
+          <a:xfrm>
+            <a:off x="4724400" y="1164858"/>
+            <a:ext cx="0" cy="119921"/>
+          </a:xfrm>
+          <a:prstGeom prst="line">
+            <a:avLst/>
+          </a:prstGeom>
+          <a:ln w="12700">
+            <a:solidFill>
+              <a:schemeClr val="tx1"/>
+            </a:solidFill>
+          </a:ln>
+        </p:spPr>
+        <p:style>
+          <a:lnRef idx="1">
+            <a:schemeClr val="accent1"/>
+          </a:lnRef>
+          <a:fillRef idx="0">
+            <a:schemeClr val="accent1"/>
+          </a:fillRef>
+          <a:effectRef idx="0">
+            <a:schemeClr val="accent1"/>
+          </a:effectRef>
+          <a:fontRef idx="minor">
+            <a:schemeClr val="tx1"/>
+          </a:fontRef>
+        </p:style>
+      </p:cxnSp>
+      <p:cxnSp>
+        <p:nvCxnSpPr>
+          <p:cNvPr id="19" name="直線接點 18"/>
+          <p:cNvCxnSpPr/>
+          <p:nvPr/>
+        </p:nvCxnSpPr>
+        <p:spPr>
+          <a:xfrm>
+            <a:off x="8839200" y="1145193"/>
+            <a:ext cx="0" cy="119921"/>
+          </a:xfrm>
+          <a:prstGeom prst="line">
+            <a:avLst/>
+          </a:prstGeom>
+          <a:ln w="12700">
+            <a:solidFill>
+              <a:schemeClr val="tx1"/>
+            </a:solidFill>
+          </a:ln>
+        </p:spPr>
+        <p:style>
+          <a:lnRef idx="1">
+            <a:schemeClr val="accent1"/>
+          </a:lnRef>
+          <a:fillRef idx="0">
+            <a:schemeClr val="accent1"/>
+          </a:fillRef>
+          <a:effectRef idx="0">
+            <a:schemeClr val="accent1"/>
+          </a:effectRef>
+          <a:fontRef idx="minor">
+            <a:schemeClr val="tx1"/>
+          </a:fontRef>
+        </p:style>
+      </p:cxnSp>
+      <p:cxnSp>
+        <p:nvCxnSpPr>
+          <p:cNvPr id="20" name="直線接點 19"/>
+          <p:cNvCxnSpPr/>
+          <p:nvPr/>
+        </p:nvCxnSpPr>
+        <p:spPr>
+          <a:xfrm>
+            <a:off x="8839200" y="119979"/>
+            <a:ext cx="0" cy="133200"/>
+          </a:xfrm>
+          <a:prstGeom prst="line">
+            <a:avLst/>
+          </a:prstGeom>
+          <a:ln w="12700">
+            <a:solidFill>
+              <a:schemeClr val="tx1"/>
+            </a:solidFill>
+          </a:ln>
+        </p:spPr>
+        <p:style>
+          <a:lnRef idx="1">
+            <a:schemeClr val="accent1"/>
+          </a:lnRef>
+          <a:fillRef idx="0">
+            <a:schemeClr val="accent1"/>
+          </a:fillRef>
+          <a:effectRef idx="0">
+            <a:schemeClr val="accent1"/>
+          </a:effectRef>
+          <a:fontRef idx="minor">
+            <a:schemeClr val="tx1"/>
+          </a:fontRef>
+        </p:style>
+      </p:cxnSp>
+      <p:cxnSp>
+        <p:nvCxnSpPr>
+          <p:cNvPr id="21" name="直線接點 20"/>
+          <p:cNvCxnSpPr/>
+          <p:nvPr/>
+        </p:nvCxnSpPr>
+        <p:spPr>
+          <a:xfrm>
+            <a:off x="7420801" y="102471"/>
+            <a:ext cx="0" cy="133200"/>
+          </a:xfrm>
+          <a:prstGeom prst="line">
+            <a:avLst/>
+          </a:prstGeom>
+          <a:ln w="12700">
+            <a:solidFill>
+              <a:schemeClr val="tx1"/>
+            </a:solidFill>
+          </a:ln>
+        </p:spPr>
+        <p:style>
+          <a:lnRef idx="1">
+            <a:schemeClr val="accent1"/>
+          </a:lnRef>
+          <a:fillRef idx="0">
+            <a:schemeClr val="accent1"/>
+          </a:fillRef>
+          <a:effectRef idx="0">
+            <a:schemeClr val="accent1"/>
+          </a:effectRef>
+          <a:fontRef idx="minor">
+            <a:schemeClr val="tx1"/>
+          </a:fontRef>
+        </p:style>
+      </p:cxnSp>
+      <p:cxnSp>
+        <p:nvCxnSpPr>
+          <p:cNvPr id="16" name="直線單箭頭接點 15"/>
+          <p:cNvCxnSpPr/>
+          <p:nvPr/>
+        </p:nvCxnSpPr>
+        <p:spPr>
+          <a:xfrm flipV="1">
+            <a:off x="4724400" y="1206318"/>
+            <a:ext cx="4114800" cy="13321"/>
+          </a:xfrm>
+          <a:prstGeom prst="straightConnector1">
+            <a:avLst/>
+          </a:prstGeom>
+          <a:ln w="19050">
+            <a:headEnd type="triangle"/>
+            <a:tailEnd type="triangle"/>
+          </a:ln>
+        </p:spPr>
+        <p:style>
+          <a:lnRef idx="1">
+            <a:schemeClr val="accent1"/>
+          </a:lnRef>
+          <a:fillRef idx="0">
+            <a:schemeClr val="accent1"/>
+          </a:fillRef>
+          <a:effectRef idx="0">
+            <a:schemeClr val="accent1"/>
+          </a:effectRef>
+          <a:fontRef idx="minor">
+            <a:schemeClr val="tx1"/>
+          </a:fontRef>
+        </p:style>
+      </p:cxnSp>
+      <p:sp>
+        <p:nvSpPr>
+          <p:cNvPr id="25" name="矩形 24">
+            <a:extLst>
+              <a:ext uri="{FF2B5EF4-FFF2-40B4-BE49-F238E27FC236}">
+                <a16:creationId xmlns:a16="http://schemas.microsoft.com/office/drawing/2014/main" id="{5806C887-6AF6-734F-BA81-007EA40BB3E9}"/>
+              </a:ext>
+            </a:extLst>
+          </p:cNvPr>
+          <p:cNvSpPr/>
+          <p:nvPr/>
+        </p:nvSpPr>
+        <p:spPr>
+          <a:xfrm>
+            <a:off x="6264815" y="1194532"/>
+            <a:ext cx="1409360" cy="261610"/>
+          </a:xfrm>
+          <a:prstGeom prst="rect">
+            <a:avLst/>
+          </a:prstGeom>
+        </p:spPr>
+        <p:txBody>
+          <a:bodyPr wrap="none">
+            <a:spAutoFit/>
+          </a:bodyPr>
+          <a:lstStyle/>
+          <a:p>
+            <a:r>
+              <a:rPr lang="zh-TW" altLang="en-US" sz="1100" b="1" dirty="0" smtClean="0">
+                <a:latin typeface="Microsoft JhengHei" panose="020B0604030504040204" pitchFamily="34" charset="-120"/>
+                <a:ea typeface="Microsoft JhengHei" panose="020B0604030504040204" pitchFamily="34" charset="-120"/>
+              </a:rPr>
+              <a:t>合計</a:t>
+            </a:r>
+            <a:r>
+              <a:rPr lang="en-US" altLang="zh-TW" sz="1100" b="1" dirty="0" smtClean="0">
+                <a:latin typeface="Microsoft JhengHei" panose="020B0604030504040204" pitchFamily="34" charset="-120"/>
+                <a:ea typeface="Microsoft JhengHei" panose="020B0604030504040204" pitchFamily="34" charset="-120"/>
+              </a:rPr>
+              <a:t>${hour24}mm</a:t>
+            </a:r>
+            <a:endParaRPr lang="zh-TW" altLang="en-US" sz="1100" b="1" dirty="0">
+              <a:latin typeface="Microsoft JhengHei" panose="020B0604030504040204" pitchFamily="34" charset="-120"/>
+              <a:ea typeface="Microsoft JhengHei" panose="020B0604030504040204" pitchFamily="34" charset="-120"/>
+            </a:endParaRPr>
+          </a:p>
+        </p:txBody>
+      </p:sp>
+      <p:cxnSp>
+        <p:nvCxnSpPr>
+          <p:cNvPr id="26" name="直線單箭頭接點 25"/>
+          <p:cNvCxnSpPr/>
+          <p:nvPr/>
+        </p:nvCxnSpPr>
+        <p:spPr>
+          <a:xfrm>
+            <a:off x="4724400" y="169071"/>
+            <a:ext cx="2696401" cy="0"/>
+          </a:xfrm>
+          <a:prstGeom prst="straightConnector1">
+            <a:avLst/>
+          </a:prstGeom>
+          <a:ln w="19050">
+            <a:headEnd type="triangle"/>
+            <a:tailEnd type="triangle"/>
+          </a:ln>
+        </p:spPr>
+        <p:style>
+          <a:lnRef idx="1">
+            <a:schemeClr val="accent1"/>
+          </a:lnRef>
+          <a:fillRef idx="0">
+            <a:schemeClr val="accent1"/>
+          </a:fillRef>
+          <a:effectRef idx="0">
+            <a:schemeClr val="accent1"/>
+          </a:effectRef>
+          <a:fontRef idx="minor">
+            <a:schemeClr val="tx1"/>
+          </a:fontRef>
+        </p:style>
+      </p:cxnSp>
+      <p:sp>
+        <p:nvSpPr>
+          <p:cNvPr id="29" name="矩形 28">
+            <a:extLst>
+              <a:ext uri="{FF2B5EF4-FFF2-40B4-BE49-F238E27FC236}">
+                <a16:creationId xmlns:a16="http://schemas.microsoft.com/office/drawing/2014/main" id="{5806C887-6AF6-734F-BA81-007EA40BB3E9}"/>
+              </a:ext>
+            </a:extLst>
+          </p:cNvPr>
+          <p:cNvSpPr/>
+          <p:nvPr/>
+        </p:nvSpPr>
+        <p:spPr>
+          <a:xfrm>
+            <a:off x="5234654" y="-49353"/>
+            <a:ext cx="1858201" cy="261610"/>
+          </a:xfrm>
+          <a:prstGeom prst="rect">
+            <a:avLst/>
+          </a:prstGeom>
+        </p:spPr>
+        <p:txBody>
+          <a:bodyPr wrap="none">
+            <a:spAutoFit/>
+          </a:bodyPr>
+          <a:lstStyle/>
+          <a:p>
+            <a:r>
+              <a:rPr lang="en-US" altLang="zh-TW" sz="1100" b="1" dirty="0" smtClean="0">
+                <a:latin typeface="Microsoft JhengHei" panose="020B0604030504040204" pitchFamily="34" charset="-120"/>
+                <a:ea typeface="Microsoft JhengHei" panose="020B0604030504040204" pitchFamily="34" charset="-120"/>
+              </a:rPr>
+              <a:t>18</a:t>
+            </a:r>
+            <a:r>
+              <a:rPr lang="zh-TW" altLang="en-US" sz="1100" b="1" dirty="0" smtClean="0">
+                <a:latin typeface="Microsoft JhengHei" panose="020B0604030504040204" pitchFamily="34" charset="-120"/>
+                <a:ea typeface="Microsoft JhengHei" panose="020B0604030504040204" pitchFamily="34" charset="-120"/>
+              </a:rPr>
+              <a:t>小時觀測</a:t>
+            </a:r>
+            <a:r>
+              <a:rPr lang="en-US" altLang="zh-TW" sz="1100" b="1" dirty="0" smtClean="0">
+                <a:latin typeface="Microsoft JhengHei" panose="020B0604030504040204" pitchFamily="34" charset="-120"/>
+                <a:ea typeface="Microsoft JhengHei" panose="020B0604030504040204" pitchFamily="34" charset="-120"/>
+              </a:rPr>
+              <a:t>${hour18}mm</a:t>
+            </a:r>
+            <a:endParaRPr lang="zh-TW" altLang="en-US" sz="1100" b="1" dirty="0">
+              <a:latin typeface="Microsoft JhengHei" panose="020B0604030504040204" pitchFamily="34" charset="-120"/>
+              <a:ea typeface="Microsoft JhengHei" panose="020B0604030504040204" pitchFamily="34" charset="-120"/>
+            </a:endParaRPr>
+          </a:p>
+        </p:txBody>
+      </p:sp>
+      <p:cxnSp>
+        <p:nvCxnSpPr>
+          <p:cNvPr id="31" name="直線單箭頭接點 30"/>
+          <p:cNvCxnSpPr/>
+          <p:nvPr/>
+        </p:nvCxnSpPr>
+        <p:spPr>
+          <a:xfrm flipV="1">
+            <a:off x="7420801" y="167366"/>
+            <a:ext cx="1418399" cy="1705"/>
+          </a:xfrm>
+          <a:prstGeom prst="straightConnector1">
+            <a:avLst/>
+          </a:prstGeom>
+          <a:ln>
+            <a:headEnd type="triangle"/>
+            <a:tailEnd type="triangle"/>
+          </a:ln>
+        </p:spPr>
+        <p:style>
+          <a:lnRef idx="1">
+            <a:schemeClr val="accent3"/>
+          </a:lnRef>
+          <a:fillRef idx="0">
+            <a:schemeClr val="accent3"/>
+          </a:fillRef>
+          <a:effectRef idx="0">
+            <a:schemeClr val="accent3"/>
+          </a:effectRef>
+          <a:fontRef idx="minor">
+            <a:schemeClr val="tx1"/>
+          </a:fontRef>
+        </p:style>
+      </p:cxnSp>
+      <p:sp>
+        <p:nvSpPr>
+          <p:cNvPr id="35" name="矩形 34">
+            <a:extLst>
+              <a:ext uri="{FF2B5EF4-FFF2-40B4-BE49-F238E27FC236}">
+                <a16:creationId xmlns:a16="http://schemas.microsoft.com/office/drawing/2014/main" id="{5806C887-6AF6-734F-BA81-007EA40BB3E9}"/>
+              </a:ext>
+            </a:extLst>
+          </p:cNvPr>
+          <p:cNvSpPr/>
+          <p:nvPr/>
+        </p:nvSpPr>
+        <p:spPr>
+          <a:xfrm>
+            <a:off x="7413181" y="-52397"/>
+            <a:ext cx="1691489" cy="261610"/>
+          </a:xfrm>
+          <a:prstGeom prst="rect">
+            <a:avLst/>
+          </a:prstGeom>
+        </p:spPr>
+        <p:txBody>
+          <a:bodyPr wrap="none">
+            <a:spAutoFit/>
+          </a:bodyPr>
+          <a:lstStyle/>
+          <a:p>
+            <a:r>
+              <a:rPr lang="en-US" altLang="zh-TW" sz="1100" b="1" dirty="0" smtClean="0">
+                <a:latin typeface="Microsoft JhengHei" panose="020B0604030504040204" pitchFamily="34" charset="-120"/>
+                <a:ea typeface="Microsoft JhengHei" panose="020B0604030504040204" pitchFamily="34" charset="-120"/>
+              </a:rPr>
+              <a:t>6</a:t>
+            </a:r>
+            <a:r>
+              <a:rPr lang="zh-TW" altLang="en-US" sz="1100" b="1" dirty="0" smtClean="0">
+                <a:latin typeface="Microsoft JhengHei" panose="020B0604030504040204" pitchFamily="34" charset="-120"/>
+                <a:ea typeface="Microsoft JhengHei" panose="020B0604030504040204" pitchFamily="34" charset="-120"/>
+              </a:rPr>
+              <a:t>小時預報</a:t>
+            </a:r>
+            <a:r>
+              <a:rPr lang="en-US" altLang="zh-TW" sz="1100" b="1" dirty="0" smtClean="0">
+                <a:latin typeface="Microsoft JhengHei" panose="020B0604030504040204" pitchFamily="34" charset="-120"/>
+                <a:ea typeface="Microsoft JhengHei" panose="020B0604030504040204" pitchFamily="34" charset="-120"/>
+              </a:rPr>
+              <a:t>${hour6}mm</a:t>
+            </a:r>
+            <a:endParaRPr lang="zh-TW" altLang="en-US" sz="1100" b="1" dirty="0">
               <a:latin typeface="Microsoft JhengHei" panose="020B0604030504040204" pitchFamily="34" charset="-120"/>
               <a:ea typeface="Microsoft JhengHei" panose="020B0604030504040204" pitchFamily="34" charset="-120"/>
             </a:endParaRPr>
@@ -9638,9 +14932,444 @@
           </a:p>
         </p:txBody>
       </p:sp>
-      <p:sp>
-        <p:nvSpPr>
-          <p:cNvPr id="13" name="矩形 12">
+      <p:cxnSp>
+        <p:nvCxnSpPr>
+          <p:cNvPr id="10" name="直線接點 9"/>
+          <p:cNvCxnSpPr/>
+          <p:nvPr/>
+        </p:nvCxnSpPr>
+        <p:spPr>
+          <a:xfrm>
+            <a:off x="4724400" y="103635"/>
+            <a:ext cx="0" cy="133200"/>
+          </a:xfrm>
+          <a:prstGeom prst="line">
+            <a:avLst/>
+          </a:prstGeom>
+          <a:ln w="12700">
+            <a:solidFill>
+              <a:schemeClr val="tx1"/>
+            </a:solidFill>
+          </a:ln>
+        </p:spPr>
+        <p:style>
+          <a:lnRef idx="1">
+            <a:schemeClr val="accent1"/>
+          </a:lnRef>
+          <a:fillRef idx="0">
+            <a:schemeClr val="accent1"/>
+          </a:fillRef>
+          <a:effectRef idx="0">
+            <a:schemeClr val="accent1"/>
+          </a:effectRef>
+          <a:fontRef idx="minor">
+            <a:schemeClr val="tx1"/>
+          </a:fontRef>
+        </p:style>
+      </p:cxnSp>
+      <p:cxnSp>
+        <p:nvCxnSpPr>
+          <p:cNvPr id="11" name="直線接點 10"/>
+          <p:cNvCxnSpPr/>
+          <p:nvPr/>
+        </p:nvCxnSpPr>
+        <p:spPr>
+          <a:xfrm>
+            <a:off x="4724400" y="1164858"/>
+            <a:ext cx="0" cy="119921"/>
+          </a:xfrm>
+          <a:prstGeom prst="line">
+            <a:avLst/>
+          </a:prstGeom>
+          <a:ln w="12700">
+            <a:solidFill>
+              <a:schemeClr val="tx1"/>
+            </a:solidFill>
+          </a:ln>
+        </p:spPr>
+        <p:style>
+          <a:lnRef idx="1">
+            <a:schemeClr val="accent1"/>
+          </a:lnRef>
+          <a:fillRef idx="0">
+            <a:schemeClr val="accent1"/>
+          </a:fillRef>
+          <a:effectRef idx="0">
+            <a:schemeClr val="accent1"/>
+          </a:effectRef>
+          <a:fontRef idx="minor">
+            <a:schemeClr val="tx1"/>
+          </a:fontRef>
+        </p:style>
+      </p:cxnSp>
+      <p:cxnSp>
+        <p:nvCxnSpPr>
+          <p:cNvPr id="12" name="直線接點 11"/>
+          <p:cNvCxnSpPr/>
+          <p:nvPr/>
+        </p:nvCxnSpPr>
+        <p:spPr>
+          <a:xfrm>
+            <a:off x="8839200" y="1145193"/>
+            <a:ext cx="0" cy="119921"/>
+          </a:xfrm>
+          <a:prstGeom prst="line">
+            <a:avLst/>
+          </a:prstGeom>
+          <a:ln w="12700">
+            <a:solidFill>
+              <a:schemeClr val="tx1"/>
+            </a:solidFill>
+          </a:ln>
+        </p:spPr>
+        <p:style>
+          <a:lnRef idx="1">
+            <a:schemeClr val="accent1"/>
+          </a:lnRef>
+          <a:fillRef idx="0">
+            <a:schemeClr val="accent1"/>
+          </a:fillRef>
+          <a:effectRef idx="0">
+            <a:schemeClr val="accent1"/>
+          </a:effectRef>
+          <a:fontRef idx="minor">
+            <a:schemeClr val="tx1"/>
+          </a:fontRef>
+        </p:style>
+      </p:cxnSp>
+      <p:cxnSp>
+        <p:nvCxnSpPr>
+          <p:cNvPr id="15" name="直線接點 14"/>
+          <p:cNvCxnSpPr/>
+          <p:nvPr/>
+        </p:nvCxnSpPr>
+        <p:spPr>
+          <a:xfrm>
+            <a:off x="8839200" y="119979"/>
+            <a:ext cx="0" cy="133200"/>
+          </a:xfrm>
+          <a:prstGeom prst="line">
+            <a:avLst/>
+          </a:prstGeom>
+          <a:ln w="12700">
+            <a:solidFill>
+              <a:schemeClr val="tx1"/>
+            </a:solidFill>
+          </a:ln>
+        </p:spPr>
+        <p:style>
+          <a:lnRef idx="1">
+            <a:schemeClr val="accent1"/>
+          </a:lnRef>
+          <a:fillRef idx="0">
+            <a:schemeClr val="accent1"/>
+          </a:fillRef>
+          <a:effectRef idx="0">
+            <a:schemeClr val="accent1"/>
+          </a:effectRef>
+          <a:fontRef idx="minor">
+            <a:schemeClr val="tx1"/>
+          </a:fontRef>
+        </p:style>
+      </p:cxnSp>
+      <p:cxnSp>
+        <p:nvCxnSpPr>
+          <p:cNvPr id="16" name="直線接點 15"/>
+          <p:cNvCxnSpPr/>
+          <p:nvPr/>
+        </p:nvCxnSpPr>
+        <p:spPr>
+          <a:xfrm>
+            <a:off x="7420801" y="102471"/>
+            <a:ext cx="0" cy="133200"/>
+          </a:xfrm>
+          <a:prstGeom prst="line">
+            <a:avLst/>
+          </a:prstGeom>
+          <a:ln w="12700">
+            <a:solidFill>
+              <a:schemeClr val="tx1"/>
+            </a:solidFill>
+          </a:ln>
+        </p:spPr>
+        <p:style>
+          <a:lnRef idx="1">
+            <a:schemeClr val="accent1"/>
+          </a:lnRef>
+          <a:fillRef idx="0">
+            <a:schemeClr val="accent1"/>
+          </a:fillRef>
+          <a:effectRef idx="0">
+            <a:schemeClr val="accent1"/>
+          </a:effectRef>
+          <a:fontRef idx="minor">
+            <a:schemeClr val="tx1"/>
+          </a:fontRef>
+        </p:style>
+      </p:cxnSp>
+      <p:cxnSp>
+        <p:nvCxnSpPr>
+          <p:cNvPr id="17" name="直線單箭頭接點 16"/>
+          <p:cNvCxnSpPr/>
+          <p:nvPr/>
+        </p:nvCxnSpPr>
+        <p:spPr>
+          <a:xfrm flipV="1">
+            <a:off x="4724400" y="1206318"/>
+            <a:ext cx="4114800" cy="13321"/>
+          </a:xfrm>
+          <a:prstGeom prst="straightConnector1">
+            <a:avLst/>
+          </a:prstGeom>
+          <a:ln w="19050">
+            <a:headEnd type="triangle"/>
+            <a:tailEnd type="triangle"/>
+          </a:ln>
+        </p:spPr>
+        <p:style>
+          <a:lnRef idx="1">
+            <a:schemeClr val="accent1"/>
+          </a:lnRef>
+          <a:fillRef idx="0">
+            <a:schemeClr val="accent1"/>
+          </a:fillRef>
+          <a:effectRef idx="0">
+            <a:schemeClr val="accent1"/>
+          </a:effectRef>
+          <a:fontRef idx="minor">
+            <a:schemeClr val="tx1"/>
+          </a:fontRef>
+        </p:style>
+      </p:cxnSp>
+      <p:sp>
+        <p:nvSpPr>
+          <p:cNvPr id="18" name="矩形 17">
+            <a:extLst>
+              <a:ext uri="{FF2B5EF4-FFF2-40B4-BE49-F238E27FC236}">
+                <a16:creationId xmlns:a16="http://schemas.microsoft.com/office/drawing/2014/main" id="{5806C887-6AF6-734F-BA81-007EA40BB3E9}"/>
+              </a:ext>
+            </a:extLst>
+          </p:cNvPr>
+          <p:cNvSpPr/>
+          <p:nvPr/>
+        </p:nvSpPr>
+        <p:spPr>
+          <a:xfrm>
+            <a:off x="6264815" y="1194532"/>
+            <a:ext cx="1409360" cy="261610"/>
+          </a:xfrm>
+          <a:prstGeom prst="rect">
+            <a:avLst/>
+          </a:prstGeom>
+        </p:spPr>
+        <p:txBody>
+          <a:bodyPr wrap="none">
+            <a:spAutoFit/>
+          </a:bodyPr>
+          <a:lstStyle/>
+          <a:p>
+            <a:r>
+              <a:rPr lang="zh-TW" altLang="en-US" sz="1100" b="1" dirty="0" smtClean="0">
+                <a:latin typeface="Microsoft JhengHei" panose="020B0604030504040204" pitchFamily="34" charset="-120"/>
+                <a:ea typeface="Microsoft JhengHei" panose="020B0604030504040204" pitchFamily="34" charset="-120"/>
+              </a:rPr>
+              <a:t>合計</a:t>
+            </a:r>
+            <a:r>
+              <a:rPr lang="en-US" altLang="zh-TW" sz="1100" b="1" dirty="0" smtClean="0">
+                <a:latin typeface="Microsoft JhengHei" panose="020B0604030504040204" pitchFamily="34" charset="-120"/>
+                <a:ea typeface="Microsoft JhengHei" panose="020B0604030504040204" pitchFamily="34" charset="-120"/>
+              </a:rPr>
+              <a:t>${hour24}mm</a:t>
+            </a:r>
+            <a:endParaRPr lang="zh-TW" altLang="en-US" sz="1100" b="1" dirty="0">
+              <a:latin typeface="Microsoft JhengHei" panose="020B0604030504040204" pitchFamily="34" charset="-120"/>
+              <a:ea typeface="Microsoft JhengHei" panose="020B0604030504040204" pitchFamily="34" charset="-120"/>
+            </a:endParaRPr>
+          </a:p>
+        </p:txBody>
+      </p:sp>
+      <p:cxnSp>
+        <p:nvCxnSpPr>
+          <p:cNvPr id="19" name="直線單箭頭接點 18"/>
+          <p:cNvCxnSpPr/>
+          <p:nvPr/>
+        </p:nvCxnSpPr>
+        <p:spPr>
+          <a:xfrm>
+            <a:off x="4724400" y="169071"/>
+            <a:ext cx="2696401" cy="0"/>
+          </a:xfrm>
+          <a:prstGeom prst="straightConnector1">
+            <a:avLst/>
+          </a:prstGeom>
+          <a:ln w="19050">
+            <a:headEnd type="triangle"/>
+            <a:tailEnd type="triangle"/>
+          </a:ln>
+        </p:spPr>
+        <p:style>
+          <a:lnRef idx="1">
+            <a:schemeClr val="accent1"/>
+          </a:lnRef>
+          <a:fillRef idx="0">
+            <a:schemeClr val="accent1"/>
+          </a:fillRef>
+          <a:effectRef idx="0">
+            <a:schemeClr val="accent1"/>
+          </a:effectRef>
+          <a:fontRef idx="minor">
+            <a:schemeClr val="tx1"/>
+          </a:fontRef>
+        </p:style>
+      </p:cxnSp>
+      <p:sp>
+        <p:nvSpPr>
+          <p:cNvPr id="20" name="矩形 19">
+            <a:extLst>
+              <a:ext uri="{FF2B5EF4-FFF2-40B4-BE49-F238E27FC236}">
+                <a16:creationId xmlns:a16="http://schemas.microsoft.com/office/drawing/2014/main" id="{5806C887-6AF6-734F-BA81-007EA40BB3E9}"/>
+              </a:ext>
+            </a:extLst>
+          </p:cNvPr>
+          <p:cNvSpPr/>
+          <p:nvPr/>
+        </p:nvSpPr>
+        <p:spPr>
+          <a:xfrm>
+            <a:off x="5234654" y="-49353"/>
+            <a:ext cx="1858201" cy="261610"/>
+          </a:xfrm>
+          <a:prstGeom prst="rect">
+            <a:avLst/>
+          </a:prstGeom>
+        </p:spPr>
+        <p:txBody>
+          <a:bodyPr wrap="none">
+            <a:spAutoFit/>
+          </a:bodyPr>
+          <a:lstStyle/>
+          <a:p>
+            <a:r>
+              <a:rPr lang="en-US" altLang="zh-TW" sz="1100" b="1" dirty="0" smtClean="0">
+                <a:latin typeface="Microsoft JhengHei" panose="020B0604030504040204" pitchFamily="34" charset="-120"/>
+                <a:ea typeface="Microsoft JhengHei" panose="020B0604030504040204" pitchFamily="34" charset="-120"/>
+              </a:rPr>
+              <a:t>18</a:t>
+            </a:r>
+            <a:r>
+              <a:rPr lang="zh-TW" altLang="en-US" sz="1100" b="1" dirty="0" smtClean="0">
+                <a:latin typeface="Microsoft JhengHei" panose="020B0604030504040204" pitchFamily="34" charset="-120"/>
+                <a:ea typeface="Microsoft JhengHei" panose="020B0604030504040204" pitchFamily="34" charset="-120"/>
+              </a:rPr>
+              <a:t>小時觀測</a:t>
+            </a:r>
+            <a:r>
+              <a:rPr lang="en-US" altLang="zh-TW" sz="1100" b="1" dirty="0" smtClean="0">
+                <a:latin typeface="Microsoft JhengHei" panose="020B0604030504040204" pitchFamily="34" charset="-120"/>
+                <a:ea typeface="Microsoft JhengHei" panose="020B0604030504040204" pitchFamily="34" charset="-120"/>
+              </a:rPr>
+              <a:t>${hour18}mm</a:t>
+            </a:r>
+            <a:endParaRPr lang="zh-TW" altLang="en-US" sz="1100" b="1" dirty="0">
+              <a:latin typeface="Microsoft JhengHei" panose="020B0604030504040204" pitchFamily="34" charset="-120"/>
+              <a:ea typeface="Microsoft JhengHei" panose="020B0604030504040204" pitchFamily="34" charset="-120"/>
+            </a:endParaRPr>
+          </a:p>
+        </p:txBody>
+      </p:sp>
+      <p:cxnSp>
+        <p:nvCxnSpPr>
+          <p:cNvPr id="22" name="直線單箭頭接點 21"/>
+          <p:cNvCxnSpPr/>
+          <p:nvPr/>
+        </p:nvCxnSpPr>
+        <p:spPr>
+          <a:xfrm flipV="1">
+            <a:off x="7420801" y="167366"/>
+            <a:ext cx="1418399" cy="1705"/>
+          </a:xfrm>
+          <a:prstGeom prst="straightConnector1">
+            <a:avLst/>
+          </a:prstGeom>
+          <a:ln>
+            <a:headEnd type="triangle"/>
+            <a:tailEnd type="triangle"/>
+          </a:ln>
+        </p:spPr>
+        <p:style>
+          <a:lnRef idx="1">
+            <a:schemeClr val="accent3"/>
+          </a:lnRef>
+          <a:fillRef idx="0">
+            <a:schemeClr val="accent3"/>
+          </a:fillRef>
+          <a:effectRef idx="0">
+            <a:schemeClr val="accent3"/>
+          </a:effectRef>
+          <a:fontRef idx="minor">
+            <a:schemeClr val="tx1"/>
+          </a:fontRef>
+        </p:style>
+      </p:cxnSp>
+      <p:sp>
+        <p:nvSpPr>
+          <p:cNvPr id="23" name="矩形 22">
+            <a:extLst>
+              <a:ext uri="{FF2B5EF4-FFF2-40B4-BE49-F238E27FC236}">
+                <a16:creationId xmlns:a16="http://schemas.microsoft.com/office/drawing/2014/main" id="{5806C887-6AF6-734F-BA81-007EA40BB3E9}"/>
+              </a:ext>
+            </a:extLst>
+          </p:cNvPr>
+          <p:cNvSpPr/>
+          <p:nvPr/>
+        </p:nvSpPr>
+        <p:spPr>
+          <a:xfrm>
+            <a:off x="7413181" y="-52397"/>
+            <a:ext cx="1691489" cy="261610"/>
+          </a:xfrm>
+          <a:prstGeom prst="rect">
+            <a:avLst/>
+          </a:prstGeom>
+        </p:spPr>
+        <p:txBody>
+          <a:bodyPr wrap="none">
+            <a:spAutoFit/>
+          </a:bodyPr>
+          <a:lstStyle/>
+          <a:p>
+            <a:r>
+              <a:rPr lang="en-US" altLang="zh-TW" sz="1100" b="1" dirty="0" smtClean="0">
+                <a:latin typeface="Microsoft JhengHei" panose="020B0604030504040204" pitchFamily="34" charset="-120"/>
+                <a:ea typeface="Microsoft JhengHei" panose="020B0604030504040204" pitchFamily="34" charset="-120"/>
+              </a:rPr>
+              <a:t>6</a:t>
+            </a:r>
+            <a:r>
+              <a:rPr lang="zh-TW" altLang="en-US" sz="1100" b="1" dirty="0" smtClean="0">
+                <a:latin typeface="Microsoft JhengHei" panose="020B0604030504040204" pitchFamily="34" charset="-120"/>
+                <a:ea typeface="Microsoft JhengHei" panose="020B0604030504040204" pitchFamily="34" charset="-120"/>
+              </a:rPr>
+              <a:t>小時預報</a:t>
+            </a:r>
+            <a:r>
+              <a:rPr lang="en-US" altLang="zh-TW" sz="1100" b="1" dirty="0" smtClean="0">
+                <a:latin typeface="Microsoft JhengHei" panose="020B0604030504040204" pitchFamily="34" charset="-120"/>
+                <a:ea typeface="Microsoft JhengHei" panose="020B0604030504040204" pitchFamily="34" charset="-120"/>
+              </a:rPr>
+              <a:t>${hour6}mm</a:t>
+            </a:r>
+            <a:endParaRPr lang="zh-TW" altLang="en-US" sz="1100" b="1" dirty="0">
+              <a:latin typeface="Microsoft JhengHei" panose="020B0604030504040204" pitchFamily="34" charset="-120"/>
+              <a:ea typeface="Microsoft JhengHei" panose="020B0604030504040204" pitchFamily="34" charset="-120"/>
+            </a:endParaRPr>
+          </a:p>
+        </p:txBody>
+      </p:sp>
+      <p:sp>
+        <p:nvSpPr>
+          <p:cNvPr id="24" name="矩形 23">
             <a:extLst>
               <a:ext uri="{FF2B5EF4-FFF2-40B4-BE49-F238E27FC236}">
                 <a16:creationId xmlns:a16="http://schemas.microsoft.com/office/drawing/2014/main" id="{39D7FE7C-3CEB-0A4C-845D-1ABD945B6111}"/>
@@ -9652,7 +15381,7 @@
         </p:nvSpPr>
         <p:spPr>
           <a:xfrm>
-            <a:off x="3396971" y="3383731"/>
+            <a:off x="3392388" y="3946201"/>
             <a:ext cx="1415772" cy="276999"/>
           </a:xfrm>
           <a:prstGeom prst="rect">
@@ -9688,7 +15417,7 @@
       </p:sp>
       <p:sp>
         <p:nvSpPr>
-          <p:cNvPr id="14" name="矩形 13">
+          <p:cNvPr id="25" name="矩形 24">
             <a:extLst>
               <a:ext uri="{FF2B5EF4-FFF2-40B4-BE49-F238E27FC236}">
                 <a16:creationId xmlns:a16="http://schemas.microsoft.com/office/drawing/2014/main" id="{5806C887-6AF6-734F-BA81-007EA40BB3E9}"/>
@@ -9700,7 +15429,7 @@
         </p:nvSpPr>
         <p:spPr>
           <a:xfrm>
-            <a:off x="3429000" y="691320"/>
+            <a:off x="3424417" y="1253790"/>
             <a:ext cx="1107996" cy="276999"/>
           </a:xfrm>
           <a:prstGeom prst="rect">
@@ -10061,9 +15790,444 @@
           </a:p>
         </p:txBody>
       </p:sp>
-      <p:sp>
-        <p:nvSpPr>
-          <p:cNvPr id="12" name="矩形 11">
+      <p:cxnSp>
+        <p:nvCxnSpPr>
+          <p:cNvPr id="9" name="直線接點 8"/>
+          <p:cNvCxnSpPr/>
+          <p:nvPr/>
+        </p:nvCxnSpPr>
+        <p:spPr>
+          <a:xfrm>
+            <a:off x="4724400" y="103635"/>
+            <a:ext cx="0" cy="133200"/>
+          </a:xfrm>
+          <a:prstGeom prst="line">
+            <a:avLst/>
+          </a:prstGeom>
+          <a:ln w="12700">
+            <a:solidFill>
+              <a:schemeClr val="tx1"/>
+            </a:solidFill>
+          </a:ln>
+        </p:spPr>
+        <p:style>
+          <a:lnRef idx="1">
+            <a:schemeClr val="accent1"/>
+          </a:lnRef>
+          <a:fillRef idx="0">
+            <a:schemeClr val="accent1"/>
+          </a:fillRef>
+          <a:effectRef idx="0">
+            <a:schemeClr val="accent1"/>
+          </a:effectRef>
+          <a:fontRef idx="minor">
+            <a:schemeClr val="tx1"/>
+          </a:fontRef>
+        </p:style>
+      </p:cxnSp>
+      <p:cxnSp>
+        <p:nvCxnSpPr>
+          <p:cNvPr id="10" name="直線接點 9"/>
+          <p:cNvCxnSpPr/>
+          <p:nvPr/>
+        </p:nvCxnSpPr>
+        <p:spPr>
+          <a:xfrm>
+            <a:off x="4724400" y="1164858"/>
+            <a:ext cx="0" cy="119921"/>
+          </a:xfrm>
+          <a:prstGeom prst="line">
+            <a:avLst/>
+          </a:prstGeom>
+          <a:ln w="12700">
+            <a:solidFill>
+              <a:schemeClr val="tx1"/>
+            </a:solidFill>
+          </a:ln>
+        </p:spPr>
+        <p:style>
+          <a:lnRef idx="1">
+            <a:schemeClr val="accent1"/>
+          </a:lnRef>
+          <a:fillRef idx="0">
+            <a:schemeClr val="accent1"/>
+          </a:fillRef>
+          <a:effectRef idx="0">
+            <a:schemeClr val="accent1"/>
+          </a:effectRef>
+          <a:fontRef idx="minor">
+            <a:schemeClr val="tx1"/>
+          </a:fontRef>
+        </p:style>
+      </p:cxnSp>
+      <p:cxnSp>
+        <p:nvCxnSpPr>
+          <p:cNvPr id="11" name="直線接點 10"/>
+          <p:cNvCxnSpPr/>
+          <p:nvPr/>
+        </p:nvCxnSpPr>
+        <p:spPr>
+          <a:xfrm>
+            <a:off x="8839200" y="1145193"/>
+            <a:ext cx="0" cy="119921"/>
+          </a:xfrm>
+          <a:prstGeom prst="line">
+            <a:avLst/>
+          </a:prstGeom>
+          <a:ln w="12700">
+            <a:solidFill>
+              <a:schemeClr val="tx1"/>
+            </a:solidFill>
+          </a:ln>
+        </p:spPr>
+        <p:style>
+          <a:lnRef idx="1">
+            <a:schemeClr val="accent1"/>
+          </a:lnRef>
+          <a:fillRef idx="0">
+            <a:schemeClr val="accent1"/>
+          </a:fillRef>
+          <a:effectRef idx="0">
+            <a:schemeClr val="accent1"/>
+          </a:effectRef>
+          <a:fontRef idx="minor">
+            <a:schemeClr val="tx1"/>
+          </a:fontRef>
+        </p:style>
+      </p:cxnSp>
+      <p:cxnSp>
+        <p:nvCxnSpPr>
+          <p:cNvPr id="14" name="直線接點 13"/>
+          <p:cNvCxnSpPr/>
+          <p:nvPr/>
+        </p:nvCxnSpPr>
+        <p:spPr>
+          <a:xfrm>
+            <a:off x="8839200" y="119979"/>
+            <a:ext cx="0" cy="133200"/>
+          </a:xfrm>
+          <a:prstGeom prst="line">
+            <a:avLst/>
+          </a:prstGeom>
+          <a:ln w="12700">
+            <a:solidFill>
+              <a:schemeClr val="tx1"/>
+            </a:solidFill>
+          </a:ln>
+        </p:spPr>
+        <p:style>
+          <a:lnRef idx="1">
+            <a:schemeClr val="accent1"/>
+          </a:lnRef>
+          <a:fillRef idx="0">
+            <a:schemeClr val="accent1"/>
+          </a:fillRef>
+          <a:effectRef idx="0">
+            <a:schemeClr val="accent1"/>
+          </a:effectRef>
+          <a:fontRef idx="minor">
+            <a:schemeClr val="tx1"/>
+          </a:fontRef>
+        </p:style>
+      </p:cxnSp>
+      <p:cxnSp>
+        <p:nvCxnSpPr>
+          <p:cNvPr id="15" name="直線接點 14"/>
+          <p:cNvCxnSpPr/>
+          <p:nvPr/>
+        </p:nvCxnSpPr>
+        <p:spPr>
+          <a:xfrm>
+            <a:off x="7420801" y="102471"/>
+            <a:ext cx="0" cy="133200"/>
+          </a:xfrm>
+          <a:prstGeom prst="line">
+            <a:avLst/>
+          </a:prstGeom>
+          <a:ln w="12700">
+            <a:solidFill>
+              <a:schemeClr val="tx1"/>
+            </a:solidFill>
+          </a:ln>
+        </p:spPr>
+        <p:style>
+          <a:lnRef idx="1">
+            <a:schemeClr val="accent1"/>
+          </a:lnRef>
+          <a:fillRef idx="0">
+            <a:schemeClr val="accent1"/>
+          </a:fillRef>
+          <a:effectRef idx="0">
+            <a:schemeClr val="accent1"/>
+          </a:effectRef>
+          <a:fontRef idx="minor">
+            <a:schemeClr val="tx1"/>
+          </a:fontRef>
+        </p:style>
+      </p:cxnSp>
+      <p:cxnSp>
+        <p:nvCxnSpPr>
+          <p:cNvPr id="16" name="直線單箭頭接點 15"/>
+          <p:cNvCxnSpPr/>
+          <p:nvPr/>
+        </p:nvCxnSpPr>
+        <p:spPr>
+          <a:xfrm flipV="1">
+            <a:off x="4724400" y="1206318"/>
+            <a:ext cx="4114800" cy="13321"/>
+          </a:xfrm>
+          <a:prstGeom prst="straightConnector1">
+            <a:avLst/>
+          </a:prstGeom>
+          <a:ln w="19050">
+            <a:headEnd type="triangle"/>
+            <a:tailEnd type="triangle"/>
+          </a:ln>
+        </p:spPr>
+        <p:style>
+          <a:lnRef idx="1">
+            <a:schemeClr val="accent1"/>
+          </a:lnRef>
+          <a:fillRef idx="0">
+            <a:schemeClr val="accent1"/>
+          </a:fillRef>
+          <a:effectRef idx="0">
+            <a:schemeClr val="accent1"/>
+          </a:effectRef>
+          <a:fontRef idx="minor">
+            <a:schemeClr val="tx1"/>
+          </a:fontRef>
+        </p:style>
+      </p:cxnSp>
+      <p:sp>
+        <p:nvSpPr>
+          <p:cNvPr id="17" name="矩形 16">
+            <a:extLst>
+              <a:ext uri="{FF2B5EF4-FFF2-40B4-BE49-F238E27FC236}">
+                <a16:creationId xmlns:a16="http://schemas.microsoft.com/office/drawing/2014/main" id="{5806C887-6AF6-734F-BA81-007EA40BB3E9}"/>
+              </a:ext>
+            </a:extLst>
+          </p:cNvPr>
+          <p:cNvSpPr/>
+          <p:nvPr/>
+        </p:nvSpPr>
+        <p:spPr>
+          <a:xfrm>
+            <a:off x="6264815" y="1194532"/>
+            <a:ext cx="1409360" cy="261610"/>
+          </a:xfrm>
+          <a:prstGeom prst="rect">
+            <a:avLst/>
+          </a:prstGeom>
+        </p:spPr>
+        <p:txBody>
+          <a:bodyPr wrap="none">
+            <a:spAutoFit/>
+          </a:bodyPr>
+          <a:lstStyle/>
+          <a:p>
+            <a:r>
+              <a:rPr lang="zh-TW" altLang="en-US" sz="1100" b="1" dirty="0" smtClean="0">
+                <a:latin typeface="Microsoft JhengHei" panose="020B0604030504040204" pitchFamily="34" charset="-120"/>
+                <a:ea typeface="Microsoft JhengHei" panose="020B0604030504040204" pitchFamily="34" charset="-120"/>
+              </a:rPr>
+              <a:t>合計</a:t>
+            </a:r>
+            <a:r>
+              <a:rPr lang="en-US" altLang="zh-TW" sz="1100" b="1" dirty="0" smtClean="0">
+                <a:latin typeface="Microsoft JhengHei" panose="020B0604030504040204" pitchFamily="34" charset="-120"/>
+                <a:ea typeface="Microsoft JhengHei" panose="020B0604030504040204" pitchFamily="34" charset="-120"/>
+              </a:rPr>
+              <a:t>${hour24}mm</a:t>
+            </a:r>
+            <a:endParaRPr lang="zh-TW" altLang="en-US" sz="1100" b="1" dirty="0">
+              <a:latin typeface="Microsoft JhengHei" panose="020B0604030504040204" pitchFamily="34" charset="-120"/>
+              <a:ea typeface="Microsoft JhengHei" panose="020B0604030504040204" pitchFamily="34" charset="-120"/>
+            </a:endParaRPr>
+          </a:p>
+        </p:txBody>
+      </p:sp>
+      <p:cxnSp>
+        <p:nvCxnSpPr>
+          <p:cNvPr id="18" name="直線單箭頭接點 17"/>
+          <p:cNvCxnSpPr/>
+          <p:nvPr/>
+        </p:nvCxnSpPr>
+        <p:spPr>
+          <a:xfrm>
+            <a:off x="4724400" y="169071"/>
+            <a:ext cx="2696401" cy="0"/>
+          </a:xfrm>
+          <a:prstGeom prst="straightConnector1">
+            <a:avLst/>
+          </a:prstGeom>
+          <a:ln w="19050">
+            <a:headEnd type="triangle"/>
+            <a:tailEnd type="triangle"/>
+          </a:ln>
+        </p:spPr>
+        <p:style>
+          <a:lnRef idx="1">
+            <a:schemeClr val="accent1"/>
+          </a:lnRef>
+          <a:fillRef idx="0">
+            <a:schemeClr val="accent1"/>
+          </a:fillRef>
+          <a:effectRef idx="0">
+            <a:schemeClr val="accent1"/>
+          </a:effectRef>
+          <a:fontRef idx="minor">
+            <a:schemeClr val="tx1"/>
+          </a:fontRef>
+        </p:style>
+      </p:cxnSp>
+      <p:sp>
+        <p:nvSpPr>
+          <p:cNvPr id="19" name="矩形 18">
+            <a:extLst>
+              <a:ext uri="{FF2B5EF4-FFF2-40B4-BE49-F238E27FC236}">
+                <a16:creationId xmlns:a16="http://schemas.microsoft.com/office/drawing/2014/main" id="{5806C887-6AF6-734F-BA81-007EA40BB3E9}"/>
+              </a:ext>
+            </a:extLst>
+          </p:cNvPr>
+          <p:cNvSpPr/>
+          <p:nvPr/>
+        </p:nvSpPr>
+        <p:spPr>
+          <a:xfrm>
+            <a:off x="5234654" y="-49353"/>
+            <a:ext cx="1858201" cy="261610"/>
+          </a:xfrm>
+          <a:prstGeom prst="rect">
+            <a:avLst/>
+          </a:prstGeom>
+        </p:spPr>
+        <p:txBody>
+          <a:bodyPr wrap="none">
+            <a:spAutoFit/>
+          </a:bodyPr>
+          <a:lstStyle/>
+          <a:p>
+            <a:r>
+              <a:rPr lang="en-US" altLang="zh-TW" sz="1100" b="1" dirty="0" smtClean="0">
+                <a:latin typeface="Microsoft JhengHei" panose="020B0604030504040204" pitchFamily="34" charset="-120"/>
+                <a:ea typeface="Microsoft JhengHei" panose="020B0604030504040204" pitchFamily="34" charset="-120"/>
+              </a:rPr>
+              <a:t>18</a:t>
+            </a:r>
+            <a:r>
+              <a:rPr lang="zh-TW" altLang="en-US" sz="1100" b="1" dirty="0" smtClean="0">
+                <a:latin typeface="Microsoft JhengHei" panose="020B0604030504040204" pitchFamily="34" charset="-120"/>
+                <a:ea typeface="Microsoft JhengHei" panose="020B0604030504040204" pitchFamily="34" charset="-120"/>
+              </a:rPr>
+              <a:t>小時觀測</a:t>
+            </a:r>
+            <a:r>
+              <a:rPr lang="en-US" altLang="zh-TW" sz="1100" b="1" dirty="0" smtClean="0">
+                <a:latin typeface="Microsoft JhengHei" panose="020B0604030504040204" pitchFamily="34" charset="-120"/>
+                <a:ea typeface="Microsoft JhengHei" panose="020B0604030504040204" pitchFamily="34" charset="-120"/>
+              </a:rPr>
+              <a:t>${hour18}mm</a:t>
+            </a:r>
+            <a:endParaRPr lang="zh-TW" altLang="en-US" sz="1100" b="1" dirty="0">
+              <a:latin typeface="Microsoft JhengHei" panose="020B0604030504040204" pitchFamily="34" charset="-120"/>
+              <a:ea typeface="Microsoft JhengHei" panose="020B0604030504040204" pitchFamily="34" charset="-120"/>
+            </a:endParaRPr>
+          </a:p>
+        </p:txBody>
+      </p:sp>
+      <p:cxnSp>
+        <p:nvCxnSpPr>
+          <p:cNvPr id="20" name="直線單箭頭接點 19"/>
+          <p:cNvCxnSpPr/>
+          <p:nvPr/>
+        </p:nvCxnSpPr>
+        <p:spPr>
+          <a:xfrm flipV="1">
+            <a:off x="7420801" y="167366"/>
+            <a:ext cx="1418399" cy="1705"/>
+          </a:xfrm>
+          <a:prstGeom prst="straightConnector1">
+            <a:avLst/>
+          </a:prstGeom>
+          <a:ln>
+            <a:headEnd type="triangle"/>
+            <a:tailEnd type="triangle"/>
+          </a:ln>
+        </p:spPr>
+        <p:style>
+          <a:lnRef idx="1">
+            <a:schemeClr val="accent3"/>
+          </a:lnRef>
+          <a:fillRef idx="0">
+            <a:schemeClr val="accent3"/>
+          </a:fillRef>
+          <a:effectRef idx="0">
+            <a:schemeClr val="accent3"/>
+          </a:effectRef>
+          <a:fontRef idx="minor">
+            <a:schemeClr val="tx1"/>
+          </a:fontRef>
+        </p:style>
+      </p:cxnSp>
+      <p:sp>
+        <p:nvSpPr>
+          <p:cNvPr id="21" name="矩形 20">
+            <a:extLst>
+              <a:ext uri="{FF2B5EF4-FFF2-40B4-BE49-F238E27FC236}">
+                <a16:creationId xmlns:a16="http://schemas.microsoft.com/office/drawing/2014/main" id="{5806C887-6AF6-734F-BA81-007EA40BB3E9}"/>
+              </a:ext>
+            </a:extLst>
+          </p:cNvPr>
+          <p:cNvSpPr/>
+          <p:nvPr/>
+        </p:nvSpPr>
+        <p:spPr>
+          <a:xfrm>
+            <a:off x="7413181" y="-52397"/>
+            <a:ext cx="1691489" cy="261610"/>
+          </a:xfrm>
+          <a:prstGeom prst="rect">
+            <a:avLst/>
+          </a:prstGeom>
+        </p:spPr>
+        <p:txBody>
+          <a:bodyPr wrap="none">
+            <a:spAutoFit/>
+          </a:bodyPr>
+          <a:lstStyle/>
+          <a:p>
+            <a:r>
+              <a:rPr lang="en-US" altLang="zh-TW" sz="1100" b="1" dirty="0" smtClean="0">
+                <a:latin typeface="Microsoft JhengHei" panose="020B0604030504040204" pitchFamily="34" charset="-120"/>
+                <a:ea typeface="Microsoft JhengHei" panose="020B0604030504040204" pitchFamily="34" charset="-120"/>
+              </a:rPr>
+              <a:t>6</a:t>
+            </a:r>
+            <a:r>
+              <a:rPr lang="zh-TW" altLang="en-US" sz="1100" b="1" dirty="0" smtClean="0">
+                <a:latin typeface="Microsoft JhengHei" panose="020B0604030504040204" pitchFamily="34" charset="-120"/>
+                <a:ea typeface="Microsoft JhengHei" panose="020B0604030504040204" pitchFamily="34" charset="-120"/>
+              </a:rPr>
+              <a:t>小時預報</a:t>
+            </a:r>
+            <a:r>
+              <a:rPr lang="en-US" altLang="zh-TW" sz="1100" b="1" dirty="0" smtClean="0">
+                <a:latin typeface="Microsoft JhengHei" panose="020B0604030504040204" pitchFamily="34" charset="-120"/>
+                <a:ea typeface="Microsoft JhengHei" panose="020B0604030504040204" pitchFamily="34" charset="-120"/>
+              </a:rPr>
+              <a:t>${hour6}mm</a:t>
+            </a:r>
+            <a:endParaRPr lang="zh-TW" altLang="en-US" sz="1100" b="1" dirty="0">
+              <a:latin typeface="Microsoft JhengHei" panose="020B0604030504040204" pitchFamily="34" charset="-120"/>
+              <a:ea typeface="Microsoft JhengHei" panose="020B0604030504040204" pitchFamily="34" charset="-120"/>
+            </a:endParaRPr>
+          </a:p>
+        </p:txBody>
+      </p:sp>
+      <p:sp>
+        <p:nvSpPr>
+          <p:cNvPr id="22" name="矩形 21">
             <a:extLst>
               <a:ext uri="{FF2B5EF4-FFF2-40B4-BE49-F238E27FC236}">
                 <a16:creationId xmlns:a16="http://schemas.microsoft.com/office/drawing/2014/main" id="{39D7FE7C-3CEB-0A4C-845D-1ABD945B6111}"/>
@@ -10075,7 +16239,7 @@
         </p:nvSpPr>
         <p:spPr>
           <a:xfrm>
-            <a:off x="3396971" y="3383731"/>
+            <a:off x="3392388" y="3946201"/>
             <a:ext cx="1415772" cy="276999"/>
           </a:xfrm>
           <a:prstGeom prst="rect">
@@ -10111,7 +16275,7 @@
       </p:sp>
       <p:sp>
         <p:nvSpPr>
-          <p:cNvPr id="13" name="矩形 12">
+          <p:cNvPr id="23" name="矩形 22">
             <a:extLst>
               <a:ext uri="{FF2B5EF4-FFF2-40B4-BE49-F238E27FC236}">
                 <a16:creationId xmlns:a16="http://schemas.microsoft.com/office/drawing/2014/main" id="{5806C887-6AF6-734F-BA81-007EA40BB3E9}"/>
@@ -10123,7 +16287,7 @@
         </p:nvSpPr>
         <p:spPr>
           <a:xfrm>
-            <a:off x="3429000" y="691320"/>
+            <a:off x="3424417" y="1253790"/>
             <a:ext cx="1107996" cy="276999"/>
           </a:xfrm>
           <a:prstGeom prst="rect">
@@ -10467,9 +16631,444 @@
           </a:p>
         </p:txBody>
       </p:sp>
-      <p:sp>
-        <p:nvSpPr>
-          <p:cNvPr id="12" name="矩形 11">
+      <p:cxnSp>
+        <p:nvCxnSpPr>
+          <p:cNvPr id="9" name="直線接點 8"/>
+          <p:cNvCxnSpPr/>
+          <p:nvPr/>
+        </p:nvCxnSpPr>
+        <p:spPr>
+          <a:xfrm>
+            <a:off x="4724400" y="103635"/>
+            <a:ext cx="0" cy="133200"/>
+          </a:xfrm>
+          <a:prstGeom prst="line">
+            <a:avLst/>
+          </a:prstGeom>
+          <a:ln w="12700">
+            <a:solidFill>
+              <a:schemeClr val="tx1"/>
+            </a:solidFill>
+          </a:ln>
+        </p:spPr>
+        <p:style>
+          <a:lnRef idx="1">
+            <a:schemeClr val="accent1"/>
+          </a:lnRef>
+          <a:fillRef idx="0">
+            <a:schemeClr val="accent1"/>
+          </a:fillRef>
+          <a:effectRef idx="0">
+            <a:schemeClr val="accent1"/>
+          </a:effectRef>
+          <a:fontRef idx="minor">
+            <a:schemeClr val="tx1"/>
+          </a:fontRef>
+        </p:style>
+      </p:cxnSp>
+      <p:cxnSp>
+        <p:nvCxnSpPr>
+          <p:cNvPr id="10" name="直線接點 9"/>
+          <p:cNvCxnSpPr/>
+          <p:nvPr/>
+        </p:nvCxnSpPr>
+        <p:spPr>
+          <a:xfrm>
+            <a:off x="4724400" y="1164858"/>
+            <a:ext cx="0" cy="119921"/>
+          </a:xfrm>
+          <a:prstGeom prst="line">
+            <a:avLst/>
+          </a:prstGeom>
+          <a:ln w="12700">
+            <a:solidFill>
+              <a:schemeClr val="tx1"/>
+            </a:solidFill>
+          </a:ln>
+        </p:spPr>
+        <p:style>
+          <a:lnRef idx="1">
+            <a:schemeClr val="accent1"/>
+          </a:lnRef>
+          <a:fillRef idx="0">
+            <a:schemeClr val="accent1"/>
+          </a:fillRef>
+          <a:effectRef idx="0">
+            <a:schemeClr val="accent1"/>
+          </a:effectRef>
+          <a:fontRef idx="minor">
+            <a:schemeClr val="tx1"/>
+          </a:fontRef>
+        </p:style>
+      </p:cxnSp>
+      <p:cxnSp>
+        <p:nvCxnSpPr>
+          <p:cNvPr id="11" name="直線接點 10"/>
+          <p:cNvCxnSpPr/>
+          <p:nvPr/>
+        </p:nvCxnSpPr>
+        <p:spPr>
+          <a:xfrm>
+            <a:off x="8839200" y="1145193"/>
+            <a:ext cx="0" cy="119921"/>
+          </a:xfrm>
+          <a:prstGeom prst="line">
+            <a:avLst/>
+          </a:prstGeom>
+          <a:ln w="12700">
+            <a:solidFill>
+              <a:schemeClr val="tx1"/>
+            </a:solidFill>
+          </a:ln>
+        </p:spPr>
+        <p:style>
+          <a:lnRef idx="1">
+            <a:schemeClr val="accent1"/>
+          </a:lnRef>
+          <a:fillRef idx="0">
+            <a:schemeClr val="accent1"/>
+          </a:fillRef>
+          <a:effectRef idx="0">
+            <a:schemeClr val="accent1"/>
+          </a:effectRef>
+          <a:fontRef idx="minor">
+            <a:schemeClr val="tx1"/>
+          </a:fontRef>
+        </p:style>
+      </p:cxnSp>
+      <p:cxnSp>
+        <p:nvCxnSpPr>
+          <p:cNvPr id="14" name="直線接點 13"/>
+          <p:cNvCxnSpPr/>
+          <p:nvPr/>
+        </p:nvCxnSpPr>
+        <p:spPr>
+          <a:xfrm>
+            <a:off x="8839200" y="119979"/>
+            <a:ext cx="0" cy="133200"/>
+          </a:xfrm>
+          <a:prstGeom prst="line">
+            <a:avLst/>
+          </a:prstGeom>
+          <a:ln w="12700">
+            <a:solidFill>
+              <a:schemeClr val="tx1"/>
+            </a:solidFill>
+          </a:ln>
+        </p:spPr>
+        <p:style>
+          <a:lnRef idx="1">
+            <a:schemeClr val="accent1"/>
+          </a:lnRef>
+          <a:fillRef idx="0">
+            <a:schemeClr val="accent1"/>
+          </a:fillRef>
+          <a:effectRef idx="0">
+            <a:schemeClr val="accent1"/>
+          </a:effectRef>
+          <a:fontRef idx="minor">
+            <a:schemeClr val="tx1"/>
+          </a:fontRef>
+        </p:style>
+      </p:cxnSp>
+      <p:cxnSp>
+        <p:nvCxnSpPr>
+          <p:cNvPr id="15" name="直線接點 14"/>
+          <p:cNvCxnSpPr/>
+          <p:nvPr/>
+        </p:nvCxnSpPr>
+        <p:spPr>
+          <a:xfrm>
+            <a:off x="7420801" y="102471"/>
+            <a:ext cx="0" cy="133200"/>
+          </a:xfrm>
+          <a:prstGeom prst="line">
+            <a:avLst/>
+          </a:prstGeom>
+          <a:ln w="12700">
+            <a:solidFill>
+              <a:schemeClr val="tx1"/>
+            </a:solidFill>
+          </a:ln>
+        </p:spPr>
+        <p:style>
+          <a:lnRef idx="1">
+            <a:schemeClr val="accent1"/>
+          </a:lnRef>
+          <a:fillRef idx="0">
+            <a:schemeClr val="accent1"/>
+          </a:fillRef>
+          <a:effectRef idx="0">
+            <a:schemeClr val="accent1"/>
+          </a:effectRef>
+          <a:fontRef idx="minor">
+            <a:schemeClr val="tx1"/>
+          </a:fontRef>
+        </p:style>
+      </p:cxnSp>
+      <p:cxnSp>
+        <p:nvCxnSpPr>
+          <p:cNvPr id="16" name="直線單箭頭接點 15"/>
+          <p:cNvCxnSpPr/>
+          <p:nvPr/>
+        </p:nvCxnSpPr>
+        <p:spPr>
+          <a:xfrm flipV="1">
+            <a:off x="4724400" y="1206318"/>
+            <a:ext cx="4114800" cy="13321"/>
+          </a:xfrm>
+          <a:prstGeom prst="straightConnector1">
+            <a:avLst/>
+          </a:prstGeom>
+          <a:ln w="19050">
+            <a:headEnd type="triangle"/>
+            <a:tailEnd type="triangle"/>
+          </a:ln>
+        </p:spPr>
+        <p:style>
+          <a:lnRef idx="1">
+            <a:schemeClr val="accent1"/>
+          </a:lnRef>
+          <a:fillRef idx="0">
+            <a:schemeClr val="accent1"/>
+          </a:fillRef>
+          <a:effectRef idx="0">
+            <a:schemeClr val="accent1"/>
+          </a:effectRef>
+          <a:fontRef idx="minor">
+            <a:schemeClr val="tx1"/>
+          </a:fontRef>
+        </p:style>
+      </p:cxnSp>
+      <p:sp>
+        <p:nvSpPr>
+          <p:cNvPr id="17" name="矩形 16">
+            <a:extLst>
+              <a:ext uri="{FF2B5EF4-FFF2-40B4-BE49-F238E27FC236}">
+                <a16:creationId xmlns:a16="http://schemas.microsoft.com/office/drawing/2014/main" id="{5806C887-6AF6-734F-BA81-007EA40BB3E9}"/>
+              </a:ext>
+            </a:extLst>
+          </p:cNvPr>
+          <p:cNvSpPr/>
+          <p:nvPr/>
+        </p:nvSpPr>
+        <p:spPr>
+          <a:xfrm>
+            <a:off x="6264815" y="1194532"/>
+            <a:ext cx="1409360" cy="261610"/>
+          </a:xfrm>
+          <a:prstGeom prst="rect">
+            <a:avLst/>
+          </a:prstGeom>
+        </p:spPr>
+        <p:txBody>
+          <a:bodyPr wrap="none">
+            <a:spAutoFit/>
+          </a:bodyPr>
+          <a:lstStyle/>
+          <a:p>
+            <a:r>
+              <a:rPr lang="zh-TW" altLang="en-US" sz="1100" b="1" dirty="0" smtClean="0">
+                <a:latin typeface="Microsoft JhengHei" panose="020B0604030504040204" pitchFamily="34" charset="-120"/>
+                <a:ea typeface="Microsoft JhengHei" panose="020B0604030504040204" pitchFamily="34" charset="-120"/>
+              </a:rPr>
+              <a:t>合計</a:t>
+            </a:r>
+            <a:r>
+              <a:rPr lang="en-US" altLang="zh-TW" sz="1100" b="1" dirty="0" smtClean="0">
+                <a:latin typeface="Microsoft JhengHei" panose="020B0604030504040204" pitchFamily="34" charset="-120"/>
+                <a:ea typeface="Microsoft JhengHei" panose="020B0604030504040204" pitchFamily="34" charset="-120"/>
+              </a:rPr>
+              <a:t>${hour24}mm</a:t>
+            </a:r>
+            <a:endParaRPr lang="zh-TW" altLang="en-US" sz="1100" b="1" dirty="0">
+              <a:latin typeface="Microsoft JhengHei" panose="020B0604030504040204" pitchFamily="34" charset="-120"/>
+              <a:ea typeface="Microsoft JhengHei" panose="020B0604030504040204" pitchFamily="34" charset="-120"/>
+            </a:endParaRPr>
+          </a:p>
+        </p:txBody>
+      </p:sp>
+      <p:cxnSp>
+        <p:nvCxnSpPr>
+          <p:cNvPr id="18" name="直線單箭頭接點 17"/>
+          <p:cNvCxnSpPr/>
+          <p:nvPr/>
+        </p:nvCxnSpPr>
+        <p:spPr>
+          <a:xfrm>
+            <a:off x="4724400" y="169071"/>
+            <a:ext cx="2696401" cy="0"/>
+          </a:xfrm>
+          <a:prstGeom prst="straightConnector1">
+            <a:avLst/>
+          </a:prstGeom>
+          <a:ln w="19050">
+            <a:headEnd type="triangle"/>
+            <a:tailEnd type="triangle"/>
+          </a:ln>
+        </p:spPr>
+        <p:style>
+          <a:lnRef idx="1">
+            <a:schemeClr val="accent1"/>
+          </a:lnRef>
+          <a:fillRef idx="0">
+            <a:schemeClr val="accent1"/>
+          </a:fillRef>
+          <a:effectRef idx="0">
+            <a:schemeClr val="accent1"/>
+          </a:effectRef>
+          <a:fontRef idx="minor">
+            <a:schemeClr val="tx1"/>
+          </a:fontRef>
+        </p:style>
+      </p:cxnSp>
+      <p:sp>
+        <p:nvSpPr>
+          <p:cNvPr id="19" name="矩形 18">
+            <a:extLst>
+              <a:ext uri="{FF2B5EF4-FFF2-40B4-BE49-F238E27FC236}">
+                <a16:creationId xmlns:a16="http://schemas.microsoft.com/office/drawing/2014/main" id="{5806C887-6AF6-734F-BA81-007EA40BB3E9}"/>
+              </a:ext>
+            </a:extLst>
+          </p:cNvPr>
+          <p:cNvSpPr/>
+          <p:nvPr/>
+        </p:nvSpPr>
+        <p:spPr>
+          <a:xfrm>
+            <a:off x="5234654" y="-49353"/>
+            <a:ext cx="1858201" cy="261610"/>
+          </a:xfrm>
+          <a:prstGeom prst="rect">
+            <a:avLst/>
+          </a:prstGeom>
+        </p:spPr>
+        <p:txBody>
+          <a:bodyPr wrap="none">
+            <a:spAutoFit/>
+          </a:bodyPr>
+          <a:lstStyle/>
+          <a:p>
+            <a:r>
+              <a:rPr lang="en-US" altLang="zh-TW" sz="1100" b="1" dirty="0" smtClean="0">
+                <a:latin typeface="Microsoft JhengHei" panose="020B0604030504040204" pitchFamily="34" charset="-120"/>
+                <a:ea typeface="Microsoft JhengHei" panose="020B0604030504040204" pitchFamily="34" charset="-120"/>
+              </a:rPr>
+              <a:t>18</a:t>
+            </a:r>
+            <a:r>
+              <a:rPr lang="zh-TW" altLang="en-US" sz="1100" b="1" dirty="0" smtClean="0">
+                <a:latin typeface="Microsoft JhengHei" panose="020B0604030504040204" pitchFamily="34" charset="-120"/>
+                <a:ea typeface="Microsoft JhengHei" panose="020B0604030504040204" pitchFamily="34" charset="-120"/>
+              </a:rPr>
+              <a:t>小時觀測</a:t>
+            </a:r>
+            <a:r>
+              <a:rPr lang="en-US" altLang="zh-TW" sz="1100" b="1" dirty="0" smtClean="0">
+                <a:latin typeface="Microsoft JhengHei" panose="020B0604030504040204" pitchFamily="34" charset="-120"/>
+                <a:ea typeface="Microsoft JhengHei" panose="020B0604030504040204" pitchFamily="34" charset="-120"/>
+              </a:rPr>
+              <a:t>${hour18}mm</a:t>
+            </a:r>
+            <a:endParaRPr lang="zh-TW" altLang="en-US" sz="1100" b="1" dirty="0">
+              <a:latin typeface="Microsoft JhengHei" panose="020B0604030504040204" pitchFamily="34" charset="-120"/>
+              <a:ea typeface="Microsoft JhengHei" panose="020B0604030504040204" pitchFamily="34" charset="-120"/>
+            </a:endParaRPr>
+          </a:p>
+        </p:txBody>
+      </p:sp>
+      <p:cxnSp>
+        <p:nvCxnSpPr>
+          <p:cNvPr id="20" name="直線單箭頭接點 19"/>
+          <p:cNvCxnSpPr/>
+          <p:nvPr/>
+        </p:nvCxnSpPr>
+        <p:spPr>
+          <a:xfrm flipV="1">
+            <a:off x="7420801" y="167366"/>
+            <a:ext cx="1418399" cy="1705"/>
+          </a:xfrm>
+          <a:prstGeom prst="straightConnector1">
+            <a:avLst/>
+          </a:prstGeom>
+          <a:ln>
+            <a:headEnd type="triangle"/>
+            <a:tailEnd type="triangle"/>
+          </a:ln>
+        </p:spPr>
+        <p:style>
+          <a:lnRef idx="1">
+            <a:schemeClr val="accent3"/>
+          </a:lnRef>
+          <a:fillRef idx="0">
+            <a:schemeClr val="accent3"/>
+          </a:fillRef>
+          <a:effectRef idx="0">
+            <a:schemeClr val="accent3"/>
+          </a:effectRef>
+          <a:fontRef idx="minor">
+            <a:schemeClr val="tx1"/>
+          </a:fontRef>
+        </p:style>
+      </p:cxnSp>
+      <p:sp>
+        <p:nvSpPr>
+          <p:cNvPr id="21" name="矩形 20">
+            <a:extLst>
+              <a:ext uri="{FF2B5EF4-FFF2-40B4-BE49-F238E27FC236}">
+                <a16:creationId xmlns:a16="http://schemas.microsoft.com/office/drawing/2014/main" id="{5806C887-6AF6-734F-BA81-007EA40BB3E9}"/>
+              </a:ext>
+            </a:extLst>
+          </p:cNvPr>
+          <p:cNvSpPr/>
+          <p:nvPr/>
+        </p:nvSpPr>
+        <p:spPr>
+          <a:xfrm>
+            <a:off x="7413181" y="-52397"/>
+            <a:ext cx="1691489" cy="261610"/>
+          </a:xfrm>
+          <a:prstGeom prst="rect">
+            <a:avLst/>
+          </a:prstGeom>
+        </p:spPr>
+        <p:txBody>
+          <a:bodyPr wrap="none">
+            <a:spAutoFit/>
+          </a:bodyPr>
+          <a:lstStyle/>
+          <a:p>
+            <a:r>
+              <a:rPr lang="en-US" altLang="zh-TW" sz="1100" b="1" dirty="0" smtClean="0">
+                <a:latin typeface="Microsoft JhengHei" panose="020B0604030504040204" pitchFamily="34" charset="-120"/>
+                <a:ea typeface="Microsoft JhengHei" panose="020B0604030504040204" pitchFamily="34" charset="-120"/>
+              </a:rPr>
+              <a:t>6</a:t>
+            </a:r>
+            <a:r>
+              <a:rPr lang="zh-TW" altLang="en-US" sz="1100" b="1" dirty="0" smtClean="0">
+                <a:latin typeface="Microsoft JhengHei" panose="020B0604030504040204" pitchFamily="34" charset="-120"/>
+                <a:ea typeface="Microsoft JhengHei" panose="020B0604030504040204" pitchFamily="34" charset="-120"/>
+              </a:rPr>
+              <a:t>小時預報</a:t>
+            </a:r>
+            <a:r>
+              <a:rPr lang="en-US" altLang="zh-TW" sz="1100" b="1" dirty="0" smtClean="0">
+                <a:latin typeface="Microsoft JhengHei" panose="020B0604030504040204" pitchFamily="34" charset="-120"/>
+                <a:ea typeface="Microsoft JhengHei" panose="020B0604030504040204" pitchFamily="34" charset="-120"/>
+              </a:rPr>
+              <a:t>${hour6}mm</a:t>
+            </a:r>
+            <a:endParaRPr lang="zh-TW" altLang="en-US" sz="1100" b="1" dirty="0">
+              <a:latin typeface="Microsoft JhengHei" panose="020B0604030504040204" pitchFamily="34" charset="-120"/>
+              <a:ea typeface="Microsoft JhengHei" panose="020B0604030504040204" pitchFamily="34" charset="-120"/>
+            </a:endParaRPr>
+          </a:p>
+        </p:txBody>
+      </p:sp>
+      <p:sp>
+        <p:nvSpPr>
+          <p:cNvPr id="22" name="矩形 21">
             <a:extLst>
               <a:ext uri="{FF2B5EF4-FFF2-40B4-BE49-F238E27FC236}">
                 <a16:creationId xmlns:a16="http://schemas.microsoft.com/office/drawing/2014/main" id="{39D7FE7C-3CEB-0A4C-845D-1ABD945B6111}"/>
@@ -10481,7 +17080,7 @@
         </p:nvSpPr>
         <p:spPr>
           <a:xfrm>
-            <a:off x="3396971" y="3383731"/>
+            <a:off x="3392388" y="3946201"/>
             <a:ext cx="1415772" cy="276999"/>
           </a:xfrm>
           <a:prstGeom prst="rect">
@@ -10517,7 +17116,7 @@
       </p:sp>
       <p:sp>
         <p:nvSpPr>
-          <p:cNvPr id="13" name="矩形 12">
+          <p:cNvPr id="23" name="矩形 22">
             <a:extLst>
               <a:ext uri="{FF2B5EF4-FFF2-40B4-BE49-F238E27FC236}">
                 <a16:creationId xmlns:a16="http://schemas.microsoft.com/office/drawing/2014/main" id="{5806C887-6AF6-734F-BA81-007EA40BB3E9}"/>
@@ -10529,7 +17128,7 @@
         </p:nvSpPr>
         <p:spPr>
           <a:xfrm>
-            <a:off x="3429000" y="691320"/>
+            <a:off x="3424417" y="1253790"/>
             <a:ext cx="1107996" cy="276999"/>
           </a:xfrm>
           <a:prstGeom prst="rect">
@@ -10890,9 +17489,444 @@
           </a:p>
         </p:txBody>
       </p:sp>
-      <p:sp>
-        <p:nvSpPr>
-          <p:cNvPr id="12" name="矩形 11">
+      <p:cxnSp>
+        <p:nvCxnSpPr>
+          <p:cNvPr id="9" name="直線接點 8"/>
+          <p:cNvCxnSpPr/>
+          <p:nvPr/>
+        </p:nvCxnSpPr>
+        <p:spPr>
+          <a:xfrm>
+            <a:off x="4724400" y="103635"/>
+            <a:ext cx="0" cy="133200"/>
+          </a:xfrm>
+          <a:prstGeom prst="line">
+            <a:avLst/>
+          </a:prstGeom>
+          <a:ln w="12700">
+            <a:solidFill>
+              <a:schemeClr val="tx1"/>
+            </a:solidFill>
+          </a:ln>
+        </p:spPr>
+        <p:style>
+          <a:lnRef idx="1">
+            <a:schemeClr val="accent1"/>
+          </a:lnRef>
+          <a:fillRef idx="0">
+            <a:schemeClr val="accent1"/>
+          </a:fillRef>
+          <a:effectRef idx="0">
+            <a:schemeClr val="accent1"/>
+          </a:effectRef>
+          <a:fontRef idx="minor">
+            <a:schemeClr val="tx1"/>
+          </a:fontRef>
+        </p:style>
+      </p:cxnSp>
+      <p:cxnSp>
+        <p:nvCxnSpPr>
+          <p:cNvPr id="10" name="直線接點 9"/>
+          <p:cNvCxnSpPr/>
+          <p:nvPr/>
+        </p:nvCxnSpPr>
+        <p:spPr>
+          <a:xfrm>
+            <a:off x="4724400" y="1164858"/>
+            <a:ext cx="0" cy="119921"/>
+          </a:xfrm>
+          <a:prstGeom prst="line">
+            <a:avLst/>
+          </a:prstGeom>
+          <a:ln w="12700">
+            <a:solidFill>
+              <a:schemeClr val="tx1"/>
+            </a:solidFill>
+          </a:ln>
+        </p:spPr>
+        <p:style>
+          <a:lnRef idx="1">
+            <a:schemeClr val="accent1"/>
+          </a:lnRef>
+          <a:fillRef idx="0">
+            <a:schemeClr val="accent1"/>
+          </a:fillRef>
+          <a:effectRef idx="0">
+            <a:schemeClr val="accent1"/>
+          </a:effectRef>
+          <a:fontRef idx="minor">
+            <a:schemeClr val="tx1"/>
+          </a:fontRef>
+        </p:style>
+      </p:cxnSp>
+      <p:cxnSp>
+        <p:nvCxnSpPr>
+          <p:cNvPr id="11" name="直線接點 10"/>
+          <p:cNvCxnSpPr/>
+          <p:nvPr/>
+        </p:nvCxnSpPr>
+        <p:spPr>
+          <a:xfrm>
+            <a:off x="8839200" y="1145193"/>
+            <a:ext cx="0" cy="119921"/>
+          </a:xfrm>
+          <a:prstGeom prst="line">
+            <a:avLst/>
+          </a:prstGeom>
+          <a:ln w="12700">
+            <a:solidFill>
+              <a:schemeClr val="tx1"/>
+            </a:solidFill>
+          </a:ln>
+        </p:spPr>
+        <p:style>
+          <a:lnRef idx="1">
+            <a:schemeClr val="accent1"/>
+          </a:lnRef>
+          <a:fillRef idx="0">
+            <a:schemeClr val="accent1"/>
+          </a:fillRef>
+          <a:effectRef idx="0">
+            <a:schemeClr val="accent1"/>
+          </a:effectRef>
+          <a:fontRef idx="minor">
+            <a:schemeClr val="tx1"/>
+          </a:fontRef>
+        </p:style>
+      </p:cxnSp>
+      <p:cxnSp>
+        <p:nvCxnSpPr>
+          <p:cNvPr id="14" name="直線接點 13"/>
+          <p:cNvCxnSpPr/>
+          <p:nvPr/>
+        </p:nvCxnSpPr>
+        <p:spPr>
+          <a:xfrm>
+            <a:off x="8839200" y="119979"/>
+            <a:ext cx="0" cy="133200"/>
+          </a:xfrm>
+          <a:prstGeom prst="line">
+            <a:avLst/>
+          </a:prstGeom>
+          <a:ln w="12700">
+            <a:solidFill>
+              <a:schemeClr val="tx1"/>
+            </a:solidFill>
+          </a:ln>
+        </p:spPr>
+        <p:style>
+          <a:lnRef idx="1">
+            <a:schemeClr val="accent1"/>
+          </a:lnRef>
+          <a:fillRef idx="0">
+            <a:schemeClr val="accent1"/>
+          </a:fillRef>
+          <a:effectRef idx="0">
+            <a:schemeClr val="accent1"/>
+          </a:effectRef>
+          <a:fontRef idx="minor">
+            <a:schemeClr val="tx1"/>
+          </a:fontRef>
+        </p:style>
+      </p:cxnSp>
+      <p:cxnSp>
+        <p:nvCxnSpPr>
+          <p:cNvPr id="15" name="直線接點 14"/>
+          <p:cNvCxnSpPr/>
+          <p:nvPr/>
+        </p:nvCxnSpPr>
+        <p:spPr>
+          <a:xfrm>
+            <a:off x="7420801" y="102471"/>
+            <a:ext cx="0" cy="133200"/>
+          </a:xfrm>
+          <a:prstGeom prst="line">
+            <a:avLst/>
+          </a:prstGeom>
+          <a:ln w="12700">
+            <a:solidFill>
+              <a:schemeClr val="tx1"/>
+            </a:solidFill>
+          </a:ln>
+        </p:spPr>
+        <p:style>
+          <a:lnRef idx="1">
+            <a:schemeClr val="accent1"/>
+          </a:lnRef>
+          <a:fillRef idx="0">
+            <a:schemeClr val="accent1"/>
+          </a:fillRef>
+          <a:effectRef idx="0">
+            <a:schemeClr val="accent1"/>
+          </a:effectRef>
+          <a:fontRef idx="minor">
+            <a:schemeClr val="tx1"/>
+          </a:fontRef>
+        </p:style>
+      </p:cxnSp>
+      <p:cxnSp>
+        <p:nvCxnSpPr>
+          <p:cNvPr id="16" name="直線單箭頭接點 15"/>
+          <p:cNvCxnSpPr/>
+          <p:nvPr/>
+        </p:nvCxnSpPr>
+        <p:spPr>
+          <a:xfrm flipV="1">
+            <a:off x="4724400" y="1206318"/>
+            <a:ext cx="4114800" cy="13321"/>
+          </a:xfrm>
+          <a:prstGeom prst="straightConnector1">
+            <a:avLst/>
+          </a:prstGeom>
+          <a:ln w="19050">
+            <a:headEnd type="triangle"/>
+            <a:tailEnd type="triangle"/>
+          </a:ln>
+        </p:spPr>
+        <p:style>
+          <a:lnRef idx="1">
+            <a:schemeClr val="accent1"/>
+          </a:lnRef>
+          <a:fillRef idx="0">
+            <a:schemeClr val="accent1"/>
+          </a:fillRef>
+          <a:effectRef idx="0">
+            <a:schemeClr val="accent1"/>
+          </a:effectRef>
+          <a:fontRef idx="minor">
+            <a:schemeClr val="tx1"/>
+          </a:fontRef>
+        </p:style>
+      </p:cxnSp>
+      <p:sp>
+        <p:nvSpPr>
+          <p:cNvPr id="17" name="矩形 16">
+            <a:extLst>
+              <a:ext uri="{FF2B5EF4-FFF2-40B4-BE49-F238E27FC236}">
+                <a16:creationId xmlns:a16="http://schemas.microsoft.com/office/drawing/2014/main" id="{5806C887-6AF6-734F-BA81-007EA40BB3E9}"/>
+              </a:ext>
+            </a:extLst>
+          </p:cNvPr>
+          <p:cNvSpPr/>
+          <p:nvPr/>
+        </p:nvSpPr>
+        <p:spPr>
+          <a:xfrm>
+            <a:off x="6264815" y="1194532"/>
+            <a:ext cx="1409360" cy="261610"/>
+          </a:xfrm>
+          <a:prstGeom prst="rect">
+            <a:avLst/>
+          </a:prstGeom>
+        </p:spPr>
+        <p:txBody>
+          <a:bodyPr wrap="none">
+            <a:spAutoFit/>
+          </a:bodyPr>
+          <a:lstStyle/>
+          <a:p>
+            <a:r>
+              <a:rPr lang="zh-TW" altLang="en-US" sz="1100" b="1" dirty="0" smtClean="0">
+                <a:latin typeface="Microsoft JhengHei" panose="020B0604030504040204" pitchFamily="34" charset="-120"/>
+                <a:ea typeface="Microsoft JhengHei" panose="020B0604030504040204" pitchFamily="34" charset="-120"/>
+              </a:rPr>
+              <a:t>合計</a:t>
+            </a:r>
+            <a:r>
+              <a:rPr lang="en-US" altLang="zh-TW" sz="1100" b="1" dirty="0" smtClean="0">
+                <a:latin typeface="Microsoft JhengHei" panose="020B0604030504040204" pitchFamily="34" charset="-120"/>
+                <a:ea typeface="Microsoft JhengHei" panose="020B0604030504040204" pitchFamily="34" charset="-120"/>
+              </a:rPr>
+              <a:t>${hour24}mm</a:t>
+            </a:r>
+            <a:endParaRPr lang="zh-TW" altLang="en-US" sz="1100" b="1" dirty="0">
+              <a:latin typeface="Microsoft JhengHei" panose="020B0604030504040204" pitchFamily="34" charset="-120"/>
+              <a:ea typeface="Microsoft JhengHei" panose="020B0604030504040204" pitchFamily="34" charset="-120"/>
+            </a:endParaRPr>
+          </a:p>
+        </p:txBody>
+      </p:sp>
+      <p:cxnSp>
+        <p:nvCxnSpPr>
+          <p:cNvPr id="18" name="直線單箭頭接點 17"/>
+          <p:cNvCxnSpPr/>
+          <p:nvPr/>
+        </p:nvCxnSpPr>
+        <p:spPr>
+          <a:xfrm>
+            <a:off x="4724400" y="169071"/>
+            <a:ext cx="2696401" cy="0"/>
+          </a:xfrm>
+          <a:prstGeom prst="straightConnector1">
+            <a:avLst/>
+          </a:prstGeom>
+          <a:ln w="19050">
+            <a:headEnd type="triangle"/>
+            <a:tailEnd type="triangle"/>
+          </a:ln>
+        </p:spPr>
+        <p:style>
+          <a:lnRef idx="1">
+            <a:schemeClr val="accent1"/>
+          </a:lnRef>
+          <a:fillRef idx="0">
+            <a:schemeClr val="accent1"/>
+          </a:fillRef>
+          <a:effectRef idx="0">
+            <a:schemeClr val="accent1"/>
+          </a:effectRef>
+          <a:fontRef idx="minor">
+            <a:schemeClr val="tx1"/>
+          </a:fontRef>
+        </p:style>
+      </p:cxnSp>
+      <p:sp>
+        <p:nvSpPr>
+          <p:cNvPr id="19" name="矩形 18">
+            <a:extLst>
+              <a:ext uri="{FF2B5EF4-FFF2-40B4-BE49-F238E27FC236}">
+                <a16:creationId xmlns:a16="http://schemas.microsoft.com/office/drawing/2014/main" id="{5806C887-6AF6-734F-BA81-007EA40BB3E9}"/>
+              </a:ext>
+            </a:extLst>
+          </p:cNvPr>
+          <p:cNvSpPr/>
+          <p:nvPr/>
+        </p:nvSpPr>
+        <p:spPr>
+          <a:xfrm>
+            <a:off x="5234654" y="-49353"/>
+            <a:ext cx="1858201" cy="261610"/>
+          </a:xfrm>
+          <a:prstGeom prst="rect">
+            <a:avLst/>
+          </a:prstGeom>
+        </p:spPr>
+        <p:txBody>
+          <a:bodyPr wrap="none">
+            <a:spAutoFit/>
+          </a:bodyPr>
+          <a:lstStyle/>
+          <a:p>
+            <a:r>
+              <a:rPr lang="en-US" altLang="zh-TW" sz="1100" b="1" dirty="0" smtClean="0">
+                <a:latin typeface="Microsoft JhengHei" panose="020B0604030504040204" pitchFamily="34" charset="-120"/>
+                <a:ea typeface="Microsoft JhengHei" panose="020B0604030504040204" pitchFamily="34" charset="-120"/>
+              </a:rPr>
+              <a:t>18</a:t>
+            </a:r>
+            <a:r>
+              <a:rPr lang="zh-TW" altLang="en-US" sz="1100" b="1" dirty="0" smtClean="0">
+                <a:latin typeface="Microsoft JhengHei" panose="020B0604030504040204" pitchFamily="34" charset="-120"/>
+                <a:ea typeface="Microsoft JhengHei" panose="020B0604030504040204" pitchFamily="34" charset="-120"/>
+              </a:rPr>
+              <a:t>小時觀測</a:t>
+            </a:r>
+            <a:r>
+              <a:rPr lang="en-US" altLang="zh-TW" sz="1100" b="1" dirty="0" smtClean="0">
+                <a:latin typeface="Microsoft JhengHei" panose="020B0604030504040204" pitchFamily="34" charset="-120"/>
+                <a:ea typeface="Microsoft JhengHei" panose="020B0604030504040204" pitchFamily="34" charset="-120"/>
+              </a:rPr>
+              <a:t>${hour18}mm</a:t>
+            </a:r>
+            <a:endParaRPr lang="zh-TW" altLang="en-US" sz="1100" b="1" dirty="0">
+              <a:latin typeface="Microsoft JhengHei" panose="020B0604030504040204" pitchFamily="34" charset="-120"/>
+              <a:ea typeface="Microsoft JhengHei" panose="020B0604030504040204" pitchFamily="34" charset="-120"/>
+            </a:endParaRPr>
+          </a:p>
+        </p:txBody>
+      </p:sp>
+      <p:cxnSp>
+        <p:nvCxnSpPr>
+          <p:cNvPr id="20" name="直線單箭頭接點 19"/>
+          <p:cNvCxnSpPr/>
+          <p:nvPr/>
+        </p:nvCxnSpPr>
+        <p:spPr>
+          <a:xfrm flipV="1">
+            <a:off x="7420801" y="167366"/>
+            <a:ext cx="1418399" cy="1705"/>
+          </a:xfrm>
+          <a:prstGeom prst="straightConnector1">
+            <a:avLst/>
+          </a:prstGeom>
+          <a:ln>
+            <a:headEnd type="triangle"/>
+            <a:tailEnd type="triangle"/>
+          </a:ln>
+        </p:spPr>
+        <p:style>
+          <a:lnRef idx="1">
+            <a:schemeClr val="accent3"/>
+          </a:lnRef>
+          <a:fillRef idx="0">
+            <a:schemeClr val="accent3"/>
+          </a:fillRef>
+          <a:effectRef idx="0">
+            <a:schemeClr val="accent3"/>
+          </a:effectRef>
+          <a:fontRef idx="minor">
+            <a:schemeClr val="tx1"/>
+          </a:fontRef>
+        </p:style>
+      </p:cxnSp>
+      <p:sp>
+        <p:nvSpPr>
+          <p:cNvPr id="21" name="矩形 20">
+            <a:extLst>
+              <a:ext uri="{FF2B5EF4-FFF2-40B4-BE49-F238E27FC236}">
+                <a16:creationId xmlns:a16="http://schemas.microsoft.com/office/drawing/2014/main" id="{5806C887-6AF6-734F-BA81-007EA40BB3E9}"/>
+              </a:ext>
+            </a:extLst>
+          </p:cNvPr>
+          <p:cNvSpPr/>
+          <p:nvPr/>
+        </p:nvSpPr>
+        <p:spPr>
+          <a:xfrm>
+            <a:off x="7413181" y="-52397"/>
+            <a:ext cx="1691489" cy="261610"/>
+          </a:xfrm>
+          <a:prstGeom prst="rect">
+            <a:avLst/>
+          </a:prstGeom>
+        </p:spPr>
+        <p:txBody>
+          <a:bodyPr wrap="none">
+            <a:spAutoFit/>
+          </a:bodyPr>
+          <a:lstStyle/>
+          <a:p>
+            <a:r>
+              <a:rPr lang="en-US" altLang="zh-TW" sz="1100" b="1" dirty="0" smtClean="0">
+                <a:latin typeface="Microsoft JhengHei" panose="020B0604030504040204" pitchFamily="34" charset="-120"/>
+                <a:ea typeface="Microsoft JhengHei" panose="020B0604030504040204" pitchFamily="34" charset="-120"/>
+              </a:rPr>
+              <a:t>6</a:t>
+            </a:r>
+            <a:r>
+              <a:rPr lang="zh-TW" altLang="en-US" sz="1100" b="1" dirty="0" smtClean="0">
+                <a:latin typeface="Microsoft JhengHei" panose="020B0604030504040204" pitchFamily="34" charset="-120"/>
+                <a:ea typeface="Microsoft JhengHei" panose="020B0604030504040204" pitchFamily="34" charset="-120"/>
+              </a:rPr>
+              <a:t>小時預報</a:t>
+            </a:r>
+            <a:r>
+              <a:rPr lang="en-US" altLang="zh-TW" sz="1100" b="1" dirty="0" smtClean="0">
+                <a:latin typeface="Microsoft JhengHei" panose="020B0604030504040204" pitchFamily="34" charset="-120"/>
+                <a:ea typeface="Microsoft JhengHei" panose="020B0604030504040204" pitchFamily="34" charset="-120"/>
+              </a:rPr>
+              <a:t>${hour6}mm</a:t>
+            </a:r>
+            <a:endParaRPr lang="zh-TW" altLang="en-US" sz="1100" b="1" dirty="0">
+              <a:latin typeface="Microsoft JhengHei" panose="020B0604030504040204" pitchFamily="34" charset="-120"/>
+              <a:ea typeface="Microsoft JhengHei" panose="020B0604030504040204" pitchFamily="34" charset="-120"/>
+            </a:endParaRPr>
+          </a:p>
+        </p:txBody>
+      </p:sp>
+      <p:sp>
+        <p:nvSpPr>
+          <p:cNvPr id="22" name="矩形 21">
             <a:extLst>
               <a:ext uri="{FF2B5EF4-FFF2-40B4-BE49-F238E27FC236}">
                 <a16:creationId xmlns:a16="http://schemas.microsoft.com/office/drawing/2014/main" id="{39D7FE7C-3CEB-0A4C-845D-1ABD945B6111}"/>
@@ -10904,7 +17938,7 @@
         </p:nvSpPr>
         <p:spPr>
           <a:xfrm>
-            <a:off x="3396971" y="3383731"/>
+            <a:off x="3392388" y="3946201"/>
             <a:ext cx="1415772" cy="276999"/>
           </a:xfrm>
           <a:prstGeom prst="rect">
@@ -10940,7 +17974,7 @@
       </p:sp>
       <p:sp>
         <p:nvSpPr>
-          <p:cNvPr id="13" name="矩形 12">
+          <p:cNvPr id="23" name="矩形 22">
             <a:extLst>
               <a:ext uri="{FF2B5EF4-FFF2-40B4-BE49-F238E27FC236}">
                 <a16:creationId xmlns:a16="http://schemas.microsoft.com/office/drawing/2014/main" id="{5806C887-6AF6-734F-BA81-007EA40BB3E9}"/>
@@ -10952,7 +17986,7 @@
         </p:nvSpPr>
         <p:spPr>
           <a:xfrm>
-            <a:off x="3429000" y="691320"/>
+            <a:off x="3424417" y="1253790"/>
             <a:ext cx="1107996" cy="276999"/>
           </a:xfrm>
           <a:prstGeom prst="rect">
@@ -11313,9 +18347,444 @@
           </a:p>
         </p:txBody>
       </p:sp>
-      <p:sp>
-        <p:nvSpPr>
-          <p:cNvPr id="12" name="矩形 11">
+      <p:cxnSp>
+        <p:nvCxnSpPr>
+          <p:cNvPr id="9" name="直線接點 8"/>
+          <p:cNvCxnSpPr/>
+          <p:nvPr/>
+        </p:nvCxnSpPr>
+        <p:spPr>
+          <a:xfrm>
+            <a:off x="4724400" y="103635"/>
+            <a:ext cx="0" cy="133200"/>
+          </a:xfrm>
+          <a:prstGeom prst="line">
+            <a:avLst/>
+          </a:prstGeom>
+          <a:ln w="12700">
+            <a:solidFill>
+              <a:schemeClr val="tx1"/>
+            </a:solidFill>
+          </a:ln>
+        </p:spPr>
+        <p:style>
+          <a:lnRef idx="1">
+            <a:schemeClr val="accent1"/>
+          </a:lnRef>
+          <a:fillRef idx="0">
+            <a:schemeClr val="accent1"/>
+          </a:fillRef>
+          <a:effectRef idx="0">
+            <a:schemeClr val="accent1"/>
+          </a:effectRef>
+          <a:fontRef idx="minor">
+            <a:schemeClr val="tx1"/>
+          </a:fontRef>
+        </p:style>
+      </p:cxnSp>
+      <p:cxnSp>
+        <p:nvCxnSpPr>
+          <p:cNvPr id="10" name="直線接點 9"/>
+          <p:cNvCxnSpPr/>
+          <p:nvPr/>
+        </p:nvCxnSpPr>
+        <p:spPr>
+          <a:xfrm>
+            <a:off x="4724400" y="1164858"/>
+            <a:ext cx="0" cy="119921"/>
+          </a:xfrm>
+          <a:prstGeom prst="line">
+            <a:avLst/>
+          </a:prstGeom>
+          <a:ln w="12700">
+            <a:solidFill>
+              <a:schemeClr val="tx1"/>
+            </a:solidFill>
+          </a:ln>
+        </p:spPr>
+        <p:style>
+          <a:lnRef idx="1">
+            <a:schemeClr val="accent1"/>
+          </a:lnRef>
+          <a:fillRef idx="0">
+            <a:schemeClr val="accent1"/>
+          </a:fillRef>
+          <a:effectRef idx="0">
+            <a:schemeClr val="accent1"/>
+          </a:effectRef>
+          <a:fontRef idx="minor">
+            <a:schemeClr val="tx1"/>
+          </a:fontRef>
+        </p:style>
+      </p:cxnSp>
+      <p:cxnSp>
+        <p:nvCxnSpPr>
+          <p:cNvPr id="11" name="直線接點 10"/>
+          <p:cNvCxnSpPr/>
+          <p:nvPr/>
+        </p:nvCxnSpPr>
+        <p:spPr>
+          <a:xfrm>
+            <a:off x="8839200" y="1145193"/>
+            <a:ext cx="0" cy="119921"/>
+          </a:xfrm>
+          <a:prstGeom prst="line">
+            <a:avLst/>
+          </a:prstGeom>
+          <a:ln w="12700">
+            <a:solidFill>
+              <a:schemeClr val="tx1"/>
+            </a:solidFill>
+          </a:ln>
+        </p:spPr>
+        <p:style>
+          <a:lnRef idx="1">
+            <a:schemeClr val="accent1"/>
+          </a:lnRef>
+          <a:fillRef idx="0">
+            <a:schemeClr val="accent1"/>
+          </a:fillRef>
+          <a:effectRef idx="0">
+            <a:schemeClr val="accent1"/>
+          </a:effectRef>
+          <a:fontRef idx="minor">
+            <a:schemeClr val="tx1"/>
+          </a:fontRef>
+        </p:style>
+      </p:cxnSp>
+      <p:cxnSp>
+        <p:nvCxnSpPr>
+          <p:cNvPr id="14" name="直線接點 13"/>
+          <p:cNvCxnSpPr/>
+          <p:nvPr/>
+        </p:nvCxnSpPr>
+        <p:spPr>
+          <a:xfrm>
+            <a:off x="8839200" y="119979"/>
+            <a:ext cx="0" cy="133200"/>
+          </a:xfrm>
+          <a:prstGeom prst="line">
+            <a:avLst/>
+          </a:prstGeom>
+          <a:ln w="12700">
+            <a:solidFill>
+              <a:schemeClr val="tx1"/>
+            </a:solidFill>
+          </a:ln>
+        </p:spPr>
+        <p:style>
+          <a:lnRef idx="1">
+            <a:schemeClr val="accent1"/>
+          </a:lnRef>
+          <a:fillRef idx="0">
+            <a:schemeClr val="accent1"/>
+          </a:fillRef>
+          <a:effectRef idx="0">
+            <a:schemeClr val="accent1"/>
+          </a:effectRef>
+          <a:fontRef idx="minor">
+            <a:schemeClr val="tx1"/>
+          </a:fontRef>
+        </p:style>
+      </p:cxnSp>
+      <p:cxnSp>
+        <p:nvCxnSpPr>
+          <p:cNvPr id="15" name="直線接點 14"/>
+          <p:cNvCxnSpPr/>
+          <p:nvPr/>
+        </p:nvCxnSpPr>
+        <p:spPr>
+          <a:xfrm>
+            <a:off x="7420801" y="102471"/>
+            <a:ext cx="0" cy="133200"/>
+          </a:xfrm>
+          <a:prstGeom prst="line">
+            <a:avLst/>
+          </a:prstGeom>
+          <a:ln w="12700">
+            <a:solidFill>
+              <a:schemeClr val="tx1"/>
+            </a:solidFill>
+          </a:ln>
+        </p:spPr>
+        <p:style>
+          <a:lnRef idx="1">
+            <a:schemeClr val="accent1"/>
+          </a:lnRef>
+          <a:fillRef idx="0">
+            <a:schemeClr val="accent1"/>
+          </a:fillRef>
+          <a:effectRef idx="0">
+            <a:schemeClr val="accent1"/>
+          </a:effectRef>
+          <a:fontRef idx="minor">
+            <a:schemeClr val="tx1"/>
+          </a:fontRef>
+        </p:style>
+      </p:cxnSp>
+      <p:cxnSp>
+        <p:nvCxnSpPr>
+          <p:cNvPr id="16" name="直線單箭頭接點 15"/>
+          <p:cNvCxnSpPr/>
+          <p:nvPr/>
+        </p:nvCxnSpPr>
+        <p:spPr>
+          <a:xfrm flipV="1">
+            <a:off x="4724400" y="1206318"/>
+            <a:ext cx="4114800" cy="13321"/>
+          </a:xfrm>
+          <a:prstGeom prst="straightConnector1">
+            <a:avLst/>
+          </a:prstGeom>
+          <a:ln w="19050">
+            <a:headEnd type="triangle"/>
+            <a:tailEnd type="triangle"/>
+          </a:ln>
+        </p:spPr>
+        <p:style>
+          <a:lnRef idx="1">
+            <a:schemeClr val="accent1"/>
+          </a:lnRef>
+          <a:fillRef idx="0">
+            <a:schemeClr val="accent1"/>
+          </a:fillRef>
+          <a:effectRef idx="0">
+            <a:schemeClr val="accent1"/>
+          </a:effectRef>
+          <a:fontRef idx="minor">
+            <a:schemeClr val="tx1"/>
+          </a:fontRef>
+        </p:style>
+      </p:cxnSp>
+      <p:sp>
+        <p:nvSpPr>
+          <p:cNvPr id="17" name="矩形 16">
+            <a:extLst>
+              <a:ext uri="{FF2B5EF4-FFF2-40B4-BE49-F238E27FC236}">
+                <a16:creationId xmlns:a16="http://schemas.microsoft.com/office/drawing/2014/main" id="{5806C887-6AF6-734F-BA81-007EA40BB3E9}"/>
+              </a:ext>
+            </a:extLst>
+          </p:cNvPr>
+          <p:cNvSpPr/>
+          <p:nvPr/>
+        </p:nvSpPr>
+        <p:spPr>
+          <a:xfrm>
+            <a:off x="6264815" y="1194532"/>
+            <a:ext cx="1409360" cy="261610"/>
+          </a:xfrm>
+          <a:prstGeom prst="rect">
+            <a:avLst/>
+          </a:prstGeom>
+        </p:spPr>
+        <p:txBody>
+          <a:bodyPr wrap="none">
+            <a:spAutoFit/>
+          </a:bodyPr>
+          <a:lstStyle/>
+          <a:p>
+            <a:r>
+              <a:rPr lang="zh-TW" altLang="en-US" sz="1100" b="1" dirty="0" smtClean="0">
+                <a:latin typeface="Microsoft JhengHei" panose="020B0604030504040204" pitchFamily="34" charset="-120"/>
+                <a:ea typeface="Microsoft JhengHei" panose="020B0604030504040204" pitchFamily="34" charset="-120"/>
+              </a:rPr>
+              <a:t>合計</a:t>
+            </a:r>
+            <a:r>
+              <a:rPr lang="en-US" altLang="zh-TW" sz="1100" b="1" dirty="0" smtClean="0">
+                <a:latin typeface="Microsoft JhengHei" panose="020B0604030504040204" pitchFamily="34" charset="-120"/>
+                <a:ea typeface="Microsoft JhengHei" panose="020B0604030504040204" pitchFamily="34" charset="-120"/>
+              </a:rPr>
+              <a:t>${hour24}mm</a:t>
+            </a:r>
+            <a:endParaRPr lang="zh-TW" altLang="en-US" sz="1100" b="1" dirty="0">
+              <a:latin typeface="Microsoft JhengHei" panose="020B0604030504040204" pitchFamily="34" charset="-120"/>
+              <a:ea typeface="Microsoft JhengHei" panose="020B0604030504040204" pitchFamily="34" charset="-120"/>
+            </a:endParaRPr>
+          </a:p>
+        </p:txBody>
+      </p:sp>
+      <p:cxnSp>
+        <p:nvCxnSpPr>
+          <p:cNvPr id="18" name="直線單箭頭接點 17"/>
+          <p:cNvCxnSpPr/>
+          <p:nvPr/>
+        </p:nvCxnSpPr>
+        <p:spPr>
+          <a:xfrm>
+            <a:off x="4724400" y="169071"/>
+            <a:ext cx="2696401" cy="0"/>
+          </a:xfrm>
+          <a:prstGeom prst="straightConnector1">
+            <a:avLst/>
+          </a:prstGeom>
+          <a:ln w="19050">
+            <a:headEnd type="triangle"/>
+            <a:tailEnd type="triangle"/>
+          </a:ln>
+        </p:spPr>
+        <p:style>
+          <a:lnRef idx="1">
+            <a:schemeClr val="accent1"/>
+          </a:lnRef>
+          <a:fillRef idx="0">
+            <a:schemeClr val="accent1"/>
+          </a:fillRef>
+          <a:effectRef idx="0">
+            <a:schemeClr val="accent1"/>
+          </a:effectRef>
+          <a:fontRef idx="minor">
+            <a:schemeClr val="tx1"/>
+          </a:fontRef>
+        </p:style>
+      </p:cxnSp>
+      <p:sp>
+        <p:nvSpPr>
+          <p:cNvPr id="19" name="矩形 18">
+            <a:extLst>
+              <a:ext uri="{FF2B5EF4-FFF2-40B4-BE49-F238E27FC236}">
+                <a16:creationId xmlns:a16="http://schemas.microsoft.com/office/drawing/2014/main" id="{5806C887-6AF6-734F-BA81-007EA40BB3E9}"/>
+              </a:ext>
+            </a:extLst>
+          </p:cNvPr>
+          <p:cNvSpPr/>
+          <p:nvPr/>
+        </p:nvSpPr>
+        <p:spPr>
+          <a:xfrm>
+            <a:off x="5234654" y="-49353"/>
+            <a:ext cx="1858201" cy="261610"/>
+          </a:xfrm>
+          <a:prstGeom prst="rect">
+            <a:avLst/>
+          </a:prstGeom>
+        </p:spPr>
+        <p:txBody>
+          <a:bodyPr wrap="none">
+            <a:spAutoFit/>
+          </a:bodyPr>
+          <a:lstStyle/>
+          <a:p>
+            <a:r>
+              <a:rPr lang="en-US" altLang="zh-TW" sz="1100" b="1" dirty="0" smtClean="0">
+                <a:latin typeface="Microsoft JhengHei" panose="020B0604030504040204" pitchFamily="34" charset="-120"/>
+                <a:ea typeface="Microsoft JhengHei" panose="020B0604030504040204" pitchFamily="34" charset="-120"/>
+              </a:rPr>
+              <a:t>18</a:t>
+            </a:r>
+            <a:r>
+              <a:rPr lang="zh-TW" altLang="en-US" sz="1100" b="1" dirty="0" smtClean="0">
+                <a:latin typeface="Microsoft JhengHei" panose="020B0604030504040204" pitchFamily="34" charset="-120"/>
+                <a:ea typeface="Microsoft JhengHei" panose="020B0604030504040204" pitchFamily="34" charset="-120"/>
+              </a:rPr>
+              <a:t>小時觀測</a:t>
+            </a:r>
+            <a:r>
+              <a:rPr lang="en-US" altLang="zh-TW" sz="1100" b="1" dirty="0" smtClean="0">
+                <a:latin typeface="Microsoft JhengHei" panose="020B0604030504040204" pitchFamily="34" charset="-120"/>
+                <a:ea typeface="Microsoft JhengHei" panose="020B0604030504040204" pitchFamily="34" charset="-120"/>
+              </a:rPr>
+              <a:t>${hour18}mm</a:t>
+            </a:r>
+            <a:endParaRPr lang="zh-TW" altLang="en-US" sz="1100" b="1" dirty="0">
+              <a:latin typeface="Microsoft JhengHei" panose="020B0604030504040204" pitchFamily="34" charset="-120"/>
+              <a:ea typeface="Microsoft JhengHei" panose="020B0604030504040204" pitchFamily="34" charset="-120"/>
+            </a:endParaRPr>
+          </a:p>
+        </p:txBody>
+      </p:sp>
+      <p:cxnSp>
+        <p:nvCxnSpPr>
+          <p:cNvPr id="20" name="直線單箭頭接點 19"/>
+          <p:cNvCxnSpPr/>
+          <p:nvPr/>
+        </p:nvCxnSpPr>
+        <p:spPr>
+          <a:xfrm flipV="1">
+            <a:off x="7420801" y="167366"/>
+            <a:ext cx="1418399" cy="1705"/>
+          </a:xfrm>
+          <a:prstGeom prst="straightConnector1">
+            <a:avLst/>
+          </a:prstGeom>
+          <a:ln>
+            <a:headEnd type="triangle"/>
+            <a:tailEnd type="triangle"/>
+          </a:ln>
+        </p:spPr>
+        <p:style>
+          <a:lnRef idx="1">
+            <a:schemeClr val="accent3"/>
+          </a:lnRef>
+          <a:fillRef idx="0">
+            <a:schemeClr val="accent3"/>
+          </a:fillRef>
+          <a:effectRef idx="0">
+            <a:schemeClr val="accent3"/>
+          </a:effectRef>
+          <a:fontRef idx="minor">
+            <a:schemeClr val="tx1"/>
+          </a:fontRef>
+        </p:style>
+      </p:cxnSp>
+      <p:sp>
+        <p:nvSpPr>
+          <p:cNvPr id="21" name="矩形 20">
+            <a:extLst>
+              <a:ext uri="{FF2B5EF4-FFF2-40B4-BE49-F238E27FC236}">
+                <a16:creationId xmlns:a16="http://schemas.microsoft.com/office/drawing/2014/main" id="{5806C887-6AF6-734F-BA81-007EA40BB3E9}"/>
+              </a:ext>
+            </a:extLst>
+          </p:cNvPr>
+          <p:cNvSpPr/>
+          <p:nvPr/>
+        </p:nvSpPr>
+        <p:spPr>
+          <a:xfrm>
+            <a:off x="7413181" y="-52397"/>
+            <a:ext cx="1691489" cy="261610"/>
+          </a:xfrm>
+          <a:prstGeom prst="rect">
+            <a:avLst/>
+          </a:prstGeom>
+        </p:spPr>
+        <p:txBody>
+          <a:bodyPr wrap="none">
+            <a:spAutoFit/>
+          </a:bodyPr>
+          <a:lstStyle/>
+          <a:p>
+            <a:r>
+              <a:rPr lang="en-US" altLang="zh-TW" sz="1100" b="1" dirty="0" smtClean="0">
+                <a:latin typeface="Microsoft JhengHei" panose="020B0604030504040204" pitchFamily="34" charset="-120"/>
+                <a:ea typeface="Microsoft JhengHei" panose="020B0604030504040204" pitchFamily="34" charset="-120"/>
+              </a:rPr>
+              <a:t>6</a:t>
+            </a:r>
+            <a:r>
+              <a:rPr lang="zh-TW" altLang="en-US" sz="1100" b="1" dirty="0" smtClean="0">
+                <a:latin typeface="Microsoft JhengHei" panose="020B0604030504040204" pitchFamily="34" charset="-120"/>
+                <a:ea typeface="Microsoft JhengHei" panose="020B0604030504040204" pitchFamily="34" charset="-120"/>
+              </a:rPr>
+              <a:t>小時預報</a:t>
+            </a:r>
+            <a:r>
+              <a:rPr lang="en-US" altLang="zh-TW" sz="1100" b="1" dirty="0" smtClean="0">
+                <a:latin typeface="Microsoft JhengHei" panose="020B0604030504040204" pitchFamily="34" charset="-120"/>
+                <a:ea typeface="Microsoft JhengHei" panose="020B0604030504040204" pitchFamily="34" charset="-120"/>
+              </a:rPr>
+              <a:t>${hour6}mm</a:t>
+            </a:r>
+            <a:endParaRPr lang="zh-TW" altLang="en-US" sz="1100" b="1" dirty="0">
+              <a:latin typeface="Microsoft JhengHei" panose="020B0604030504040204" pitchFamily="34" charset="-120"/>
+              <a:ea typeface="Microsoft JhengHei" panose="020B0604030504040204" pitchFamily="34" charset="-120"/>
+            </a:endParaRPr>
+          </a:p>
+        </p:txBody>
+      </p:sp>
+      <p:sp>
+        <p:nvSpPr>
+          <p:cNvPr id="22" name="矩形 21">
             <a:extLst>
               <a:ext uri="{FF2B5EF4-FFF2-40B4-BE49-F238E27FC236}">
                 <a16:creationId xmlns:a16="http://schemas.microsoft.com/office/drawing/2014/main" id="{39D7FE7C-3CEB-0A4C-845D-1ABD945B6111}"/>
@@ -11327,7 +18796,7 @@
         </p:nvSpPr>
         <p:spPr>
           <a:xfrm>
-            <a:off x="3396971" y="3383731"/>
+            <a:off x="3392388" y="3946201"/>
             <a:ext cx="1415772" cy="276999"/>
           </a:xfrm>
           <a:prstGeom prst="rect">
@@ -11363,7 +18832,7 @@
       </p:sp>
       <p:sp>
         <p:nvSpPr>
-          <p:cNvPr id="13" name="矩形 12">
+          <p:cNvPr id="23" name="矩形 22">
             <a:extLst>
               <a:ext uri="{FF2B5EF4-FFF2-40B4-BE49-F238E27FC236}">
                 <a16:creationId xmlns:a16="http://schemas.microsoft.com/office/drawing/2014/main" id="{5806C887-6AF6-734F-BA81-007EA40BB3E9}"/>
@@ -11375,7 +18844,7 @@
         </p:nvSpPr>
         <p:spPr>
           <a:xfrm>
-            <a:off x="3429000" y="691320"/>
+            <a:off x="3424417" y="1253790"/>
             <a:ext cx="1107996" cy="276999"/>
           </a:xfrm>
           <a:prstGeom prst="rect">
